--- a/Presentations/Module 02 - Development Tools.pptx
+++ b/Presentations/Module 02 - Development Tools.pptx
@@ -8,22 +8,32 @@
     <p:sldMasterId id="2147484319" r:id="rId8"/>
   </p:sldMasterIdLst>
   <p:notesMasterIdLst>
-    <p:notesMasterId r:id="rId19"/>
+    <p:notesMasterId r:id="rId29"/>
   </p:notesMasterIdLst>
   <p:handoutMasterIdLst>
-    <p:handoutMasterId r:id="rId20"/>
+    <p:handoutMasterId r:id="rId30"/>
   </p:handoutMasterIdLst>
   <p:sldIdLst>
     <p:sldId id="256" r:id="rId9"/>
     <p:sldId id="315" r:id="rId10"/>
     <p:sldId id="316" r:id="rId11"/>
     <p:sldId id="317" r:id="rId12"/>
-    <p:sldId id="319" r:id="rId13"/>
-    <p:sldId id="318" r:id="rId14"/>
-    <p:sldId id="320" r:id="rId15"/>
-    <p:sldId id="321" r:id="rId16"/>
-    <p:sldId id="329" r:id="rId17"/>
-    <p:sldId id="268" r:id="rId18"/>
+    <p:sldId id="333" r:id="rId13"/>
+    <p:sldId id="335" r:id="rId14"/>
+    <p:sldId id="332" r:id="rId15"/>
+    <p:sldId id="340" r:id="rId16"/>
+    <p:sldId id="319" r:id="rId17"/>
+    <p:sldId id="318" r:id="rId18"/>
+    <p:sldId id="320" r:id="rId19"/>
+    <p:sldId id="330" r:id="rId20"/>
+    <p:sldId id="334" r:id="rId21"/>
+    <p:sldId id="336" r:id="rId22"/>
+    <p:sldId id="337" r:id="rId23"/>
+    <p:sldId id="338" r:id="rId24"/>
+    <p:sldId id="339" r:id="rId25"/>
+    <p:sldId id="321" r:id="rId26"/>
+    <p:sldId id="329" r:id="rId27"/>
+    <p:sldId id="268" r:id="rId28"/>
   </p:sldIdLst>
   <p:sldSz cx="12436475" cy="6994525"/>
   <p:notesSz cx="6858000" cy="9144000"/>
@@ -295,7 +305,7 @@
               <a:rPr lang="en-US" smtClean="0">
                 <a:latin typeface="Segoe UI" pitchFamily="34" charset="0"/>
               </a:rPr>
-              <a:t>2018-05-16 8:31 PM</a:t>
+              <a:t>2022-12-01 11:50 PM</a:t>
             </a:fld>
             <a:endParaRPr lang="en-US" dirty="0">
               <a:latin typeface="Segoe UI" pitchFamily="34" charset="0"/>
@@ -573,7 +583,7 @@
           <a:p>
             <a:fld id="{38EEC551-8CDA-4EB6-89BB-2A86C9F091C8}" type="datetime8">
               <a:rPr lang="en-US" smtClean="0"/>
-              <a:t>2018-05-16 8:31 PM</a:t>
+              <a:t>2022-12-01 11:50 PM</a:t>
             </a:fld>
             <a:endParaRPr lang="en-US" dirty="0"/>
           </a:p>
@@ -940,7 +950,7 @@
           <a:p>
             <a:fld id="{6D0596E5-6523-4DD8-A9ED-0418BD42519C}" type="datetime8">
               <a:rPr lang="en-US" smtClean="0"/>
-              <a:t>2018-05-16 8:31 PM</a:t>
+              <a:t>2022-12-01 11:50 PM</a:t>
             </a:fld>
             <a:endParaRPr lang="en-US" dirty="0"/>
           </a:p>
@@ -974,6 +984,1855 @@
     <p:extLst>
       <p:ext uri="{BB962C8B-B14F-4D97-AF65-F5344CB8AC3E}">
         <p14:creationId xmlns:p14="http://schemas.microsoft.com/office/powerpoint/2010/main" val="2525532100"/>
+      </p:ext>
+    </p:extLst>
+  </p:cSld>
+  <p:clrMapOvr>
+    <a:masterClrMapping/>
+  </p:clrMapOvr>
+</p:notes>
+</file>
+
+<file path=ppt/notesSlides/notesSlide10.xml><?xml version="1.0" encoding="utf-8"?>
+<p:notes xmlns:a="http://schemas.openxmlformats.org/drawingml/2006/main" xmlns:r="http://schemas.openxmlformats.org/officeDocument/2006/relationships" xmlns:p="http://schemas.openxmlformats.org/presentationml/2006/main">
+  <p:cSld>
+    <p:spTree>
+      <p:nvGrpSpPr>
+        <p:cNvPr id="1" name=""/>
+        <p:cNvGrpSpPr/>
+        <p:nvPr/>
+      </p:nvGrpSpPr>
+      <p:grpSpPr>
+        <a:xfrm>
+          <a:off x="0" y="0"/>
+          <a:ext cx="0" cy="0"/>
+          <a:chOff x="0" y="0"/>
+          <a:chExt cx="0" cy="0"/>
+        </a:xfrm>
+      </p:grpSpPr>
+      <p:sp>
+        <p:nvSpPr>
+          <p:cNvPr id="2" name="Slide Image Placeholder 1"/>
+          <p:cNvSpPr>
+            <a:spLocks noGrp="1" noRot="1" noChangeAspect="1"/>
+          </p:cNvSpPr>
+          <p:nvPr>
+            <p:ph type="sldImg"/>
+          </p:nvPr>
+        </p:nvSpPr>
+        <p:spPr/>
+      </p:sp>
+      <p:sp>
+        <p:nvSpPr>
+          <p:cNvPr id="3" name="Notes Placeholder 2"/>
+          <p:cNvSpPr>
+            <a:spLocks noGrp="1"/>
+          </p:cNvSpPr>
+          <p:nvPr>
+            <p:ph type="body" idx="1"/>
+          </p:nvPr>
+        </p:nvSpPr>
+        <p:spPr/>
+        <p:txBody>
+          <a:bodyPr/>
+          <a:lstStyle/>
+          <a:p>
+            <a:pPr marL="0" indent="0">
+              <a:buFont typeface="Arial" panose="020B0604020202020204" pitchFamily="34" charset="0"/>
+              <a:buNone/>
+            </a:pPr>
+            <a:r>
+              <a:rPr lang="en-US" dirty="0"/>
+              <a:t>SSISDB Packages &amp; Dashboard</a:t>
+            </a:r>
+          </a:p>
+          <a:p>
+            <a:pPr marL="0" indent="0">
+              <a:buFont typeface="Arial" panose="020B0604020202020204" pitchFamily="34" charset="0"/>
+              <a:buNone/>
+            </a:pPr>
+            <a:r>
+              <a:rPr lang="en-US" dirty="0"/>
+              <a:t>MSDB Packages</a:t>
+            </a:r>
+          </a:p>
+          <a:p>
+            <a:pPr marL="0" indent="0">
+              <a:buFont typeface="Arial" panose="020B0604020202020204" pitchFamily="34" charset="0"/>
+              <a:buNone/>
+            </a:pPr>
+            <a:r>
+              <a:rPr lang="en-US" dirty="0"/>
+              <a:t>Connecting to Integration Services </a:t>
+            </a:r>
+          </a:p>
+          <a:p>
+            <a:endParaRPr lang="en-US" dirty="0"/>
+          </a:p>
+        </p:txBody>
+      </p:sp>
+      <p:sp>
+        <p:nvSpPr>
+          <p:cNvPr id="4" name="Header Placeholder 3"/>
+          <p:cNvSpPr>
+            <a:spLocks noGrp="1"/>
+          </p:cNvSpPr>
+          <p:nvPr>
+            <p:ph type="hdr" sz="quarter"/>
+          </p:nvPr>
+        </p:nvSpPr>
+        <p:spPr/>
+        <p:txBody>
+          <a:bodyPr/>
+          <a:lstStyle/>
+          <a:p>
+            <a:endParaRPr lang="en-US" dirty="0"/>
+          </a:p>
+        </p:txBody>
+      </p:sp>
+      <p:sp>
+        <p:nvSpPr>
+          <p:cNvPr id="5" name="Footer Placeholder 4"/>
+          <p:cNvSpPr>
+            <a:spLocks noGrp="1"/>
+          </p:cNvSpPr>
+          <p:nvPr>
+            <p:ph type="ftr" sz="quarter" idx="4"/>
+          </p:nvPr>
+        </p:nvSpPr>
+        <p:spPr/>
+        <p:txBody>
+          <a:bodyPr/>
+          <a:lstStyle/>
+          <a:p>
+            <a:pPr defTabSz="914099" eaLnBrk="0" hangingPunct="0"/>
+            <a:r>
+              <a:rPr lang="en-US" sz="400">
+                <a:gradFill>
+                  <a:gsLst>
+                    <a:gs pos="0">
+                      <a:prstClr val="black"/>
+                    </a:gs>
+                    <a:gs pos="100000">
+                      <a:prstClr val="black"/>
+                    </a:gs>
+                  </a:gsLst>
+                  <a:lin ang="5400000" scaled="0"/>
+                </a:gradFill>
+                <a:latin typeface="Segoe UI" pitchFamily="34" charset="0"/>
+                <a:ea typeface="Segoe UI" pitchFamily="34" charset="0"/>
+                <a:cs typeface="Segoe UI" pitchFamily="34" charset="0"/>
+              </a:rPr>
+              <a:t>© 2014 Microsoft Corporation. All rights reserved. MICROSOFT MAKES NO WARRANTIES, EXPRESS, IMPLIED OR STATUTORY, AS TO THE INFORMATION IN THIS PRESENTATION.</a:t>
+            </a:r>
+            <a:endParaRPr lang="en-US" sz="400" dirty="0">
+              <a:gradFill>
+                <a:gsLst>
+                  <a:gs pos="0">
+                    <a:prstClr val="black"/>
+                  </a:gs>
+                  <a:gs pos="100000">
+                    <a:prstClr val="black"/>
+                  </a:gs>
+                </a:gsLst>
+                <a:lin ang="5400000" scaled="0"/>
+              </a:gradFill>
+              <a:latin typeface="Segoe UI" pitchFamily="34" charset="0"/>
+              <a:ea typeface="Segoe UI" pitchFamily="34" charset="0"/>
+              <a:cs typeface="Segoe UI" pitchFamily="34" charset="0"/>
+            </a:endParaRPr>
+          </a:p>
+        </p:txBody>
+      </p:sp>
+      <p:sp>
+        <p:nvSpPr>
+          <p:cNvPr id="6" name="Date Placeholder 5"/>
+          <p:cNvSpPr>
+            <a:spLocks noGrp="1"/>
+          </p:cNvSpPr>
+          <p:nvPr>
+            <p:ph type="dt" idx="1"/>
+          </p:nvPr>
+        </p:nvSpPr>
+        <p:spPr/>
+        <p:txBody>
+          <a:bodyPr/>
+          <a:lstStyle/>
+          <a:p>
+            <a:fld id="{38EEC551-8CDA-4EB6-89BB-2A86C9F091C8}" type="datetime8">
+              <a:rPr lang="en-US" smtClean="0"/>
+              <a:t>2022-12-01 11:50 PM</a:t>
+            </a:fld>
+            <a:endParaRPr lang="en-US" dirty="0"/>
+          </a:p>
+        </p:txBody>
+      </p:sp>
+      <p:sp>
+        <p:nvSpPr>
+          <p:cNvPr id="7" name="Slide Number Placeholder 6"/>
+          <p:cNvSpPr>
+            <a:spLocks noGrp="1"/>
+          </p:cNvSpPr>
+          <p:nvPr>
+            <p:ph type="sldNum" sz="quarter" idx="5"/>
+          </p:nvPr>
+        </p:nvSpPr>
+        <p:spPr/>
+        <p:txBody>
+          <a:bodyPr/>
+          <a:lstStyle/>
+          <a:p>
+            <a:fld id="{B4008EB6-D09E-4580-8CD6-DDB14511944F}" type="slidenum">
+              <a:rPr lang="en-US" smtClean="0"/>
+              <a:pPr/>
+              <a:t>11</a:t>
+            </a:fld>
+            <a:endParaRPr lang="en-US" dirty="0"/>
+          </a:p>
+        </p:txBody>
+      </p:sp>
+    </p:spTree>
+    <p:extLst>
+      <p:ext uri="{BB962C8B-B14F-4D97-AF65-F5344CB8AC3E}">
+        <p14:creationId xmlns:p14="http://schemas.microsoft.com/office/powerpoint/2010/main" val="1492907785"/>
+      </p:ext>
+    </p:extLst>
+  </p:cSld>
+  <p:clrMapOvr>
+    <a:masterClrMapping/>
+  </p:clrMapOvr>
+</p:notes>
+</file>
+
+<file path=ppt/notesSlides/notesSlide11.xml><?xml version="1.0" encoding="utf-8"?>
+<p:notes xmlns:a="http://schemas.openxmlformats.org/drawingml/2006/main" xmlns:r="http://schemas.openxmlformats.org/officeDocument/2006/relationships" xmlns:p="http://schemas.openxmlformats.org/presentationml/2006/main">
+  <p:cSld>
+    <p:spTree>
+      <p:nvGrpSpPr>
+        <p:cNvPr id="1" name=""/>
+        <p:cNvGrpSpPr/>
+        <p:nvPr/>
+      </p:nvGrpSpPr>
+      <p:grpSpPr>
+        <a:xfrm>
+          <a:off x="0" y="0"/>
+          <a:ext cx="0" cy="0"/>
+          <a:chOff x="0" y="0"/>
+          <a:chExt cx="0" cy="0"/>
+        </a:xfrm>
+      </p:grpSpPr>
+      <p:sp>
+        <p:nvSpPr>
+          <p:cNvPr id="2" name="Slide Image Placeholder 1"/>
+          <p:cNvSpPr>
+            <a:spLocks noGrp="1" noRot="1" noChangeAspect="1"/>
+          </p:cNvSpPr>
+          <p:nvPr>
+            <p:ph type="sldImg"/>
+          </p:nvPr>
+        </p:nvSpPr>
+        <p:spPr/>
+      </p:sp>
+      <p:sp>
+        <p:nvSpPr>
+          <p:cNvPr id="3" name="Notes Placeholder 2"/>
+          <p:cNvSpPr>
+            <a:spLocks noGrp="1"/>
+          </p:cNvSpPr>
+          <p:nvPr>
+            <p:ph type="body" idx="1"/>
+          </p:nvPr>
+        </p:nvSpPr>
+        <p:spPr/>
+        <p:txBody>
+          <a:bodyPr/>
+          <a:lstStyle/>
+          <a:p>
+            <a:r>
+              <a:rPr lang="en-US" dirty="0">
+                <a:hlinkClick r:id="rId3"/>
+              </a:rPr>
+              <a:t>https://docs.microsoft.com/en-us/sql/integration-services/dtutil-utility?view=sql-server-2017</a:t>
+            </a:r>
+            <a:endParaRPr lang="en-US" dirty="0"/>
+          </a:p>
+          <a:p>
+            <a:endParaRPr lang="en-US" dirty="0"/>
+          </a:p>
+          <a:p>
+            <a:endParaRPr lang="en-US" dirty="0"/>
+          </a:p>
+          <a:p>
+            <a:r>
+              <a:rPr lang="en-US" dirty="0"/>
+              <a:t>Export packages from MSDB to file (0 value strips </a:t>
+            </a:r>
+            <a:r>
+              <a:rPr lang="en-US" dirty="0" err="1"/>
+              <a:t>Strips</a:t>
+            </a:r>
+            <a:r>
+              <a:rPr lang="en-US" dirty="0"/>
+              <a:t> sensitive information).  Notice the package does not end in .</a:t>
+            </a:r>
+            <a:r>
+              <a:rPr lang="en-US" dirty="0" err="1"/>
+              <a:t>dtsx</a:t>
+            </a:r>
+            <a:r>
+              <a:rPr lang="en-US" dirty="0"/>
+              <a:t>   </a:t>
+            </a:r>
+          </a:p>
+          <a:p>
+            <a:r>
+              <a:rPr lang="en-US" dirty="0" err="1"/>
+              <a:t>dtutil</a:t>
+            </a:r>
+            <a:r>
+              <a:rPr lang="en-US" dirty="0"/>
+              <a:t> /SQL "maintenance plans\backup"   /ENCRYPT </a:t>
+            </a:r>
+            <a:r>
+              <a:rPr lang="en-US" dirty="0" err="1"/>
+              <a:t>FILE;c</a:t>
+            </a:r>
+            <a:r>
+              <a:rPr lang="en-US" dirty="0"/>
+              <a:t>:\temp\mkpkg.dtsx;0       </a:t>
+            </a:r>
+          </a:p>
+          <a:p>
+            <a:endParaRPr lang="en-US" dirty="0"/>
+          </a:p>
+          <a:p>
+            <a:r>
+              <a:rPr lang="en-US" dirty="0"/>
+              <a:t>Copy from File to MSDB </a:t>
+            </a:r>
+          </a:p>
+          <a:p>
+            <a:r>
+              <a:rPr lang="en-US" dirty="0" err="1"/>
+              <a:t>dtutil</a:t>
+            </a:r>
+            <a:r>
+              <a:rPr lang="en-US" dirty="0"/>
+              <a:t> /FILE c:\temp\mkpkg.dtsx /COPY </a:t>
+            </a:r>
+            <a:r>
+              <a:rPr lang="en-US" dirty="0" err="1"/>
+              <a:t>SQL;"maintenance</a:t>
+            </a:r>
+            <a:r>
+              <a:rPr lang="en-US" dirty="0"/>
+              <a:t> plans\backup2“ </a:t>
+            </a:r>
+          </a:p>
+          <a:p>
+            <a:endParaRPr lang="en-US" dirty="0"/>
+          </a:p>
+          <a:p>
+            <a:endParaRPr lang="en-US" dirty="0"/>
+          </a:p>
+          <a:p>
+            <a:endParaRPr lang="en-US" dirty="0"/>
+          </a:p>
+        </p:txBody>
+      </p:sp>
+      <p:sp>
+        <p:nvSpPr>
+          <p:cNvPr id="4" name="Header Placeholder 3"/>
+          <p:cNvSpPr>
+            <a:spLocks noGrp="1"/>
+          </p:cNvSpPr>
+          <p:nvPr>
+            <p:ph type="hdr" sz="quarter" idx="10"/>
+          </p:nvPr>
+        </p:nvSpPr>
+        <p:spPr/>
+        <p:txBody>
+          <a:bodyPr/>
+          <a:lstStyle/>
+          <a:p>
+            <a:endParaRPr lang="en-US" dirty="0"/>
+          </a:p>
+        </p:txBody>
+      </p:sp>
+      <p:sp>
+        <p:nvSpPr>
+          <p:cNvPr id="5" name="Footer Placeholder 4"/>
+          <p:cNvSpPr>
+            <a:spLocks noGrp="1"/>
+          </p:cNvSpPr>
+          <p:nvPr>
+            <p:ph type="ftr" sz="quarter" idx="11"/>
+          </p:nvPr>
+        </p:nvSpPr>
+        <p:spPr/>
+        <p:txBody>
+          <a:bodyPr/>
+          <a:lstStyle/>
+          <a:p>
+            <a:pPr defTabSz="914099" eaLnBrk="0" hangingPunct="0"/>
+            <a:r>
+              <a:rPr lang="en-US" sz="400">
+                <a:gradFill>
+                  <a:gsLst>
+                    <a:gs pos="0">
+                      <a:prstClr val="black"/>
+                    </a:gs>
+                    <a:gs pos="100000">
+                      <a:prstClr val="black"/>
+                    </a:gs>
+                  </a:gsLst>
+                  <a:lin ang="5400000" scaled="0"/>
+                </a:gradFill>
+                <a:latin typeface="Segoe UI" pitchFamily="34" charset="0"/>
+                <a:ea typeface="Segoe UI" pitchFamily="34" charset="0"/>
+                <a:cs typeface="Segoe UI" pitchFamily="34" charset="0"/>
+              </a:rPr>
+              <a:t>© 2014 Microsoft Corporation. All rights reserved. MICROSOFT MAKES NO WARRANTIES, EXPRESS, IMPLIED OR STATUTORY, AS TO THE INFORMATION IN THIS PRESENTATION.</a:t>
+            </a:r>
+            <a:endParaRPr lang="en-US" sz="400" dirty="0">
+              <a:gradFill>
+                <a:gsLst>
+                  <a:gs pos="0">
+                    <a:prstClr val="black"/>
+                  </a:gs>
+                  <a:gs pos="100000">
+                    <a:prstClr val="black"/>
+                  </a:gs>
+                </a:gsLst>
+                <a:lin ang="5400000" scaled="0"/>
+              </a:gradFill>
+              <a:latin typeface="Segoe UI" pitchFamily="34" charset="0"/>
+              <a:ea typeface="Segoe UI" pitchFamily="34" charset="0"/>
+              <a:cs typeface="Segoe UI" pitchFamily="34" charset="0"/>
+            </a:endParaRPr>
+          </a:p>
+        </p:txBody>
+      </p:sp>
+      <p:sp>
+        <p:nvSpPr>
+          <p:cNvPr id="6" name="Date Placeholder 5"/>
+          <p:cNvSpPr>
+            <a:spLocks noGrp="1"/>
+          </p:cNvSpPr>
+          <p:nvPr>
+            <p:ph type="dt" idx="12"/>
+          </p:nvPr>
+        </p:nvSpPr>
+        <p:spPr/>
+        <p:txBody>
+          <a:bodyPr/>
+          <a:lstStyle/>
+          <a:p>
+            <a:fld id="{38EEC551-8CDA-4EB6-89BB-2A86C9F091C8}" type="datetime8">
+              <a:rPr lang="en-US" smtClean="0"/>
+              <a:t>2022-12-01 11:50 PM</a:t>
+            </a:fld>
+            <a:endParaRPr lang="en-US" dirty="0"/>
+          </a:p>
+        </p:txBody>
+      </p:sp>
+      <p:sp>
+        <p:nvSpPr>
+          <p:cNvPr id="7" name="Slide Number Placeholder 6"/>
+          <p:cNvSpPr>
+            <a:spLocks noGrp="1"/>
+          </p:cNvSpPr>
+          <p:nvPr>
+            <p:ph type="sldNum" sz="quarter" idx="13"/>
+          </p:nvPr>
+        </p:nvSpPr>
+        <p:spPr/>
+        <p:txBody>
+          <a:bodyPr/>
+          <a:lstStyle/>
+          <a:p>
+            <a:fld id="{B4008EB6-D09E-4580-8CD6-DDB14511944F}" type="slidenum">
+              <a:rPr lang="en-US" smtClean="0"/>
+              <a:pPr/>
+              <a:t>12</a:t>
+            </a:fld>
+            <a:endParaRPr lang="en-US" dirty="0"/>
+          </a:p>
+        </p:txBody>
+      </p:sp>
+    </p:spTree>
+    <p:extLst>
+      <p:ext uri="{BB962C8B-B14F-4D97-AF65-F5344CB8AC3E}">
+        <p14:creationId xmlns:p14="http://schemas.microsoft.com/office/powerpoint/2010/main" val="4102399341"/>
+      </p:ext>
+    </p:extLst>
+  </p:cSld>
+  <p:clrMapOvr>
+    <a:masterClrMapping/>
+  </p:clrMapOvr>
+</p:notes>
+</file>
+
+<file path=ppt/notesSlides/notesSlide12.xml><?xml version="1.0" encoding="utf-8"?>
+<p:notes xmlns:a="http://schemas.openxmlformats.org/drawingml/2006/main" xmlns:r="http://schemas.openxmlformats.org/officeDocument/2006/relationships" xmlns:p="http://schemas.openxmlformats.org/presentationml/2006/main">
+  <p:cSld>
+    <p:spTree>
+      <p:nvGrpSpPr>
+        <p:cNvPr id="1" name=""/>
+        <p:cNvGrpSpPr/>
+        <p:nvPr/>
+      </p:nvGrpSpPr>
+      <p:grpSpPr>
+        <a:xfrm>
+          <a:off x="0" y="0"/>
+          <a:ext cx="0" cy="0"/>
+          <a:chOff x="0" y="0"/>
+          <a:chExt cx="0" cy="0"/>
+        </a:xfrm>
+      </p:grpSpPr>
+      <p:sp>
+        <p:nvSpPr>
+          <p:cNvPr id="2" name="Slide Image Placeholder 1"/>
+          <p:cNvSpPr>
+            <a:spLocks noGrp="1" noRot="1" noChangeAspect="1"/>
+          </p:cNvSpPr>
+          <p:nvPr>
+            <p:ph type="sldImg"/>
+          </p:nvPr>
+        </p:nvSpPr>
+        <p:spPr/>
+      </p:sp>
+      <p:sp>
+        <p:nvSpPr>
+          <p:cNvPr id="3" name="Notes Placeholder 2"/>
+          <p:cNvSpPr>
+            <a:spLocks noGrp="1"/>
+          </p:cNvSpPr>
+          <p:nvPr>
+            <p:ph type="body" idx="1"/>
+          </p:nvPr>
+        </p:nvSpPr>
+        <p:spPr/>
+        <p:txBody>
+          <a:bodyPr/>
+          <a:lstStyle/>
+          <a:p>
+            <a:r>
+              <a:rPr lang="en-US" dirty="0">
+                <a:hlinkClick r:id="rId3"/>
+              </a:rPr>
+              <a:t>https://docs.microsoft.com/en-us/sql/integration-services/dtutil-utility?view=sql-server-2017</a:t>
+            </a:r>
+            <a:endParaRPr lang="en-US" dirty="0"/>
+          </a:p>
+          <a:p>
+            <a:pPr marL="0" marR="0" lvl="0" indent="0" algn="l" defTabSz="932742" rtl="0" eaLnBrk="1" fontAlgn="auto" latinLnBrk="0" hangingPunct="1">
+              <a:lnSpc>
+                <a:spcPct val="90000"/>
+              </a:lnSpc>
+              <a:spcBef>
+                <a:spcPts val="0"/>
+              </a:spcBef>
+              <a:spcAft>
+                <a:spcPts val="340"/>
+              </a:spcAft>
+              <a:buClrTx/>
+              <a:buSzTx/>
+              <a:buFontTx/>
+              <a:buNone/>
+              <a:tabLst/>
+              <a:defRPr/>
+            </a:pPr>
+            <a:r>
+              <a:rPr lang="en-US" dirty="0"/>
+              <a:t>https://support.microsoft.com/en-us/help/906562/how-to-use-the-dtutil-utility-dtutil-exe-to-set-the-protection-level-o </a:t>
+            </a:r>
+          </a:p>
+          <a:p>
+            <a:r>
+              <a:rPr lang="en-US" dirty="0"/>
+              <a:t> </a:t>
+            </a:r>
+          </a:p>
+          <a:p>
+            <a:r>
+              <a:rPr lang="en-US" dirty="0"/>
+              <a:t>Note: the 32-bit version did not work even after installing these three options:</a:t>
+            </a:r>
+          </a:p>
+          <a:p>
+            <a:r>
+              <a:rPr lang="en-US" dirty="0"/>
+              <a:t>- “Client Tools Connectivity”</a:t>
+            </a:r>
+          </a:p>
+          <a:p>
+            <a:r>
+              <a:rPr lang="en-US" dirty="0"/>
+              <a:t>- “Client Tools SDK”</a:t>
+            </a:r>
+          </a:p>
+          <a:p>
+            <a:r>
+              <a:rPr lang="en-US" dirty="0"/>
+              <a:t>- “Client Tool Backward Compatibility” </a:t>
+            </a:r>
+          </a:p>
+          <a:p>
+            <a:endParaRPr lang="en-US" dirty="0"/>
+          </a:p>
+          <a:p>
+            <a:r>
+              <a:rPr lang="en-US" dirty="0"/>
+              <a:t>You will need to change to the 64-bit folder location and then run the 64-bit </a:t>
+            </a:r>
+            <a:r>
+              <a:rPr lang="en-US" dirty="0" err="1"/>
+              <a:t>dtutil</a:t>
+            </a:r>
+            <a:r>
+              <a:rPr lang="en-US" dirty="0"/>
+              <a:t> from there then it will work.</a:t>
+            </a:r>
+          </a:p>
+        </p:txBody>
+      </p:sp>
+      <p:sp>
+        <p:nvSpPr>
+          <p:cNvPr id="4" name="Header Placeholder 3"/>
+          <p:cNvSpPr>
+            <a:spLocks noGrp="1"/>
+          </p:cNvSpPr>
+          <p:nvPr>
+            <p:ph type="hdr" sz="quarter" idx="10"/>
+          </p:nvPr>
+        </p:nvSpPr>
+        <p:spPr/>
+        <p:txBody>
+          <a:bodyPr/>
+          <a:lstStyle/>
+          <a:p>
+            <a:endParaRPr lang="en-US" dirty="0"/>
+          </a:p>
+        </p:txBody>
+      </p:sp>
+      <p:sp>
+        <p:nvSpPr>
+          <p:cNvPr id="5" name="Footer Placeholder 4"/>
+          <p:cNvSpPr>
+            <a:spLocks noGrp="1"/>
+          </p:cNvSpPr>
+          <p:nvPr>
+            <p:ph type="ftr" sz="quarter" idx="11"/>
+          </p:nvPr>
+        </p:nvSpPr>
+        <p:spPr/>
+        <p:txBody>
+          <a:bodyPr/>
+          <a:lstStyle/>
+          <a:p>
+            <a:pPr defTabSz="914099" eaLnBrk="0" hangingPunct="0"/>
+            <a:r>
+              <a:rPr lang="en-US" sz="400">
+                <a:gradFill>
+                  <a:gsLst>
+                    <a:gs pos="0">
+                      <a:prstClr val="black"/>
+                    </a:gs>
+                    <a:gs pos="100000">
+                      <a:prstClr val="black"/>
+                    </a:gs>
+                  </a:gsLst>
+                  <a:lin ang="5400000" scaled="0"/>
+                </a:gradFill>
+                <a:latin typeface="Segoe UI" pitchFamily="34" charset="0"/>
+                <a:ea typeface="Segoe UI" pitchFamily="34" charset="0"/>
+                <a:cs typeface="Segoe UI" pitchFamily="34" charset="0"/>
+              </a:rPr>
+              <a:t>© 2014 Microsoft Corporation. All rights reserved. MICROSOFT MAKES NO WARRANTIES, EXPRESS, IMPLIED OR STATUTORY, AS TO THE INFORMATION IN THIS PRESENTATION.</a:t>
+            </a:r>
+            <a:endParaRPr lang="en-US" sz="400" dirty="0">
+              <a:gradFill>
+                <a:gsLst>
+                  <a:gs pos="0">
+                    <a:prstClr val="black"/>
+                  </a:gs>
+                  <a:gs pos="100000">
+                    <a:prstClr val="black"/>
+                  </a:gs>
+                </a:gsLst>
+                <a:lin ang="5400000" scaled="0"/>
+              </a:gradFill>
+              <a:latin typeface="Segoe UI" pitchFamily="34" charset="0"/>
+              <a:ea typeface="Segoe UI" pitchFamily="34" charset="0"/>
+              <a:cs typeface="Segoe UI" pitchFamily="34" charset="0"/>
+            </a:endParaRPr>
+          </a:p>
+        </p:txBody>
+      </p:sp>
+      <p:sp>
+        <p:nvSpPr>
+          <p:cNvPr id="6" name="Date Placeholder 5"/>
+          <p:cNvSpPr>
+            <a:spLocks noGrp="1"/>
+          </p:cNvSpPr>
+          <p:nvPr>
+            <p:ph type="dt" idx="12"/>
+          </p:nvPr>
+        </p:nvSpPr>
+        <p:spPr/>
+        <p:txBody>
+          <a:bodyPr/>
+          <a:lstStyle/>
+          <a:p>
+            <a:fld id="{38EEC551-8CDA-4EB6-89BB-2A86C9F091C8}" type="datetime8">
+              <a:rPr lang="en-US" smtClean="0"/>
+              <a:t>2022-12-01 11:50 PM</a:t>
+            </a:fld>
+            <a:endParaRPr lang="en-US" dirty="0"/>
+          </a:p>
+        </p:txBody>
+      </p:sp>
+      <p:sp>
+        <p:nvSpPr>
+          <p:cNvPr id="7" name="Slide Number Placeholder 6"/>
+          <p:cNvSpPr>
+            <a:spLocks noGrp="1"/>
+          </p:cNvSpPr>
+          <p:nvPr>
+            <p:ph type="sldNum" sz="quarter" idx="13"/>
+          </p:nvPr>
+        </p:nvSpPr>
+        <p:spPr/>
+        <p:txBody>
+          <a:bodyPr/>
+          <a:lstStyle/>
+          <a:p>
+            <a:fld id="{B4008EB6-D09E-4580-8CD6-DDB14511944F}" type="slidenum">
+              <a:rPr lang="en-US" smtClean="0"/>
+              <a:pPr/>
+              <a:t>13</a:t>
+            </a:fld>
+            <a:endParaRPr lang="en-US" dirty="0"/>
+          </a:p>
+        </p:txBody>
+      </p:sp>
+    </p:spTree>
+    <p:extLst>
+      <p:ext uri="{BB962C8B-B14F-4D97-AF65-F5344CB8AC3E}">
+        <p14:creationId xmlns:p14="http://schemas.microsoft.com/office/powerpoint/2010/main" val="1235754207"/>
+      </p:ext>
+    </p:extLst>
+  </p:cSld>
+  <p:clrMapOvr>
+    <a:masterClrMapping/>
+  </p:clrMapOvr>
+</p:notes>
+</file>
+
+<file path=ppt/notesSlides/notesSlide13.xml><?xml version="1.0" encoding="utf-8"?>
+<p:notes xmlns:a="http://schemas.openxmlformats.org/drawingml/2006/main" xmlns:r="http://schemas.openxmlformats.org/officeDocument/2006/relationships" xmlns:p="http://schemas.openxmlformats.org/presentationml/2006/main">
+  <p:cSld>
+    <p:spTree>
+      <p:nvGrpSpPr>
+        <p:cNvPr id="1" name=""/>
+        <p:cNvGrpSpPr/>
+        <p:nvPr/>
+      </p:nvGrpSpPr>
+      <p:grpSpPr>
+        <a:xfrm>
+          <a:off x="0" y="0"/>
+          <a:ext cx="0" cy="0"/>
+          <a:chOff x="0" y="0"/>
+          <a:chExt cx="0" cy="0"/>
+        </a:xfrm>
+      </p:grpSpPr>
+      <p:sp>
+        <p:nvSpPr>
+          <p:cNvPr id="2" name="Slide Image Placeholder 1"/>
+          <p:cNvSpPr>
+            <a:spLocks noGrp="1" noRot="1" noChangeAspect="1"/>
+          </p:cNvSpPr>
+          <p:nvPr>
+            <p:ph type="sldImg"/>
+          </p:nvPr>
+        </p:nvSpPr>
+        <p:spPr/>
+      </p:sp>
+      <p:sp>
+        <p:nvSpPr>
+          <p:cNvPr id="3" name="Notes Placeholder 2"/>
+          <p:cNvSpPr>
+            <a:spLocks noGrp="1"/>
+          </p:cNvSpPr>
+          <p:nvPr>
+            <p:ph type="body" idx="1"/>
+          </p:nvPr>
+        </p:nvSpPr>
+        <p:spPr/>
+        <p:txBody>
+          <a:bodyPr/>
+          <a:lstStyle/>
+          <a:p>
+            <a:r>
+              <a:rPr lang="en-CA" dirty="0"/>
+              <a:t>https://docs.microsoft.com/en-us/sql/integration-services/packages/dtexec-utility?view=sql-server-2017</a:t>
+            </a:r>
+          </a:p>
+          <a:p>
+            <a:endParaRPr lang="en-CA" dirty="0"/>
+          </a:p>
+          <a:p>
+            <a:pPr lvl="1"/>
+            <a:r>
+              <a:rPr lang="en-US" dirty="0"/>
+              <a:t>Dtexec.exe Command line arguments stored in [command] of </a:t>
+            </a:r>
+            <a:r>
+              <a:rPr lang="en-US" dirty="0" err="1"/>
+              <a:t>msdb.dbo.sysjobsteps</a:t>
+            </a:r>
+            <a:r>
+              <a:rPr lang="en-US" dirty="0"/>
+              <a:t>   for SQL Agent Job Step. </a:t>
+            </a:r>
+            <a:endParaRPr lang="en-CA" dirty="0"/>
+          </a:p>
+          <a:p>
+            <a:endParaRPr lang="en-CA" dirty="0"/>
+          </a:p>
+          <a:p>
+            <a:r>
+              <a:rPr lang="en-US" sz="900" kern="1200" dirty="0">
+                <a:solidFill>
+                  <a:schemeClr val="tx1"/>
+                </a:solidFill>
+                <a:latin typeface="Segoe UI Light" pitchFamily="34" charset="0"/>
+                <a:ea typeface="+mn-ea"/>
+                <a:cs typeface="+mn-cs"/>
+              </a:rPr>
+              <a:t>--Job Steps that call SSIS Packages.</a:t>
+            </a:r>
+          </a:p>
+          <a:p>
+            <a:r>
+              <a:rPr lang="en-US" sz="900" kern="1200" dirty="0">
+                <a:solidFill>
+                  <a:schemeClr val="tx1"/>
+                </a:solidFill>
+                <a:latin typeface="Segoe UI Light" pitchFamily="34" charset="0"/>
+                <a:ea typeface="+mn-ea"/>
+                <a:cs typeface="+mn-cs"/>
+              </a:rPr>
+              <a:t>select </a:t>
+            </a:r>
+            <a:r>
+              <a:rPr lang="en-US" sz="900" kern="1200" dirty="0" err="1">
+                <a:solidFill>
+                  <a:schemeClr val="tx1"/>
+                </a:solidFill>
+                <a:latin typeface="Segoe UI Light" pitchFamily="34" charset="0"/>
+                <a:ea typeface="+mn-ea"/>
+                <a:cs typeface="+mn-cs"/>
+              </a:rPr>
+              <a:t>job_name</a:t>
+            </a:r>
+            <a:r>
+              <a:rPr lang="en-US" sz="900" kern="1200" dirty="0">
+                <a:solidFill>
+                  <a:schemeClr val="tx1"/>
+                </a:solidFill>
+                <a:latin typeface="Segoe UI Light" pitchFamily="34" charset="0"/>
+                <a:ea typeface="+mn-ea"/>
+                <a:cs typeface="+mn-cs"/>
+              </a:rPr>
+              <a:t>=j.name, </a:t>
+            </a:r>
+            <a:r>
+              <a:rPr lang="en-US" sz="900" kern="1200" dirty="0" err="1">
+                <a:solidFill>
+                  <a:schemeClr val="tx1"/>
+                </a:solidFill>
+                <a:latin typeface="Segoe UI Light" pitchFamily="34" charset="0"/>
+                <a:ea typeface="+mn-ea"/>
+                <a:cs typeface="+mn-cs"/>
+              </a:rPr>
+              <a:t>js.step_id,step_name</a:t>
+            </a:r>
+            <a:r>
+              <a:rPr lang="en-US" sz="900" kern="1200" dirty="0">
+                <a:solidFill>
+                  <a:schemeClr val="tx1"/>
+                </a:solidFill>
+                <a:latin typeface="Segoe UI Light" pitchFamily="34" charset="0"/>
+                <a:ea typeface="+mn-ea"/>
+                <a:cs typeface="+mn-cs"/>
+              </a:rPr>
+              <a:t>=</a:t>
+            </a:r>
+            <a:r>
+              <a:rPr lang="en-US" sz="900" kern="1200" dirty="0" err="1">
+                <a:solidFill>
+                  <a:schemeClr val="tx1"/>
+                </a:solidFill>
+                <a:latin typeface="Segoe UI Light" pitchFamily="34" charset="0"/>
+                <a:ea typeface="+mn-ea"/>
+                <a:cs typeface="+mn-cs"/>
+              </a:rPr>
+              <a:t>js.step_name</a:t>
+            </a:r>
+            <a:r>
+              <a:rPr lang="en-US" sz="900" kern="1200" dirty="0">
+                <a:solidFill>
+                  <a:schemeClr val="tx1"/>
+                </a:solidFill>
+                <a:latin typeface="Segoe UI Light" pitchFamily="34" charset="0"/>
+                <a:ea typeface="+mn-ea"/>
+                <a:cs typeface="+mn-cs"/>
+              </a:rPr>
+              <a:t>, </a:t>
+            </a:r>
+            <a:r>
+              <a:rPr lang="en-US" sz="900" kern="1200" dirty="0" err="1">
+                <a:solidFill>
+                  <a:schemeClr val="tx1"/>
+                </a:solidFill>
+                <a:latin typeface="Segoe UI Light" pitchFamily="34" charset="0"/>
+                <a:ea typeface="+mn-ea"/>
+                <a:cs typeface="+mn-cs"/>
+              </a:rPr>
+              <a:t>js.subsystem</a:t>
+            </a:r>
+            <a:r>
+              <a:rPr lang="en-US" sz="900" kern="1200" dirty="0">
+                <a:solidFill>
+                  <a:schemeClr val="tx1"/>
+                </a:solidFill>
+                <a:latin typeface="Segoe UI Light" pitchFamily="34" charset="0"/>
+                <a:ea typeface="+mn-ea"/>
+                <a:cs typeface="+mn-cs"/>
+              </a:rPr>
+              <a:t>, </a:t>
+            </a:r>
+            <a:r>
+              <a:rPr lang="en-US" sz="900" kern="1200" dirty="0" err="1">
+                <a:solidFill>
+                  <a:schemeClr val="tx1"/>
+                </a:solidFill>
+                <a:latin typeface="Segoe UI Light" pitchFamily="34" charset="0"/>
+                <a:ea typeface="+mn-ea"/>
+                <a:cs typeface="+mn-cs"/>
+              </a:rPr>
+              <a:t>js.command</a:t>
+            </a:r>
+            <a:r>
+              <a:rPr lang="en-US" sz="900" kern="1200" dirty="0">
+                <a:solidFill>
+                  <a:schemeClr val="tx1"/>
+                </a:solidFill>
+                <a:latin typeface="Segoe UI Light" pitchFamily="34" charset="0"/>
+                <a:ea typeface="+mn-ea"/>
+                <a:cs typeface="+mn-cs"/>
+              </a:rPr>
+              <a:t>  </a:t>
+            </a:r>
+          </a:p>
+          <a:p>
+            <a:r>
+              <a:rPr lang="en-US" sz="900" kern="1200" dirty="0">
+                <a:solidFill>
+                  <a:schemeClr val="tx1"/>
+                </a:solidFill>
+                <a:latin typeface="Segoe UI Light" pitchFamily="34" charset="0"/>
+                <a:ea typeface="+mn-ea"/>
+                <a:cs typeface="+mn-cs"/>
+              </a:rPr>
+              <a:t>from </a:t>
+            </a:r>
+            <a:r>
+              <a:rPr lang="en-US" sz="900" kern="1200" dirty="0" err="1">
+                <a:solidFill>
+                  <a:schemeClr val="tx1"/>
+                </a:solidFill>
+                <a:latin typeface="Segoe UI Light" pitchFamily="34" charset="0"/>
+                <a:ea typeface="+mn-ea"/>
+                <a:cs typeface="+mn-cs"/>
+              </a:rPr>
+              <a:t>msdb.dbo.sysjobs</a:t>
+            </a:r>
+            <a:r>
+              <a:rPr lang="en-US" sz="900" kern="1200" dirty="0">
+                <a:solidFill>
+                  <a:schemeClr val="tx1"/>
+                </a:solidFill>
+                <a:latin typeface="Segoe UI Light" pitchFamily="34" charset="0"/>
+                <a:ea typeface="+mn-ea"/>
+                <a:cs typeface="+mn-cs"/>
+              </a:rPr>
+              <a:t> j </a:t>
+            </a:r>
+          </a:p>
+          <a:p>
+            <a:r>
+              <a:rPr lang="en-US" sz="900" kern="1200" dirty="0">
+                <a:solidFill>
+                  <a:schemeClr val="tx1"/>
+                </a:solidFill>
+                <a:latin typeface="Segoe UI Light" pitchFamily="34" charset="0"/>
+                <a:ea typeface="+mn-ea"/>
+                <a:cs typeface="+mn-cs"/>
+              </a:rPr>
+              <a:t>join </a:t>
+            </a:r>
+            <a:r>
+              <a:rPr lang="en-US" sz="900" kern="1200" dirty="0" err="1">
+                <a:solidFill>
+                  <a:schemeClr val="tx1"/>
+                </a:solidFill>
+                <a:latin typeface="Segoe UI Light" pitchFamily="34" charset="0"/>
+                <a:ea typeface="+mn-ea"/>
+                <a:cs typeface="+mn-cs"/>
+              </a:rPr>
+              <a:t>msdb.dbo.sysjobsteps</a:t>
+            </a:r>
+            <a:r>
+              <a:rPr lang="en-US" sz="900" kern="1200" dirty="0">
+                <a:solidFill>
+                  <a:schemeClr val="tx1"/>
+                </a:solidFill>
+                <a:latin typeface="Segoe UI Light" pitchFamily="34" charset="0"/>
+                <a:ea typeface="+mn-ea"/>
+                <a:cs typeface="+mn-cs"/>
+              </a:rPr>
+              <a:t> </a:t>
+            </a:r>
+            <a:r>
+              <a:rPr lang="en-US" sz="900" kern="1200" dirty="0" err="1">
+                <a:solidFill>
+                  <a:schemeClr val="tx1"/>
+                </a:solidFill>
+                <a:latin typeface="Segoe UI Light" pitchFamily="34" charset="0"/>
+                <a:ea typeface="+mn-ea"/>
+                <a:cs typeface="+mn-cs"/>
+              </a:rPr>
+              <a:t>js</a:t>
+            </a:r>
+            <a:r>
+              <a:rPr lang="en-US" sz="900" kern="1200" dirty="0">
+                <a:solidFill>
+                  <a:schemeClr val="tx1"/>
+                </a:solidFill>
+                <a:latin typeface="Segoe UI Light" pitchFamily="34" charset="0"/>
+                <a:ea typeface="+mn-ea"/>
+                <a:cs typeface="+mn-cs"/>
+              </a:rPr>
+              <a:t> on </a:t>
+            </a:r>
+            <a:r>
+              <a:rPr lang="en-US" sz="900" kern="1200" dirty="0" err="1">
+                <a:solidFill>
+                  <a:schemeClr val="tx1"/>
+                </a:solidFill>
+                <a:latin typeface="Segoe UI Light" pitchFamily="34" charset="0"/>
+                <a:ea typeface="+mn-ea"/>
+                <a:cs typeface="+mn-cs"/>
+              </a:rPr>
+              <a:t>j.job_id</a:t>
+            </a:r>
+            <a:r>
+              <a:rPr lang="en-US" sz="900" kern="1200" dirty="0">
+                <a:solidFill>
+                  <a:schemeClr val="tx1"/>
+                </a:solidFill>
+                <a:latin typeface="Segoe UI Light" pitchFamily="34" charset="0"/>
+                <a:ea typeface="+mn-ea"/>
+                <a:cs typeface="+mn-cs"/>
+              </a:rPr>
+              <a:t>=</a:t>
+            </a:r>
+            <a:r>
+              <a:rPr lang="en-US" sz="900" kern="1200" dirty="0" err="1">
+                <a:solidFill>
+                  <a:schemeClr val="tx1"/>
+                </a:solidFill>
+                <a:latin typeface="Segoe UI Light" pitchFamily="34" charset="0"/>
+                <a:ea typeface="+mn-ea"/>
+                <a:cs typeface="+mn-cs"/>
+              </a:rPr>
+              <a:t>js.job_id</a:t>
+            </a:r>
+            <a:r>
+              <a:rPr lang="en-US" sz="900" kern="1200" dirty="0">
+                <a:solidFill>
+                  <a:schemeClr val="tx1"/>
+                </a:solidFill>
+                <a:latin typeface="Segoe UI Light" pitchFamily="34" charset="0"/>
+                <a:ea typeface="+mn-ea"/>
+                <a:cs typeface="+mn-cs"/>
+              </a:rPr>
+              <a:t> </a:t>
+            </a:r>
+          </a:p>
+          <a:p>
+            <a:r>
+              <a:rPr lang="en-US" sz="900" kern="1200" dirty="0">
+                <a:solidFill>
+                  <a:schemeClr val="tx1"/>
+                </a:solidFill>
+                <a:latin typeface="Segoe UI Light" pitchFamily="34" charset="0"/>
+                <a:ea typeface="+mn-ea"/>
+                <a:cs typeface="+mn-cs"/>
+              </a:rPr>
+              <a:t>where </a:t>
+            </a:r>
+            <a:r>
+              <a:rPr lang="en-US" sz="900" kern="1200" dirty="0" err="1">
+                <a:solidFill>
+                  <a:schemeClr val="tx1"/>
+                </a:solidFill>
+                <a:latin typeface="Segoe UI Light" pitchFamily="34" charset="0"/>
+                <a:ea typeface="+mn-ea"/>
+                <a:cs typeface="+mn-cs"/>
+              </a:rPr>
+              <a:t>js.subsystem</a:t>
+            </a:r>
+            <a:r>
+              <a:rPr lang="en-US" sz="900" kern="1200" dirty="0">
+                <a:solidFill>
+                  <a:schemeClr val="tx1"/>
+                </a:solidFill>
+                <a:latin typeface="Segoe UI Light" pitchFamily="34" charset="0"/>
+                <a:ea typeface="+mn-ea"/>
+                <a:cs typeface="+mn-cs"/>
+              </a:rPr>
+              <a:t>='SSIS'</a:t>
+            </a:r>
+            <a:endParaRPr lang="en-US" dirty="0"/>
+          </a:p>
+        </p:txBody>
+      </p:sp>
+      <p:sp>
+        <p:nvSpPr>
+          <p:cNvPr id="4" name="Header Placeholder 3"/>
+          <p:cNvSpPr>
+            <a:spLocks noGrp="1"/>
+          </p:cNvSpPr>
+          <p:nvPr>
+            <p:ph type="hdr" sz="quarter" idx="10"/>
+          </p:nvPr>
+        </p:nvSpPr>
+        <p:spPr/>
+        <p:txBody>
+          <a:bodyPr/>
+          <a:lstStyle/>
+          <a:p>
+            <a:endParaRPr lang="en-US" dirty="0"/>
+          </a:p>
+        </p:txBody>
+      </p:sp>
+      <p:sp>
+        <p:nvSpPr>
+          <p:cNvPr id="5" name="Footer Placeholder 4"/>
+          <p:cNvSpPr>
+            <a:spLocks noGrp="1"/>
+          </p:cNvSpPr>
+          <p:nvPr>
+            <p:ph type="ftr" sz="quarter" idx="11"/>
+          </p:nvPr>
+        </p:nvSpPr>
+        <p:spPr/>
+        <p:txBody>
+          <a:bodyPr/>
+          <a:lstStyle/>
+          <a:p>
+            <a:pPr defTabSz="914099" eaLnBrk="0" hangingPunct="0"/>
+            <a:r>
+              <a:rPr lang="en-US" sz="400">
+                <a:gradFill>
+                  <a:gsLst>
+                    <a:gs pos="0">
+                      <a:prstClr val="black"/>
+                    </a:gs>
+                    <a:gs pos="100000">
+                      <a:prstClr val="black"/>
+                    </a:gs>
+                  </a:gsLst>
+                  <a:lin ang="5400000" scaled="0"/>
+                </a:gradFill>
+                <a:latin typeface="Segoe UI" pitchFamily="34" charset="0"/>
+                <a:ea typeface="Segoe UI" pitchFamily="34" charset="0"/>
+                <a:cs typeface="Segoe UI" pitchFamily="34" charset="0"/>
+              </a:rPr>
+              <a:t>© 2014 Microsoft Corporation. All rights reserved. MICROSOFT MAKES NO WARRANTIES, EXPRESS, IMPLIED OR STATUTORY, AS TO THE INFORMATION IN THIS PRESENTATION.</a:t>
+            </a:r>
+            <a:endParaRPr lang="en-US" sz="400" dirty="0">
+              <a:gradFill>
+                <a:gsLst>
+                  <a:gs pos="0">
+                    <a:prstClr val="black"/>
+                  </a:gs>
+                  <a:gs pos="100000">
+                    <a:prstClr val="black"/>
+                  </a:gs>
+                </a:gsLst>
+                <a:lin ang="5400000" scaled="0"/>
+              </a:gradFill>
+              <a:latin typeface="Segoe UI" pitchFamily="34" charset="0"/>
+              <a:ea typeface="Segoe UI" pitchFamily="34" charset="0"/>
+              <a:cs typeface="Segoe UI" pitchFamily="34" charset="0"/>
+            </a:endParaRPr>
+          </a:p>
+        </p:txBody>
+      </p:sp>
+      <p:sp>
+        <p:nvSpPr>
+          <p:cNvPr id="6" name="Date Placeholder 5"/>
+          <p:cNvSpPr>
+            <a:spLocks noGrp="1"/>
+          </p:cNvSpPr>
+          <p:nvPr>
+            <p:ph type="dt" idx="12"/>
+          </p:nvPr>
+        </p:nvSpPr>
+        <p:spPr/>
+        <p:txBody>
+          <a:bodyPr/>
+          <a:lstStyle/>
+          <a:p>
+            <a:fld id="{38EEC551-8CDA-4EB6-89BB-2A86C9F091C8}" type="datetime8">
+              <a:rPr lang="en-US" smtClean="0"/>
+              <a:t>2022-12-01 11:50 PM</a:t>
+            </a:fld>
+            <a:endParaRPr lang="en-US" dirty="0"/>
+          </a:p>
+        </p:txBody>
+      </p:sp>
+      <p:sp>
+        <p:nvSpPr>
+          <p:cNvPr id="7" name="Slide Number Placeholder 6"/>
+          <p:cNvSpPr>
+            <a:spLocks noGrp="1"/>
+          </p:cNvSpPr>
+          <p:nvPr>
+            <p:ph type="sldNum" sz="quarter" idx="13"/>
+          </p:nvPr>
+        </p:nvSpPr>
+        <p:spPr/>
+        <p:txBody>
+          <a:bodyPr/>
+          <a:lstStyle/>
+          <a:p>
+            <a:fld id="{B4008EB6-D09E-4580-8CD6-DDB14511944F}" type="slidenum">
+              <a:rPr lang="en-US" smtClean="0"/>
+              <a:pPr/>
+              <a:t>14</a:t>
+            </a:fld>
+            <a:endParaRPr lang="en-US" dirty="0"/>
+          </a:p>
+        </p:txBody>
+      </p:sp>
+    </p:spTree>
+    <p:extLst>
+      <p:ext uri="{BB962C8B-B14F-4D97-AF65-F5344CB8AC3E}">
+        <p14:creationId xmlns:p14="http://schemas.microsoft.com/office/powerpoint/2010/main" val="3969858667"/>
+      </p:ext>
+    </p:extLst>
+  </p:cSld>
+  <p:clrMapOvr>
+    <a:masterClrMapping/>
+  </p:clrMapOvr>
+</p:notes>
+</file>
+
+<file path=ppt/notesSlides/notesSlide14.xml><?xml version="1.0" encoding="utf-8"?>
+<p:notes xmlns:a="http://schemas.openxmlformats.org/drawingml/2006/main" xmlns:r="http://schemas.openxmlformats.org/officeDocument/2006/relationships" xmlns:p="http://schemas.openxmlformats.org/presentationml/2006/main">
+  <p:cSld>
+    <p:spTree>
+      <p:nvGrpSpPr>
+        <p:cNvPr id="1" name=""/>
+        <p:cNvGrpSpPr/>
+        <p:nvPr/>
+      </p:nvGrpSpPr>
+      <p:grpSpPr>
+        <a:xfrm>
+          <a:off x="0" y="0"/>
+          <a:ext cx="0" cy="0"/>
+          <a:chOff x="0" y="0"/>
+          <a:chExt cx="0" cy="0"/>
+        </a:xfrm>
+      </p:grpSpPr>
+      <p:sp>
+        <p:nvSpPr>
+          <p:cNvPr id="2" name="Slide Image Placeholder 1"/>
+          <p:cNvSpPr>
+            <a:spLocks noGrp="1" noRot="1" noChangeAspect="1"/>
+          </p:cNvSpPr>
+          <p:nvPr>
+            <p:ph type="sldImg"/>
+          </p:nvPr>
+        </p:nvSpPr>
+        <p:spPr/>
+      </p:sp>
+      <p:sp>
+        <p:nvSpPr>
+          <p:cNvPr id="3" name="Notes Placeholder 2"/>
+          <p:cNvSpPr>
+            <a:spLocks noGrp="1"/>
+          </p:cNvSpPr>
+          <p:nvPr>
+            <p:ph type="body" idx="1"/>
+          </p:nvPr>
+        </p:nvSpPr>
+        <p:spPr/>
+        <p:txBody>
+          <a:bodyPr/>
+          <a:lstStyle/>
+          <a:p>
+            <a:r>
+              <a:rPr lang="en-US" dirty="0"/>
+              <a:t>https://docs.microsoft.com/en-us/sql/integration-services/packages/dtexec-utility?view=sql-server-2017</a:t>
+            </a:r>
+          </a:p>
+        </p:txBody>
+      </p:sp>
+      <p:sp>
+        <p:nvSpPr>
+          <p:cNvPr id="4" name="Header Placeholder 3"/>
+          <p:cNvSpPr>
+            <a:spLocks noGrp="1"/>
+          </p:cNvSpPr>
+          <p:nvPr>
+            <p:ph type="hdr" sz="quarter" idx="10"/>
+          </p:nvPr>
+        </p:nvSpPr>
+        <p:spPr/>
+        <p:txBody>
+          <a:bodyPr/>
+          <a:lstStyle/>
+          <a:p>
+            <a:endParaRPr lang="en-US" dirty="0"/>
+          </a:p>
+        </p:txBody>
+      </p:sp>
+      <p:sp>
+        <p:nvSpPr>
+          <p:cNvPr id="5" name="Footer Placeholder 4"/>
+          <p:cNvSpPr>
+            <a:spLocks noGrp="1"/>
+          </p:cNvSpPr>
+          <p:nvPr>
+            <p:ph type="ftr" sz="quarter" idx="11"/>
+          </p:nvPr>
+        </p:nvSpPr>
+        <p:spPr/>
+        <p:txBody>
+          <a:bodyPr/>
+          <a:lstStyle/>
+          <a:p>
+            <a:pPr defTabSz="914099" eaLnBrk="0" hangingPunct="0"/>
+            <a:r>
+              <a:rPr lang="en-US" sz="400">
+                <a:gradFill>
+                  <a:gsLst>
+                    <a:gs pos="0">
+                      <a:prstClr val="black"/>
+                    </a:gs>
+                    <a:gs pos="100000">
+                      <a:prstClr val="black"/>
+                    </a:gs>
+                  </a:gsLst>
+                  <a:lin ang="5400000" scaled="0"/>
+                </a:gradFill>
+                <a:latin typeface="Segoe UI" pitchFamily="34" charset="0"/>
+                <a:ea typeface="Segoe UI" pitchFamily="34" charset="0"/>
+                <a:cs typeface="Segoe UI" pitchFamily="34" charset="0"/>
+              </a:rPr>
+              <a:t>© 2014 Microsoft Corporation. All rights reserved. MICROSOFT MAKES NO WARRANTIES, EXPRESS, IMPLIED OR STATUTORY, AS TO THE INFORMATION IN THIS PRESENTATION.</a:t>
+            </a:r>
+            <a:endParaRPr lang="en-US" sz="400" dirty="0">
+              <a:gradFill>
+                <a:gsLst>
+                  <a:gs pos="0">
+                    <a:prstClr val="black"/>
+                  </a:gs>
+                  <a:gs pos="100000">
+                    <a:prstClr val="black"/>
+                  </a:gs>
+                </a:gsLst>
+                <a:lin ang="5400000" scaled="0"/>
+              </a:gradFill>
+              <a:latin typeface="Segoe UI" pitchFamily="34" charset="0"/>
+              <a:ea typeface="Segoe UI" pitchFamily="34" charset="0"/>
+              <a:cs typeface="Segoe UI" pitchFamily="34" charset="0"/>
+            </a:endParaRPr>
+          </a:p>
+        </p:txBody>
+      </p:sp>
+      <p:sp>
+        <p:nvSpPr>
+          <p:cNvPr id="6" name="Date Placeholder 5"/>
+          <p:cNvSpPr>
+            <a:spLocks noGrp="1"/>
+          </p:cNvSpPr>
+          <p:nvPr>
+            <p:ph type="dt" idx="12"/>
+          </p:nvPr>
+        </p:nvSpPr>
+        <p:spPr/>
+        <p:txBody>
+          <a:bodyPr/>
+          <a:lstStyle/>
+          <a:p>
+            <a:fld id="{38EEC551-8CDA-4EB6-89BB-2A86C9F091C8}" type="datetime8">
+              <a:rPr lang="en-US" smtClean="0"/>
+              <a:t>2022-12-01 11:50 PM</a:t>
+            </a:fld>
+            <a:endParaRPr lang="en-US" dirty="0"/>
+          </a:p>
+        </p:txBody>
+      </p:sp>
+      <p:sp>
+        <p:nvSpPr>
+          <p:cNvPr id="7" name="Slide Number Placeholder 6"/>
+          <p:cNvSpPr>
+            <a:spLocks noGrp="1"/>
+          </p:cNvSpPr>
+          <p:nvPr>
+            <p:ph type="sldNum" sz="quarter" idx="13"/>
+          </p:nvPr>
+        </p:nvSpPr>
+        <p:spPr/>
+        <p:txBody>
+          <a:bodyPr/>
+          <a:lstStyle/>
+          <a:p>
+            <a:fld id="{B4008EB6-D09E-4580-8CD6-DDB14511944F}" type="slidenum">
+              <a:rPr lang="en-US" smtClean="0"/>
+              <a:pPr/>
+              <a:t>15</a:t>
+            </a:fld>
+            <a:endParaRPr lang="en-US" dirty="0"/>
+          </a:p>
+        </p:txBody>
+      </p:sp>
+    </p:spTree>
+    <p:extLst>
+      <p:ext uri="{BB962C8B-B14F-4D97-AF65-F5344CB8AC3E}">
+        <p14:creationId xmlns:p14="http://schemas.microsoft.com/office/powerpoint/2010/main" val="3106888248"/>
+      </p:ext>
+    </p:extLst>
+  </p:cSld>
+  <p:clrMapOvr>
+    <a:masterClrMapping/>
+  </p:clrMapOvr>
+</p:notes>
+</file>
+
+<file path=ppt/notesSlides/notesSlide15.xml><?xml version="1.0" encoding="utf-8"?>
+<p:notes xmlns:a="http://schemas.openxmlformats.org/drawingml/2006/main" xmlns:r="http://schemas.openxmlformats.org/officeDocument/2006/relationships" xmlns:p="http://schemas.openxmlformats.org/presentationml/2006/main">
+  <p:cSld>
+    <p:spTree>
+      <p:nvGrpSpPr>
+        <p:cNvPr id="1" name=""/>
+        <p:cNvGrpSpPr/>
+        <p:nvPr/>
+      </p:nvGrpSpPr>
+      <p:grpSpPr>
+        <a:xfrm>
+          <a:off x="0" y="0"/>
+          <a:ext cx="0" cy="0"/>
+          <a:chOff x="0" y="0"/>
+          <a:chExt cx="0" cy="0"/>
+        </a:xfrm>
+      </p:grpSpPr>
+      <p:sp>
+        <p:nvSpPr>
+          <p:cNvPr id="2" name="Slide Image Placeholder 1"/>
+          <p:cNvSpPr>
+            <a:spLocks noGrp="1" noRot="1" noChangeAspect="1"/>
+          </p:cNvSpPr>
+          <p:nvPr>
+            <p:ph type="sldImg"/>
+          </p:nvPr>
+        </p:nvSpPr>
+        <p:spPr/>
+      </p:sp>
+      <p:sp>
+        <p:nvSpPr>
+          <p:cNvPr id="3" name="Notes Placeholder 2"/>
+          <p:cNvSpPr>
+            <a:spLocks noGrp="1"/>
+          </p:cNvSpPr>
+          <p:nvPr>
+            <p:ph type="body" idx="1"/>
+          </p:nvPr>
+        </p:nvSpPr>
+        <p:spPr/>
+        <p:txBody>
+          <a:bodyPr/>
+          <a:lstStyle/>
+          <a:p>
+            <a:r>
+              <a:rPr lang="en-US" dirty="0"/>
+              <a:t>https://docs.microsoft.com/en-us/sql/integration-services/packages/execute-package-utility-dtexecui-ui-reference?view=sql-server-2017 </a:t>
+            </a:r>
+          </a:p>
+          <a:p>
+            <a:endParaRPr lang="en-US" dirty="0"/>
+          </a:p>
+          <a:p>
+            <a:pPr marL="171450" indent="-171450">
+              <a:buFont typeface="Arial" panose="020B0604020202020204" pitchFamily="34" charset="0"/>
+              <a:buChar char="•"/>
+            </a:pPr>
+            <a:r>
+              <a:rPr lang="en-US" dirty="0"/>
+              <a:t>Since the dtexecUI.exe is 32-bit only, then any packages it execute will be using 32-bit version of dtexec.exe </a:t>
+            </a:r>
+          </a:p>
+          <a:p>
+            <a:pPr marL="171450" indent="-171450">
+              <a:buFont typeface="Arial" panose="020B0604020202020204" pitchFamily="34" charset="0"/>
+              <a:buChar char="•"/>
+            </a:pPr>
+            <a:r>
+              <a:rPr lang="en-US" dirty="0"/>
+              <a:t>This tool is used to build the parameter and then you can call the 64-bit dtexec.exe manually. </a:t>
+            </a:r>
+          </a:p>
+          <a:p>
+            <a:pPr marL="171450" indent="-171450">
+              <a:buFont typeface="Arial" panose="020B0604020202020204" pitchFamily="34" charset="0"/>
+              <a:buChar char="•"/>
+            </a:pPr>
+            <a:endParaRPr lang="en-US" dirty="0"/>
+          </a:p>
+        </p:txBody>
+      </p:sp>
+      <p:sp>
+        <p:nvSpPr>
+          <p:cNvPr id="4" name="Header Placeholder 3"/>
+          <p:cNvSpPr>
+            <a:spLocks noGrp="1"/>
+          </p:cNvSpPr>
+          <p:nvPr>
+            <p:ph type="hdr" sz="quarter" idx="10"/>
+          </p:nvPr>
+        </p:nvSpPr>
+        <p:spPr/>
+        <p:txBody>
+          <a:bodyPr/>
+          <a:lstStyle/>
+          <a:p>
+            <a:endParaRPr lang="en-US" dirty="0"/>
+          </a:p>
+        </p:txBody>
+      </p:sp>
+      <p:sp>
+        <p:nvSpPr>
+          <p:cNvPr id="5" name="Footer Placeholder 4"/>
+          <p:cNvSpPr>
+            <a:spLocks noGrp="1"/>
+          </p:cNvSpPr>
+          <p:nvPr>
+            <p:ph type="ftr" sz="quarter" idx="11"/>
+          </p:nvPr>
+        </p:nvSpPr>
+        <p:spPr/>
+        <p:txBody>
+          <a:bodyPr/>
+          <a:lstStyle/>
+          <a:p>
+            <a:pPr defTabSz="914099" eaLnBrk="0" hangingPunct="0"/>
+            <a:r>
+              <a:rPr lang="en-US" sz="400">
+                <a:gradFill>
+                  <a:gsLst>
+                    <a:gs pos="0">
+                      <a:prstClr val="black"/>
+                    </a:gs>
+                    <a:gs pos="100000">
+                      <a:prstClr val="black"/>
+                    </a:gs>
+                  </a:gsLst>
+                  <a:lin ang="5400000" scaled="0"/>
+                </a:gradFill>
+                <a:latin typeface="Segoe UI" pitchFamily="34" charset="0"/>
+                <a:ea typeface="Segoe UI" pitchFamily="34" charset="0"/>
+                <a:cs typeface="Segoe UI" pitchFamily="34" charset="0"/>
+              </a:rPr>
+              <a:t>© 2014 Microsoft Corporation. All rights reserved. MICROSOFT MAKES NO WARRANTIES, EXPRESS, IMPLIED OR STATUTORY, AS TO THE INFORMATION IN THIS PRESENTATION.</a:t>
+            </a:r>
+            <a:endParaRPr lang="en-US" sz="400" dirty="0">
+              <a:gradFill>
+                <a:gsLst>
+                  <a:gs pos="0">
+                    <a:prstClr val="black"/>
+                  </a:gs>
+                  <a:gs pos="100000">
+                    <a:prstClr val="black"/>
+                  </a:gs>
+                </a:gsLst>
+                <a:lin ang="5400000" scaled="0"/>
+              </a:gradFill>
+              <a:latin typeface="Segoe UI" pitchFamily="34" charset="0"/>
+              <a:ea typeface="Segoe UI" pitchFamily="34" charset="0"/>
+              <a:cs typeface="Segoe UI" pitchFamily="34" charset="0"/>
+            </a:endParaRPr>
+          </a:p>
+        </p:txBody>
+      </p:sp>
+      <p:sp>
+        <p:nvSpPr>
+          <p:cNvPr id="6" name="Date Placeholder 5"/>
+          <p:cNvSpPr>
+            <a:spLocks noGrp="1"/>
+          </p:cNvSpPr>
+          <p:nvPr>
+            <p:ph type="dt" idx="12"/>
+          </p:nvPr>
+        </p:nvSpPr>
+        <p:spPr/>
+        <p:txBody>
+          <a:bodyPr/>
+          <a:lstStyle/>
+          <a:p>
+            <a:fld id="{38EEC551-8CDA-4EB6-89BB-2A86C9F091C8}" type="datetime8">
+              <a:rPr lang="en-US" smtClean="0"/>
+              <a:t>2022-12-01 11:50 PM</a:t>
+            </a:fld>
+            <a:endParaRPr lang="en-US" dirty="0"/>
+          </a:p>
+        </p:txBody>
+      </p:sp>
+      <p:sp>
+        <p:nvSpPr>
+          <p:cNvPr id="7" name="Slide Number Placeholder 6"/>
+          <p:cNvSpPr>
+            <a:spLocks noGrp="1"/>
+          </p:cNvSpPr>
+          <p:nvPr>
+            <p:ph type="sldNum" sz="quarter" idx="13"/>
+          </p:nvPr>
+        </p:nvSpPr>
+        <p:spPr/>
+        <p:txBody>
+          <a:bodyPr/>
+          <a:lstStyle/>
+          <a:p>
+            <a:fld id="{B4008EB6-D09E-4580-8CD6-DDB14511944F}" type="slidenum">
+              <a:rPr lang="en-US" smtClean="0"/>
+              <a:pPr/>
+              <a:t>17</a:t>
+            </a:fld>
+            <a:endParaRPr lang="en-US" dirty="0"/>
+          </a:p>
+        </p:txBody>
+      </p:sp>
+    </p:spTree>
+    <p:extLst>
+      <p:ext uri="{BB962C8B-B14F-4D97-AF65-F5344CB8AC3E}">
+        <p14:creationId xmlns:p14="http://schemas.microsoft.com/office/powerpoint/2010/main" val="1510296683"/>
+      </p:ext>
+    </p:extLst>
+  </p:cSld>
+  <p:clrMapOvr>
+    <a:masterClrMapping/>
+  </p:clrMapOvr>
+</p:notes>
+</file>
+
+<file path=ppt/notesSlides/notesSlide16.xml><?xml version="1.0" encoding="utf-8"?>
+<p:notes xmlns:a="http://schemas.openxmlformats.org/drawingml/2006/main" xmlns:r="http://schemas.openxmlformats.org/officeDocument/2006/relationships" xmlns:p="http://schemas.openxmlformats.org/presentationml/2006/main">
+  <p:cSld>
+    <p:spTree>
+      <p:nvGrpSpPr>
+        <p:cNvPr id="1" name=""/>
+        <p:cNvGrpSpPr/>
+        <p:nvPr/>
+      </p:nvGrpSpPr>
+      <p:grpSpPr>
+        <a:xfrm>
+          <a:off x="0" y="0"/>
+          <a:ext cx="0" cy="0"/>
+          <a:chOff x="0" y="0"/>
+          <a:chExt cx="0" cy="0"/>
+        </a:xfrm>
+      </p:grpSpPr>
+      <p:sp>
+        <p:nvSpPr>
+          <p:cNvPr id="2" name="Slide Image Placeholder 1"/>
+          <p:cNvSpPr>
+            <a:spLocks noGrp="1" noRot="1" noChangeAspect="1"/>
+          </p:cNvSpPr>
+          <p:nvPr>
+            <p:ph type="sldImg"/>
+          </p:nvPr>
+        </p:nvSpPr>
+        <p:spPr>
+          <a:xfrm>
+            <a:off x="381000" y="685800"/>
+            <a:ext cx="6096000" cy="3429000"/>
+          </a:xfrm>
+        </p:spPr>
+      </p:sp>
+      <p:sp>
+        <p:nvSpPr>
+          <p:cNvPr id="3" name="Notes Placeholder 2"/>
+          <p:cNvSpPr>
+            <a:spLocks noGrp="1"/>
+          </p:cNvSpPr>
+          <p:nvPr>
+            <p:ph type="body" idx="1"/>
+          </p:nvPr>
+        </p:nvSpPr>
+        <p:spPr/>
+        <p:txBody>
+          <a:bodyPr>
+            <a:normAutofit/>
+          </a:bodyPr>
+          <a:lstStyle/>
+          <a:p>
+            <a:endParaRPr lang="en-US" dirty="0"/>
+          </a:p>
+        </p:txBody>
+      </p:sp>
+      <p:sp>
+        <p:nvSpPr>
+          <p:cNvPr id="4" name="Header Placeholder 3"/>
+          <p:cNvSpPr>
+            <a:spLocks noGrp="1"/>
+          </p:cNvSpPr>
+          <p:nvPr>
+            <p:ph type="hdr" sz="quarter" idx="10"/>
+          </p:nvPr>
+        </p:nvSpPr>
+        <p:spPr>
+          <a:xfrm>
+            <a:off x="0" y="0"/>
+            <a:ext cx="2971800" cy="457200"/>
+          </a:xfrm>
+          <a:prstGeom prst="rect">
+            <a:avLst/>
+          </a:prstGeom>
+        </p:spPr>
+        <p:txBody>
+          <a:bodyPr/>
+          <a:lstStyle/>
+          <a:p>
+            <a:endParaRPr lang="en-US" dirty="0">
+              <a:solidFill>
+                <a:prstClr val="black"/>
+              </a:solidFill>
+            </a:endParaRPr>
+          </a:p>
+        </p:txBody>
+      </p:sp>
+      <p:sp>
+        <p:nvSpPr>
+          <p:cNvPr id="5" name="Date Placeholder 4"/>
+          <p:cNvSpPr>
+            <a:spLocks noGrp="1"/>
+          </p:cNvSpPr>
+          <p:nvPr>
+            <p:ph type="dt" idx="11"/>
+          </p:nvPr>
+        </p:nvSpPr>
+        <p:spPr/>
+        <p:txBody>
+          <a:bodyPr/>
+          <a:lstStyle/>
+          <a:p>
+            <a:fld id="{D3E44BDE-2AB0-49D2-8E67-B5D3E7155170}" type="datetime8">
+              <a:rPr lang="en-US" smtClean="0">
+                <a:solidFill>
+                  <a:prstClr val="black"/>
+                </a:solidFill>
+              </a:rPr>
+              <a:t>2022-12-01 11:50 PM</a:t>
+            </a:fld>
+            <a:endParaRPr lang="en-US" dirty="0">
+              <a:solidFill>
+                <a:prstClr val="black"/>
+              </a:solidFill>
+            </a:endParaRPr>
+          </a:p>
+        </p:txBody>
+      </p:sp>
+      <p:sp>
+        <p:nvSpPr>
+          <p:cNvPr id="7" name="Slide Number Placeholder 6"/>
+          <p:cNvSpPr>
+            <a:spLocks noGrp="1"/>
+          </p:cNvSpPr>
+          <p:nvPr>
+            <p:ph type="sldNum" sz="quarter" idx="13"/>
+          </p:nvPr>
+        </p:nvSpPr>
+        <p:spPr/>
+        <p:txBody>
+          <a:bodyPr/>
+          <a:lstStyle/>
+          <a:p>
+            <a:fld id="{EC87E0CF-87F6-4B58-B8B8-DCAB2DAAF3CA}" type="slidenum">
+              <a:rPr lang="en-US" smtClean="0">
+                <a:solidFill>
+                  <a:prstClr val="black"/>
+                </a:solidFill>
+              </a:rPr>
+              <a:pPr/>
+              <a:t>20</a:t>
+            </a:fld>
+            <a:endParaRPr lang="en-US" dirty="0">
+              <a:solidFill>
+                <a:prstClr val="black"/>
+              </a:solidFill>
+            </a:endParaRPr>
+          </a:p>
+        </p:txBody>
+      </p:sp>
+      <p:sp>
+        <p:nvSpPr>
+          <p:cNvPr id="6" name="Footer Placeholder 5"/>
+          <p:cNvSpPr>
+            <a:spLocks noGrp="1"/>
+          </p:cNvSpPr>
+          <p:nvPr>
+            <p:ph type="ftr" sz="quarter" idx="14"/>
+          </p:nvPr>
+        </p:nvSpPr>
+        <p:spPr/>
+        <p:txBody>
+          <a:bodyPr/>
+          <a:lstStyle/>
+          <a:p>
+            <a:pPr defTabSz="914099" eaLnBrk="0" hangingPunct="0"/>
+            <a:r>
+              <a:rPr lang="en-US" sz="400" dirty="0">
+                <a:gradFill>
+                  <a:gsLst>
+                    <a:gs pos="0">
+                      <a:prstClr val="black"/>
+                    </a:gs>
+                    <a:gs pos="100000">
+                      <a:prstClr val="black"/>
+                    </a:gs>
+                  </a:gsLst>
+                  <a:lin ang="5400000" scaled="0"/>
+                </a:gradFill>
+                <a:latin typeface="Segoe UI" pitchFamily="34" charset="0"/>
+                <a:ea typeface="Segoe UI" pitchFamily="34" charset="0"/>
+                <a:cs typeface="Segoe UI" pitchFamily="34" charset="0"/>
+              </a:rPr>
+              <a:t>© 2014 Microsoft Corporation. All rights reserved. MICROSOFT MAKES NO WARRANTIES, EXPRESS, IMPLIED OR STATUTORY, AS TO THE INFORMATION IN THIS PRESENTATION.</a:t>
+            </a:r>
+          </a:p>
+        </p:txBody>
+      </p:sp>
+    </p:spTree>
+    <p:extLst>
+      <p:ext uri="{BB962C8B-B14F-4D97-AF65-F5344CB8AC3E}">
+        <p14:creationId xmlns:p14="http://schemas.microsoft.com/office/powerpoint/2010/main" val="1507187855"/>
       </p:ext>
     </p:extLst>
   </p:cSld>
@@ -1093,6 +2952,37 @@
               <a:t>https://docs.microsoft.com/en-us/sql/ssdt/download-sql-server-data-tools-ssdt?view=sql-server-2017</a:t>
             </a:r>
           </a:p>
+          <a:p>
+            <a:pPr lvl="1"/>
+            <a:r>
+              <a:rPr lang="en-US" dirty="0"/>
+              <a:t>SSDT for Visual Studio 2012 </a:t>
+            </a:r>
+          </a:p>
+          <a:p>
+            <a:pPr lvl="1"/>
+            <a:r>
+              <a:rPr lang="en-US" dirty="0"/>
+              <a:t>SSDT for Visual Studio 2015 </a:t>
+            </a:r>
+          </a:p>
+          <a:p>
+            <a:pPr lvl="1"/>
+            <a:r>
+              <a:rPr lang="en-US" dirty="0"/>
+              <a:t>SSDT for Visual Studio 2017 </a:t>
+            </a:r>
+          </a:p>
+          <a:p>
+            <a:pPr lvl="1"/>
+            <a:r>
+              <a:rPr lang="en-US" dirty="0"/>
+              <a:t>SSDT for Visual Studio 2019 </a:t>
+            </a:r>
+          </a:p>
+          <a:p>
+            <a:endParaRPr lang="en-US" dirty="0"/>
+          </a:p>
         </p:txBody>
       </p:sp>
       <p:sp>
@@ -1185,7 +3075,7 @@
           <a:p>
             <a:fld id="{38EEC551-8CDA-4EB6-89BB-2A86C9F091C8}" type="datetime8">
               <a:rPr lang="en-US" smtClean="0"/>
-              <a:t>2018-05-16 8:31 PM</a:t>
+              <a:t>2022-12-01 11:50 PM</a:t>
             </a:fld>
             <a:endParaRPr lang="en-US" dirty="0"/>
           </a:p>
@@ -1255,12 +3145,7 @@
             <p:ph type="sldImg"/>
           </p:nvPr>
         </p:nvSpPr>
-        <p:spPr>
-          <a:xfrm>
-            <a:off x="381000" y="685800"/>
-            <a:ext cx="6096000" cy="3429000"/>
-          </a:xfrm>
-        </p:spPr>
+        <p:spPr/>
       </p:sp>
       <p:sp>
         <p:nvSpPr>
@@ -1274,12 +3159,987 @@
         </p:nvSpPr>
         <p:spPr/>
         <p:txBody>
-          <a:bodyPr>
-            <a:normAutofit/>
-          </a:bodyPr>
+          <a:bodyPr/>
           <a:lstStyle/>
           <a:p>
-            <a:endParaRPr lang="en-US" dirty="0"/>
+            <a:r>
+              <a:rPr lang="en-US" dirty="0"/>
+              <a:t> </a:t>
+            </a:r>
+            <a:r>
+              <a:rPr lang="en-US" sz="900" kern="1200" dirty="0">
+                <a:solidFill>
+                  <a:schemeClr val="tx1"/>
+                </a:solidFill>
+                <a:latin typeface="Segoe UI Light" pitchFamily="34" charset="0"/>
+                <a:ea typeface="+mn-ea"/>
+                <a:cs typeface="+mn-cs"/>
+              </a:rPr>
+              <a:t>$</a:t>
+            </a:r>
+            <a:r>
+              <a:rPr lang="en-US" sz="900" kern="1200" dirty="0" err="1">
+                <a:solidFill>
+                  <a:schemeClr val="tx1"/>
+                </a:solidFill>
+                <a:latin typeface="Segoe UI Light" pitchFamily="34" charset="0"/>
+                <a:ea typeface="+mn-ea"/>
+                <a:cs typeface="+mn-cs"/>
+              </a:rPr>
+              <a:t>download_path</a:t>
+            </a:r>
+            <a:r>
+              <a:rPr lang="en-US" sz="900" kern="1200" dirty="0">
+                <a:solidFill>
+                  <a:schemeClr val="tx1"/>
+                </a:solidFill>
+                <a:latin typeface="Segoe UI Light" pitchFamily="34" charset="0"/>
+                <a:ea typeface="+mn-ea"/>
+                <a:cs typeface="+mn-cs"/>
+              </a:rPr>
+              <a:t> = "C:\temp"</a:t>
+            </a:r>
+          </a:p>
+          <a:p>
+            <a:endParaRPr lang="en-US" sz="900" kern="1200" dirty="0">
+              <a:solidFill>
+                <a:schemeClr val="tx1"/>
+              </a:solidFill>
+              <a:latin typeface="Segoe UI Light" pitchFamily="34" charset="0"/>
+              <a:ea typeface="+mn-ea"/>
+              <a:cs typeface="+mn-cs"/>
+            </a:endParaRPr>
+          </a:p>
+          <a:p>
+            <a:r>
+              <a:rPr lang="en-US" sz="900" kern="1200" dirty="0">
+                <a:solidFill>
+                  <a:schemeClr val="tx1"/>
+                </a:solidFill>
+                <a:latin typeface="Segoe UI Light" pitchFamily="34" charset="0"/>
+                <a:ea typeface="+mn-ea"/>
+                <a:cs typeface="+mn-cs"/>
+              </a:rPr>
+              <a:t>#------------------------</a:t>
+            </a:r>
+          </a:p>
+          <a:p>
+            <a:r>
+              <a:rPr lang="en-US" sz="900" kern="1200" dirty="0">
+                <a:solidFill>
+                  <a:schemeClr val="tx1"/>
+                </a:solidFill>
+                <a:latin typeface="Segoe UI Light" pitchFamily="34" charset="0"/>
+                <a:ea typeface="+mn-ea"/>
+                <a:cs typeface="+mn-cs"/>
+              </a:rPr>
+              <a:t>#must be performed online</a:t>
+            </a:r>
+          </a:p>
+          <a:p>
+            <a:r>
+              <a:rPr lang="en-US" sz="900" kern="1200" dirty="0">
+                <a:solidFill>
+                  <a:schemeClr val="tx1"/>
+                </a:solidFill>
+                <a:latin typeface="Segoe UI Light" pitchFamily="34" charset="0"/>
+                <a:ea typeface="+mn-ea"/>
+                <a:cs typeface="+mn-cs"/>
+              </a:rPr>
+              <a:t>if (!(Test-path $</a:t>
+            </a:r>
+            <a:r>
+              <a:rPr lang="en-US" sz="900" kern="1200" dirty="0" err="1">
+                <a:solidFill>
+                  <a:schemeClr val="tx1"/>
+                </a:solidFill>
+                <a:latin typeface="Segoe UI Light" pitchFamily="34" charset="0"/>
+                <a:ea typeface="+mn-ea"/>
+                <a:cs typeface="+mn-cs"/>
+              </a:rPr>
+              <a:t>download_path</a:t>
+            </a:r>
+            <a:r>
+              <a:rPr lang="en-US" sz="900" kern="1200" dirty="0">
+                <a:solidFill>
+                  <a:schemeClr val="tx1"/>
+                </a:solidFill>
+                <a:latin typeface="Segoe UI Light" pitchFamily="34" charset="0"/>
+                <a:ea typeface="+mn-ea"/>
+                <a:cs typeface="+mn-cs"/>
+              </a:rPr>
+              <a:t>)){MKDIR $</a:t>
+            </a:r>
+            <a:r>
+              <a:rPr lang="en-US" sz="900" kern="1200" dirty="0" err="1">
+                <a:solidFill>
+                  <a:schemeClr val="tx1"/>
+                </a:solidFill>
+                <a:latin typeface="Segoe UI Light" pitchFamily="34" charset="0"/>
+                <a:ea typeface="+mn-ea"/>
+                <a:cs typeface="+mn-cs"/>
+              </a:rPr>
+              <a:t>download_path</a:t>
+            </a:r>
+            <a:r>
+              <a:rPr lang="en-US" sz="900" kern="1200" dirty="0">
+                <a:solidFill>
+                  <a:schemeClr val="tx1"/>
+                </a:solidFill>
+                <a:latin typeface="Segoe UI Light" pitchFamily="34" charset="0"/>
+                <a:ea typeface="+mn-ea"/>
+                <a:cs typeface="+mn-cs"/>
+              </a:rPr>
+              <a:t> |out-null}</a:t>
+            </a:r>
+          </a:p>
+          <a:p>
+            <a:endParaRPr lang="en-US" sz="900" kern="1200" dirty="0">
+              <a:solidFill>
+                <a:schemeClr val="tx1"/>
+              </a:solidFill>
+              <a:latin typeface="Segoe UI Light" pitchFamily="34" charset="0"/>
+              <a:ea typeface="+mn-ea"/>
+              <a:cs typeface="+mn-cs"/>
+            </a:endParaRPr>
+          </a:p>
+          <a:p>
+            <a:r>
+              <a:rPr lang="en-US" sz="900" kern="1200" dirty="0">
+                <a:solidFill>
+                  <a:schemeClr val="tx1"/>
+                </a:solidFill>
+                <a:latin typeface="Segoe UI Light" pitchFamily="34" charset="0"/>
+                <a:ea typeface="+mn-ea"/>
+                <a:cs typeface="+mn-cs"/>
+              </a:rPr>
+              <a:t>$</a:t>
+            </a:r>
+            <a:r>
+              <a:rPr lang="en-US" sz="900" kern="1200" dirty="0" err="1">
+                <a:solidFill>
+                  <a:schemeClr val="tx1"/>
+                </a:solidFill>
+                <a:latin typeface="Segoe UI Light" pitchFamily="34" charset="0"/>
+                <a:ea typeface="+mn-ea"/>
+                <a:cs typeface="+mn-cs"/>
+              </a:rPr>
+              <a:t>vs_sql</a:t>
+            </a:r>
+            <a:r>
+              <a:rPr lang="en-US" sz="900" kern="1200" dirty="0">
+                <a:solidFill>
+                  <a:schemeClr val="tx1"/>
+                </a:solidFill>
+                <a:latin typeface="Segoe UI Light" pitchFamily="34" charset="0"/>
+                <a:ea typeface="+mn-ea"/>
+                <a:cs typeface="+mn-cs"/>
+              </a:rPr>
+              <a:t> = "https://download.visualstudio.microsoft.com/download/</a:t>
+            </a:r>
+            <a:r>
+              <a:rPr lang="en-US" sz="900" kern="1200" dirty="0" err="1">
+                <a:solidFill>
+                  <a:schemeClr val="tx1"/>
+                </a:solidFill>
+                <a:latin typeface="Segoe UI Light" pitchFamily="34" charset="0"/>
+                <a:ea typeface="+mn-ea"/>
+                <a:cs typeface="+mn-cs"/>
+              </a:rPr>
+              <a:t>pr</a:t>
+            </a:r>
+            <a:r>
+              <a:rPr lang="en-US" sz="900" kern="1200" dirty="0">
+                <a:solidFill>
+                  <a:schemeClr val="tx1"/>
+                </a:solidFill>
+                <a:latin typeface="Segoe UI Light" pitchFamily="34" charset="0"/>
+                <a:ea typeface="+mn-ea"/>
+                <a:cs typeface="+mn-cs"/>
+              </a:rPr>
+              <a:t>/62217af9-22f9-4f7d-add2-790c8a5b2ba5/a94d810203e4ea378ad2c99cc76f9ff7/vs_sql.exe"</a:t>
+            </a:r>
+          </a:p>
+          <a:p>
+            <a:r>
+              <a:rPr lang="en-US" sz="900" kern="1200" dirty="0">
+                <a:solidFill>
+                  <a:schemeClr val="tx1"/>
+                </a:solidFill>
+                <a:latin typeface="Segoe UI Light" pitchFamily="34" charset="0"/>
+                <a:ea typeface="+mn-ea"/>
+                <a:cs typeface="+mn-cs"/>
+              </a:rPr>
+              <a:t>$</a:t>
+            </a:r>
+            <a:r>
+              <a:rPr lang="en-US" sz="900" kern="1200" dirty="0" err="1">
+                <a:solidFill>
+                  <a:schemeClr val="tx1"/>
+                </a:solidFill>
+                <a:latin typeface="Segoe UI Light" pitchFamily="34" charset="0"/>
+                <a:ea typeface="+mn-ea"/>
+                <a:cs typeface="+mn-cs"/>
+              </a:rPr>
+              <a:t>ssdt_setup</a:t>
+            </a:r>
+            <a:r>
+              <a:rPr lang="en-US" sz="900" kern="1200" dirty="0">
+                <a:solidFill>
+                  <a:schemeClr val="tx1"/>
+                </a:solidFill>
+                <a:latin typeface="Segoe UI Light" pitchFamily="34" charset="0"/>
+                <a:ea typeface="+mn-ea"/>
+                <a:cs typeface="+mn-cs"/>
+              </a:rPr>
+              <a:t>="https://download.microsoft.com/download/5/A/D/5AD18EB8-7A35-4296-9364-03CA17E19737/SSDT-Setup-ENU.exe"</a:t>
+            </a:r>
+          </a:p>
+          <a:p>
+            <a:endParaRPr lang="en-US" sz="900" kern="1200" dirty="0">
+              <a:solidFill>
+                <a:schemeClr val="tx1"/>
+              </a:solidFill>
+              <a:latin typeface="Segoe UI Light" pitchFamily="34" charset="0"/>
+              <a:ea typeface="+mn-ea"/>
+              <a:cs typeface="+mn-cs"/>
+            </a:endParaRPr>
+          </a:p>
+          <a:p>
+            <a:r>
+              <a:rPr lang="en-US" sz="900" kern="1200" dirty="0">
+                <a:solidFill>
+                  <a:schemeClr val="tx1"/>
+                </a:solidFill>
+                <a:latin typeface="Segoe UI Light" pitchFamily="34" charset="0"/>
+                <a:ea typeface="+mn-ea"/>
+                <a:cs typeface="+mn-cs"/>
+              </a:rPr>
+              <a:t>$</a:t>
+            </a:r>
+            <a:r>
+              <a:rPr lang="en-US" sz="900" kern="1200" dirty="0" err="1">
+                <a:solidFill>
+                  <a:schemeClr val="tx1"/>
+                </a:solidFill>
+                <a:latin typeface="Segoe UI Light" pitchFamily="34" charset="0"/>
+                <a:ea typeface="+mn-ea"/>
+                <a:cs typeface="+mn-cs"/>
+              </a:rPr>
+              <a:t>vs_sql_exe</a:t>
+            </a:r>
+            <a:r>
+              <a:rPr lang="en-US" sz="900" kern="1200" dirty="0">
+                <a:solidFill>
+                  <a:schemeClr val="tx1"/>
+                </a:solidFill>
+                <a:latin typeface="Segoe UI Light" pitchFamily="34" charset="0"/>
+                <a:ea typeface="+mn-ea"/>
+                <a:cs typeface="+mn-cs"/>
+              </a:rPr>
+              <a:t> = (Join-Path -Path $</a:t>
+            </a:r>
+            <a:r>
+              <a:rPr lang="en-US" sz="900" kern="1200" dirty="0" err="1">
+                <a:solidFill>
+                  <a:schemeClr val="tx1"/>
+                </a:solidFill>
+                <a:latin typeface="Segoe UI Light" pitchFamily="34" charset="0"/>
+                <a:ea typeface="+mn-ea"/>
+                <a:cs typeface="+mn-cs"/>
+              </a:rPr>
+              <a:t>download_path</a:t>
+            </a:r>
+            <a:r>
+              <a:rPr lang="en-US" sz="900" kern="1200" dirty="0">
+                <a:solidFill>
+                  <a:schemeClr val="tx1"/>
+                </a:solidFill>
+                <a:latin typeface="Segoe UI Light" pitchFamily="34" charset="0"/>
+                <a:ea typeface="+mn-ea"/>
+                <a:cs typeface="+mn-cs"/>
+              </a:rPr>
+              <a:t> -</a:t>
+            </a:r>
+            <a:r>
+              <a:rPr lang="en-US" sz="900" kern="1200" dirty="0" err="1">
+                <a:solidFill>
+                  <a:schemeClr val="tx1"/>
+                </a:solidFill>
+                <a:latin typeface="Segoe UI Light" pitchFamily="34" charset="0"/>
+                <a:ea typeface="+mn-ea"/>
+                <a:cs typeface="+mn-cs"/>
+              </a:rPr>
+              <a:t>ChildPath</a:t>
+            </a:r>
+            <a:r>
+              <a:rPr lang="en-US" sz="900" kern="1200" dirty="0">
+                <a:solidFill>
+                  <a:schemeClr val="tx1"/>
+                </a:solidFill>
+                <a:latin typeface="Segoe UI Light" pitchFamily="34" charset="0"/>
+                <a:ea typeface="+mn-ea"/>
+                <a:cs typeface="+mn-cs"/>
+              </a:rPr>
+              <a:t> "vs_sql.exe")</a:t>
+            </a:r>
+          </a:p>
+          <a:p>
+            <a:r>
+              <a:rPr lang="en-US" sz="900" kern="1200" dirty="0">
+                <a:solidFill>
+                  <a:schemeClr val="tx1"/>
+                </a:solidFill>
+                <a:latin typeface="Segoe UI Light" pitchFamily="34" charset="0"/>
+                <a:ea typeface="+mn-ea"/>
+                <a:cs typeface="+mn-cs"/>
+              </a:rPr>
+              <a:t>$</a:t>
+            </a:r>
+            <a:r>
+              <a:rPr lang="en-US" sz="900" kern="1200" dirty="0" err="1">
+                <a:solidFill>
+                  <a:schemeClr val="tx1"/>
+                </a:solidFill>
+                <a:latin typeface="Segoe UI Light" pitchFamily="34" charset="0"/>
+                <a:ea typeface="+mn-ea"/>
+                <a:cs typeface="+mn-cs"/>
+              </a:rPr>
+              <a:t>ssdt_setup_exe</a:t>
+            </a:r>
+            <a:r>
+              <a:rPr lang="en-US" sz="900" kern="1200" dirty="0">
+                <a:solidFill>
+                  <a:schemeClr val="tx1"/>
+                </a:solidFill>
+                <a:latin typeface="Segoe UI Light" pitchFamily="34" charset="0"/>
+                <a:ea typeface="+mn-ea"/>
+                <a:cs typeface="+mn-cs"/>
+              </a:rPr>
+              <a:t> = (Join-Path -Path $</a:t>
+            </a:r>
+            <a:r>
+              <a:rPr lang="en-US" sz="900" kern="1200" dirty="0" err="1">
+                <a:solidFill>
+                  <a:schemeClr val="tx1"/>
+                </a:solidFill>
+                <a:latin typeface="Segoe UI Light" pitchFamily="34" charset="0"/>
+                <a:ea typeface="+mn-ea"/>
+                <a:cs typeface="+mn-cs"/>
+              </a:rPr>
+              <a:t>download_path</a:t>
+            </a:r>
+            <a:r>
+              <a:rPr lang="en-US" sz="900" kern="1200" dirty="0">
+                <a:solidFill>
+                  <a:schemeClr val="tx1"/>
+                </a:solidFill>
+                <a:latin typeface="Segoe UI Light" pitchFamily="34" charset="0"/>
+                <a:ea typeface="+mn-ea"/>
+                <a:cs typeface="+mn-cs"/>
+              </a:rPr>
+              <a:t> -</a:t>
+            </a:r>
+            <a:r>
+              <a:rPr lang="en-US" sz="900" kern="1200" dirty="0" err="1">
+                <a:solidFill>
+                  <a:schemeClr val="tx1"/>
+                </a:solidFill>
+                <a:latin typeface="Segoe UI Light" pitchFamily="34" charset="0"/>
+                <a:ea typeface="+mn-ea"/>
+                <a:cs typeface="+mn-cs"/>
+              </a:rPr>
+              <a:t>ChildPath</a:t>
+            </a:r>
+            <a:r>
+              <a:rPr lang="en-US" sz="900" kern="1200" dirty="0">
+                <a:solidFill>
+                  <a:schemeClr val="tx1"/>
+                </a:solidFill>
+                <a:latin typeface="Segoe UI Light" pitchFamily="34" charset="0"/>
+                <a:ea typeface="+mn-ea"/>
+                <a:cs typeface="+mn-cs"/>
+              </a:rPr>
+              <a:t> "SSDT-Setup-ENU.exe")</a:t>
+            </a:r>
+          </a:p>
+          <a:p>
+            <a:endParaRPr lang="en-US" sz="900" kern="1200" dirty="0">
+              <a:solidFill>
+                <a:schemeClr val="tx1"/>
+              </a:solidFill>
+              <a:latin typeface="Segoe UI Light" pitchFamily="34" charset="0"/>
+              <a:ea typeface="+mn-ea"/>
+              <a:cs typeface="+mn-cs"/>
+            </a:endParaRPr>
+          </a:p>
+          <a:p>
+            <a:endParaRPr lang="en-US" sz="900" kern="1200" dirty="0">
+              <a:solidFill>
+                <a:schemeClr val="tx1"/>
+              </a:solidFill>
+              <a:latin typeface="Segoe UI Light" pitchFamily="34" charset="0"/>
+              <a:ea typeface="+mn-ea"/>
+              <a:cs typeface="+mn-cs"/>
+            </a:endParaRPr>
+          </a:p>
+          <a:p>
+            <a:r>
+              <a:rPr lang="en-US" sz="900" kern="1200" dirty="0">
+                <a:solidFill>
+                  <a:schemeClr val="tx1"/>
+                </a:solidFill>
+                <a:latin typeface="Segoe UI Light" pitchFamily="34" charset="0"/>
+                <a:ea typeface="+mn-ea"/>
+                <a:cs typeface="+mn-cs"/>
+              </a:rPr>
+              <a:t>Invoke-</a:t>
+            </a:r>
+            <a:r>
+              <a:rPr lang="en-US" sz="900" kern="1200" dirty="0" err="1">
+                <a:solidFill>
+                  <a:schemeClr val="tx1"/>
+                </a:solidFill>
+                <a:latin typeface="Segoe UI Light" pitchFamily="34" charset="0"/>
+                <a:ea typeface="+mn-ea"/>
+                <a:cs typeface="+mn-cs"/>
+              </a:rPr>
+              <a:t>WebRequest</a:t>
+            </a:r>
+            <a:r>
+              <a:rPr lang="en-US" sz="900" kern="1200" dirty="0">
+                <a:solidFill>
+                  <a:schemeClr val="tx1"/>
+                </a:solidFill>
+                <a:latin typeface="Segoe UI Light" pitchFamily="34" charset="0"/>
+                <a:ea typeface="+mn-ea"/>
+                <a:cs typeface="+mn-cs"/>
+              </a:rPr>
+              <a:t> -Uri $</a:t>
+            </a:r>
+            <a:r>
+              <a:rPr lang="en-US" sz="900" kern="1200" dirty="0" err="1">
+                <a:solidFill>
+                  <a:schemeClr val="tx1"/>
+                </a:solidFill>
+                <a:latin typeface="Segoe UI Light" pitchFamily="34" charset="0"/>
+                <a:ea typeface="+mn-ea"/>
+                <a:cs typeface="+mn-cs"/>
+              </a:rPr>
+              <a:t>vs_sql</a:t>
+            </a:r>
+            <a:r>
+              <a:rPr lang="en-US" sz="900" kern="1200" dirty="0">
+                <a:solidFill>
+                  <a:schemeClr val="tx1"/>
+                </a:solidFill>
+                <a:latin typeface="Segoe UI Light" pitchFamily="34" charset="0"/>
+                <a:ea typeface="+mn-ea"/>
+                <a:cs typeface="+mn-cs"/>
+              </a:rPr>
+              <a:t>     -</a:t>
+            </a:r>
+            <a:r>
+              <a:rPr lang="en-US" sz="900" kern="1200" dirty="0" err="1">
+                <a:solidFill>
+                  <a:schemeClr val="tx1"/>
+                </a:solidFill>
+                <a:latin typeface="Segoe UI Light" pitchFamily="34" charset="0"/>
+                <a:ea typeface="+mn-ea"/>
+                <a:cs typeface="+mn-cs"/>
+              </a:rPr>
+              <a:t>OutFile</a:t>
+            </a:r>
+            <a:r>
+              <a:rPr lang="en-US" sz="900" kern="1200" dirty="0">
+                <a:solidFill>
+                  <a:schemeClr val="tx1"/>
+                </a:solidFill>
+                <a:latin typeface="Segoe UI Light" pitchFamily="34" charset="0"/>
+                <a:ea typeface="+mn-ea"/>
+                <a:cs typeface="+mn-cs"/>
+              </a:rPr>
+              <a:t> $</a:t>
+            </a:r>
+            <a:r>
+              <a:rPr lang="en-US" sz="900" kern="1200" dirty="0" err="1">
+                <a:solidFill>
+                  <a:schemeClr val="tx1"/>
+                </a:solidFill>
+                <a:latin typeface="Segoe UI Light" pitchFamily="34" charset="0"/>
+                <a:ea typeface="+mn-ea"/>
+                <a:cs typeface="+mn-cs"/>
+              </a:rPr>
+              <a:t>vs_sql_exe</a:t>
+            </a:r>
+            <a:endParaRPr lang="en-US" sz="900" kern="1200" dirty="0">
+              <a:solidFill>
+                <a:schemeClr val="tx1"/>
+              </a:solidFill>
+              <a:latin typeface="Segoe UI Light" pitchFamily="34" charset="0"/>
+              <a:ea typeface="+mn-ea"/>
+              <a:cs typeface="+mn-cs"/>
+            </a:endParaRPr>
+          </a:p>
+          <a:p>
+            <a:r>
+              <a:rPr lang="en-US" sz="900" kern="1200" dirty="0">
+                <a:solidFill>
+                  <a:schemeClr val="tx1"/>
+                </a:solidFill>
+                <a:latin typeface="Segoe UI Light" pitchFamily="34" charset="0"/>
+                <a:ea typeface="+mn-ea"/>
+                <a:cs typeface="+mn-cs"/>
+              </a:rPr>
+              <a:t>Invoke-</a:t>
+            </a:r>
+            <a:r>
+              <a:rPr lang="en-US" sz="900" kern="1200" dirty="0" err="1">
+                <a:solidFill>
+                  <a:schemeClr val="tx1"/>
+                </a:solidFill>
+                <a:latin typeface="Segoe UI Light" pitchFamily="34" charset="0"/>
+                <a:ea typeface="+mn-ea"/>
+                <a:cs typeface="+mn-cs"/>
+              </a:rPr>
+              <a:t>WebRequest</a:t>
+            </a:r>
+            <a:r>
+              <a:rPr lang="en-US" sz="900" kern="1200" dirty="0">
+                <a:solidFill>
+                  <a:schemeClr val="tx1"/>
+                </a:solidFill>
+                <a:latin typeface="Segoe UI Light" pitchFamily="34" charset="0"/>
+                <a:ea typeface="+mn-ea"/>
+                <a:cs typeface="+mn-cs"/>
+              </a:rPr>
+              <a:t> -Uri $</a:t>
+            </a:r>
+            <a:r>
+              <a:rPr lang="en-US" sz="900" kern="1200" dirty="0" err="1">
+                <a:solidFill>
+                  <a:schemeClr val="tx1"/>
+                </a:solidFill>
+                <a:latin typeface="Segoe UI Light" pitchFamily="34" charset="0"/>
+                <a:ea typeface="+mn-ea"/>
+                <a:cs typeface="+mn-cs"/>
+              </a:rPr>
+              <a:t>ssdt_setup</a:t>
+            </a:r>
+            <a:r>
+              <a:rPr lang="en-US" sz="900" kern="1200" dirty="0">
+                <a:solidFill>
+                  <a:schemeClr val="tx1"/>
+                </a:solidFill>
+                <a:latin typeface="Segoe UI Light" pitchFamily="34" charset="0"/>
+                <a:ea typeface="+mn-ea"/>
+                <a:cs typeface="+mn-cs"/>
+              </a:rPr>
+              <a:t> -</a:t>
+            </a:r>
+            <a:r>
+              <a:rPr lang="en-US" sz="900" kern="1200" dirty="0" err="1">
+                <a:solidFill>
+                  <a:schemeClr val="tx1"/>
+                </a:solidFill>
+                <a:latin typeface="Segoe UI Light" pitchFamily="34" charset="0"/>
+                <a:ea typeface="+mn-ea"/>
+                <a:cs typeface="+mn-cs"/>
+              </a:rPr>
+              <a:t>OutFile</a:t>
+            </a:r>
+            <a:r>
+              <a:rPr lang="en-US" sz="900" kern="1200" dirty="0">
+                <a:solidFill>
+                  <a:schemeClr val="tx1"/>
+                </a:solidFill>
+                <a:latin typeface="Segoe UI Light" pitchFamily="34" charset="0"/>
+                <a:ea typeface="+mn-ea"/>
+                <a:cs typeface="+mn-cs"/>
+              </a:rPr>
+              <a:t> $</a:t>
+            </a:r>
+            <a:r>
+              <a:rPr lang="en-US" sz="900" kern="1200" dirty="0" err="1">
+                <a:solidFill>
+                  <a:schemeClr val="tx1"/>
+                </a:solidFill>
+                <a:latin typeface="Segoe UI Light" pitchFamily="34" charset="0"/>
+                <a:ea typeface="+mn-ea"/>
+                <a:cs typeface="+mn-cs"/>
+              </a:rPr>
+              <a:t>ssdt_setup_exe</a:t>
+            </a:r>
+            <a:endParaRPr lang="en-US" sz="900" kern="1200" dirty="0">
+              <a:solidFill>
+                <a:schemeClr val="tx1"/>
+              </a:solidFill>
+              <a:latin typeface="Segoe UI Light" pitchFamily="34" charset="0"/>
+              <a:ea typeface="+mn-ea"/>
+              <a:cs typeface="+mn-cs"/>
+            </a:endParaRPr>
+          </a:p>
+          <a:p>
+            <a:endParaRPr lang="en-US" sz="900" kern="1200" dirty="0">
+              <a:solidFill>
+                <a:schemeClr val="tx1"/>
+              </a:solidFill>
+              <a:latin typeface="Segoe UI Light" pitchFamily="34" charset="0"/>
+              <a:ea typeface="+mn-ea"/>
+              <a:cs typeface="+mn-cs"/>
+            </a:endParaRPr>
+          </a:p>
+          <a:p>
+            <a:r>
+              <a:rPr lang="en-US" sz="900" kern="1200" dirty="0">
+                <a:solidFill>
+                  <a:schemeClr val="tx1"/>
+                </a:solidFill>
+                <a:latin typeface="Segoe UI Light" pitchFamily="34" charset="0"/>
+                <a:ea typeface="+mn-ea"/>
+                <a:cs typeface="+mn-cs"/>
+              </a:rPr>
+              <a:t>#must be online</a:t>
+            </a:r>
+          </a:p>
+          <a:p>
+            <a:r>
+              <a:rPr lang="en-US" sz="900" kern="1200" dirty="0">
+                <a:solidFill>
+                  <a:schemeClr val="tx1"/>
+                </a:solidFill>
+                <a:latin typeface="Segoe UI Light" pitchFamily="34" charset="0"/>
+                <a:ea typeface="+mn-ea"/>
+                <a:cs typeface="+mn-cs"/>
+              </a:rPr>
+              <a:t>&amp;$</a:t>
+            </a:r>
+            <a:r>
+              <a:rPr lang="en-US" sz="900" kern="1200" dirty="0" err="1">
+                <a:solidFill>
+                  <a:schemeClr val="tx1"/>
+                </a:solidFill>
+                <a:latin typeface="Segoe UI Light" pitchFamily="34" charset="0"/>
+                <a:ea typeface="+mn-ea"/>
+                <a:cs typeface="+mn-cs"/>
+              </a:rPr>
+              <a:t>vs_sql_exe</a:t>
+            </a:r>
+            <a:r>
+              <a:rPr lang="en-US" sz="900" kern="1200" dirty="0">
+                <a:solidFill>
+                  <a:schemeClr val="tx1"/>
+                </a:solidFill>
+                <a:latin typeface="Segoe UI Light" pitchFamily="34" charset="0"/>
+                <a:ea typeface="+mn-ea"/>
+                <a:cs typeface="+mn-cs"/>
+              </a:rPr>
+              <a:t> --layout $</a:t>
+            </a:r>
+            <a:r>
+              <a:rPr lang="en-US" sz="900" kern="1200" dirty="0" err="1">
+                <a:solidFill>
+                  <a:schemeClr val="tx1"/>
+                </a:solidFill>
+                <a:latin typeface="Segoe UI Light" pitchFamily="34" charset="0"/>
+                <a:ea typeface="+mn-ea"/>
+                <a:cs typeface="+mn-cs"/>
+              </a:rPr>
+              <a:t>download_path</a:t>
+            </a:r>
+            <a:r>
+              <a:rPr lang="en-US" sz="900" kern="1200" dirty="0">
+                <a:solidFill>
+                  <a:schemeClr val="tx1"/>
+                </a:solidFill>
+                <a:latin typeface="Segoe UI Light" pitchFamily="34" charset="0"/>
+                <a:ea typeface="+mn-ea"/>
+                <a:cs typeface="+mn-cs"/>
+              </a:rPr>
+              <a:t> --</a:t>
+            </a:r>
+            <a:r>
+              <a:rPr lang="en-US" sz="900" kern="1200" dirty="0" err="1">
+                <a:solidFill>
+                  <a:schemeClr val="tx1"/>
+                </a:solidFill>
+                <a:latin typeface="Segoe UI Light" pitchFamily="34" charset="0"/>
+                <a:ea typeface="+mn-ea"/>
+                <a:cs typeface="+mn-cs"/>
+              </a:rPr>
+              <a:t>lang</a:t>
+            </a:r>
+            <a:r>
+              <a:rPr lang="en-US" sz="900" kern="1200" dirty="0">
+                <a:solidFill>
+                  <a:schemeClr val="tx1"/>
+                </a:solidFill>
+                <a:latin typeface="Segoe UI Light" pitchFamily="34" charset="0"/>
+                <a:ea typeface="+mn-ea"/>
+                <a:cs typeface="+mn-cs"/>
+              </a:rPr>
+              <a:t> </a:t>
+            </a:r>
+            <a:r>
+              <a:rPr lang="en-US" sz="900" kern="1200" dirty="0" err="1">
+                <a:solidFill>
+                  <a:schemeClr val="tx1"/>
+                </a:solidFill>
+                <a:latin typeface="Segoe UI Light" pitchFamily="34" charset="0"/>
+                <a:ea typeface="+mn-ea"/>
+                <a:cs typeface="+mn-cs"/>
+              </a:rPr>
+              <a:t>en</a:t>
+            </a:r>
+            <a:r>
+              <a:rPr lang="en-US" sz="900" kern="1200" dirty="0">
+                <a:solidFill>
+                  <a:schemeClr val="tx1"/>
+                </a:solidFill>
+                <a:latin typeface="Segoe UI Light" pitchFamily="34" charset="0"/>
+                <a:ea typeface="+mn-ea"/>
+                <a:cs typeface="+mn-cs"/>
+              </a:rPr>
+              <a:t>-us </a:t>
+            </a:r>
+          </a:p>
+          <a:p>
+            <a:endParaRPr lang="en-US" sz="900" kern="1200" dirty="0">
+              <a:solidFill>
+                <a:schemeClr val="tx1"/>
+              </a:solidFill>
+              <a:latin typeface="Segoe UI Light" pitchFamily="34" charset="0"/>
+              <a:ea typeface="+mn-ea"/>
+              <a:cs typeface="+mn-cs"/>
+            </a:endParaRPr>
+          </a:p>
+          <a:p>
+            <a:endParaRPr lang="en-US" sz="900" kern="1200" dirty="0">
+              <a:solidFill>
+                <a:schemeClr val="tx1"/>
+              </a:solidFill>
+              <a:latin typeface="Segoe UI Light" pitchFamily="34" charset="0"/>
+              <a:ea typeface="+mn-ea"/>
+              <a:cs typeface="+mn-cs"/>
+            </a:endParaRPr>
+          </a:p>
+          <a:p>
+            <a:r>
+              <a:rPr lang="en-US" sz="900" kern="1200" dirty="0">
+                <a:solidFill>
+                  <a:schemeClr val="tx1"/>
+                </a:solidFill>
+                <a:latin typeface="Segoe UI Light" pitchFamily="34" charset="0"/>
+                <a:ea typeface="+mn-ea"/>
+                <a:cs typeface="+mn-cs"/>
+              </a:rPr>
+              <a:t>#----------------------------------</a:t>
+            </a:r>
+          </a:p>
+          <a:p>
+            <a:r>
+              <a:rPr lang="en-US" sz="900" kern="1200" dirty="0">
+                <a:solidFill>
+                  <a:schemeClr val="tx1"/>
+                </a:solidFill>
+                <a:latin typeface="Segoe UI Light" pitchFamily="34" charset="0"/>
+                <a:ea typeface="+mn-ea"/>
+                <a:cs typeface="+mn-cs"/>
+              </a:rPr>
+              <a:t>#Can be performed offline</a:t>
+            </a:r>
+          </a:p>
+          <a:p>
+            <a:endParaRPr lang="en-US" sz="900" kern="1200" dirty="0">
+              <a:solidFill>
+                <a:schemeClr val="tx1"/>
+              </a:solidFill>
+              <a:latin typeface="Segoe UI Light" pitchFamily="34" charset="0"/>
+              <a:ea typeface="+mn-ea"/>
+              <a:cs typeface="+mn-cs"/>
+            </a:endParaRPr>
+          </a:p>
+          <a:p>
+            <a:r>
+              <a:rPr lang="en-US" sz="900" kern="1200" dirty="0">
+                <a:solidFill>
+                  <a:schemeClr val="tx1"/>
+                </a:solidFill>
+                <a:latin typeface="Segoe UI Light" pitchFamily="34" charset="0"/>
+                <a:ea typeface="+mn-ea"/>
+                <a:cs typeface="+mn-cs"/>
+              </a:rPr>
+              <a:t>#install the VS2017 Shell and SQL Server Data Project.</a:t>
+            </a:r>
+          </a:p>
+          <a:p>
+            <a:r>
+              <a:rPr lang="en-US" sz="900" kern="1200" dirty="0">
+                <a:solidFill>
+                  <a:schemeClr val="tx1"/>
+                </a:solidFill>
+                <a:latin typeface="Segoe UI Light" pitchFamily="34" charset="0"/>
+                <a:ea typeface="+mn-ea"/>
+                <a:cs typeface="+mn-cs"/>
+              </a:rPr>
+              <a:t>&amp;$</a:t>
+            </a:r>
+            <a:r>
+              <a:rPr lang="en-US" sz="900" kern="1200" dirty="0" err="1">
+                <a:solidFill>
+                  <a:schemeClr val="tx1"/>
+                </a:solidFill>
+                <a:latin typeface="Segoe UI Light" pitchFamily="34" charset="0"/>
+                <a:ea typeface="+mn-ea"/>
+                <a:cs typeface="+mn-cs"/>
+              </a:rPr>
+              <a:t>vs_sql_exe</a:t>
+            </a:r>
+            <a:r>
+              <a:rPr lang="en-US" sz="900" kern="1200" dirty="0">
+                <a:solidFill>
+                  <a:schemeClr val="tx1"/>
+                </a:solidFill>
+                <a:latin typeface="Segoe UI Light" pitchFamily="34" charset="0"/>
+                <a:ea typeface="+mn-ea"/>
+                <a:cs typeface="+mn-cs"/>
+              </a:rPr>
+              <a:t> --</a:t>
+            </a:r>
+            <a:r>
+              <a:rPr lang="en-US" sz="900" kern="1200" dirty="0" err="1">
+                <a:solidFill>
+                  <a:schemeClr val="tx1"/>
+                </a:solidFill>
+                <a:latin typeface="Segoe UI Light" pitchFamily="34" charset="0"/>
+                <a:ea typeface="+mn-ea"/>
+                <a:cs typeface="+mn-cs"/>
+              </a:rPr>
+              <a:t>NoWeb</a:t>
+            </a:r>
+            <a:endParaRPr lang="en-US" sz="900" kern="1200" dirty="0">
+              <a:solidFill>
+                <a:schemeClr val="tx1"/>
+              </a:solidFill>
+              <a:latin typeface="Segoe UI Light" pitchFamily="34" charset="0"/>
+              <a:ea typeface="+mn-ea"/>
+              <a:cs typeface="+mn-cs"/>
+            </a:endParaRPr>
+          </a:p>
+          <a:p>
+            <a:endParaRPr lang="en-US" sz="900" kern="1200" dirty="0">
+              <a:solidFill>
+                <a:schemeClr val="tx1"/>
+              </a:solidFill>
+              <a:latin typeface="Segoe UI Light" pitchFamily="34" charset="0"/>
+              <a:ea typeface="+mn-ea"/>
+              <a:cs typeface="+mn-cs"/>
+            </a:endParaRPr>
+          </a:p>
+          <a:p>
+            <a:r>
+              <a:rPr lang="en-US" sz="900" kern="1200" dirty="0">
+                <a:solidFill>
+                  <a:schemeClr val="tx1"/>
+                </a:solidFill>
+                <a:latin typeface="Segoe UI Light" pitchFamily="34" charset="0"/>
+                <a:ea typeface="+mn-ea"/>
+                <a:cs typeface="+mn-cs"/>
+              </a:rPr>
+              <a:t>&amp;$</a:t>
+            </a:r>
+            <a:r>
+              <a:rPr lang="en-US" sz="900" kern="1200" dirty="0" err="1">
+                <a:solidFill>
+                  <a:schemeClr val="tx1"/>
+                </a:solidFill>
+                <a:latin typeface="Segoe UI Light" pitchFamily="34" charset="0"/>
+                <a:ea typeface="+mn-ea"/>
+                <a:cs typeface="+mn-cs"/>
+              </a:rPr>
+              <a:t>ssdt_setup_exe</a:t>
+            </a:r>
+            <a:r>
+              <a:rPr lang="en-US" sz="900" kern="1200" dirty="0">
+                <a:solidFill>
+                  <a:schemeClr val="tx1"/>
+                </a:solidFill>
+                <a:latin typeface="Segoe UI Light" pitchFamily="34" charset="0"/>
+                <a:ea typeface="+mn-ea"/>
+                <a:cs typeface="+mn-cs"/>
+              </a:rPr>
+              <a:t> /INSTALLALL /passive</a:t>
+            </a:r>
+          </a:p>
+          <a:p>
+            <a:r>
+              <a:rPr lang="fr-FR" sz="900" kern="1200" dirty="0">
+                <a:solidFill>
+                  <a:schemeClr val="tx1"/>
+                </a:solidFill>
+                <a:latin typeface="Segoe UI Light" pitchFamily="34" charset="0"/>
+                <a:ea typeface="+mn-ea"/>
+                <a:cs typeface="+mn-cs"/>
+              </a:rPr>
+              <a:t>#&amp;$</a:t>
+            </a:r>
+            <a:r>
+              <a:rPr lang="fr-FR" sz="900" kern="1200" dirty="0" err="1">
+                <a:solidFill>
+                  <a:schemeClr val="tx1"/>
+                </a:solidFill>
+                <a:latin typeface="Segoe UI Light" pitchFamily="34" charset="0"/>
+                <a:ea typeface="+mn-ea"/>
+                <a:cs typeface="+mn-cs"/>
+              </a:rPr>
+              <a:t>ssdt_setup_exe</a:t>
+            </a:r>
+            <a:r>
+              <a:rPr lang="fr-FR" sz="900" kern="1200" dirty="0">
+                <a:solidFill>
+                  <a:schemeClr val="tx1"/>
+                </a:solidFill>
+                <a:latin typeface="Segoe UI Light" pitchFamily="34" charset="0"/>
+                <a:ea typeface="+mn-ea"/>
+                <a:cs typeface="+mn-cs"/>
+              </a:rPr>
+              <a:t> /INSTALLALL[:</a:t>
+            </a:r>
+            <a:r>
+              <a:rPr lang="fr-FR" sz="900" kern="1200" dirty="0" err="1">
+                <a:solidFill>
+                  <a:schemeClr val="tx1"/>
+                </a:solidFill>
+                <a:latin typeface="Segoe UI Light" pitchFamily="34" charset="0"/>
+                <a:ea typeface="+mn-ea"/>
+                <a:cs typeface="+mn-cs"/>
+              </a:rPr>
+              <a:t>vsinstances</a:t>
+            </a:r>
+            <a:r>
+              <a:rPr lang="fr-FR" sz="900" kern="1200" dirty="0">
+                <a:solidFill>
+                  <a:schemeClr val="tx1"/>
+                </a:solidFill>
+                <a:latin typeface="Segoe UI Light" pitchFamily="34" charset="0"/>
+                <a:ea typeface="+mn-ea"/>
+                <a:cs typeface="+mn-cs"/>
+              </a:rPr>
+              <a:t>] /passive</a:t>
+            </a:r>
+          </a:p>
+          <a:p>
+            <a:r>
+              <a:rPr lang="en-US" sz="900" kern="1200" dirty="0">
+                <a:solidFill>
+                  <a:schemeClr val="tx1"/>
+                </a:solidFill>
+                <a:latin typeface="Segoe UI Light" pitchFamily="34" charset="0"/>
+                <a:ea typeface="+mn-ea"/>
+                <a:cs typeface="+mn-cs"/>
+              </a:rPr>
+              <a:t> </a:t>
+            </a:r>
           </a:p>
         </p:txBody>
       </p:sp>
@@ -1290,38 +4150,7 @@
             <a:spLocks noGrp="1"/>
           </p:cNvSpPr>
           <p:nvPr>
-            <p:ph type="hdr" sz="quarter" idx="10"/>
-          </p:nvPr>
-        </p:nvSpPr>
-        <p:spPr>
-          <a:xfrm>
-            <a:off x="0" y="0"/>
-            <a:ext cx="2971800" cy="457200"/>
-          </a:xfrm>
-          <a:prstGeom prst="rect">
-            <a:avLst/>
-          </a:prstGeom>
-        </p:spPr>
-        <p:txBody>
-          <a:bodyPr/>
-          <a:lstStyle/>
-          <a:p>
-            <a:endParaRPr lang="en-US" dirty="0">
-              <a:solidFill>
-                <a:prstClr val="black"/>
-              </a:solidFill>
-            </a:endParaRPr>
-          </a:p>
-        </p:txBody>
-      </p:sp>
-      <p:sp>
-        <p:nvSpPr>
-          <p:cNvPr id="5" name="Date Placeholder 4"/>
-          <p:cNvSpPr>
-            <a:spLocks noGrp="1"/>
-          </p:cNvSpPr>
-          <p:nvPr>
-            <p:ph type="dt" idx="11"/>
+            <p:ph type="hdr" sz="quarter"/>
           </p:nvPr>
         </p:nvSpPr>
         <p:spPr/>
@@ -1329,19 +4158,84 @@
           <a:bodyPr/>
           <a:lstStyle/>
           <a:p>
-            <a:fld id="{D3E44BDE-2AB0-49D2-8E67-B5D3E7155170}" type="datetime8">
-              <a:rPr lang="en-US" smtClean="0">
-                <a:solidFill>
-                  <a:prstClr val="black"/>
-                </a:solidFill>
+            <a:endParaRPr lang="en-US" dirty="0"/>
+          </a:p>
+        </p:txBody>
+      </p:sp>
+      <p:sp>
+        <p:nvSpPr>
+          <p:cNvPr id="5" name="Footer Placeholder 4"/>
+          <p:cNvSpPr>
+            <a:spLocks noGrp="1"/>
+          </p:cNvSpPr>
+          <p:nvPr>
+            <p:ph type="ftr" sz="quarter" idx="4"/>
+          </p:nvPr>
+        </p:nvSpPr>
+        <p:spPr/>
+        <p:txBody>
+          <a:bodyPr/>
+          <a:lstStyle/>
+          <a:p>
+            <a:pPr defTabSz="914099" eaLnBrk="0" hangingPunct="0"/>
+            <a:r>
+              <a:rPr lang="en-US" sz="400">
+                <a:gradFill>
+                  <a:gsLst>
+                    <a:gs pos="0">
+                      <a:prstClr val="black"/>
+                    </a:gs>
+                    <a:gs pos="100000">
+                      <a:prstClr val="black"/>
+                    </a:gs>
+                  </a:gsLst>
+                  <a:lin ang="5400000" scaled="0"/>
+                </a:gradFill>
+                <a:latin typeface="Segoe UI" pitchFamily="34" charset="0"/>
+                <a:ea typeface="Segoe UI" pitchFamily="34" charset="0"/>
+                <a:cs typeface="Segoe UI" pitchFamily="34" charset="0"/>
               </a:rPr>
-              <a:t>2018-05-16 8:31 PM</a:t>
+              <a:t>© 2014 Microsoft Corporation. All rights reserved. MICROSOFT MAKES NO WARRANTIES, EXPRESS, IMPLIED OR STATUTORY, AS TO THE INFORMATION IN THIS PRESENTATION.</a:t>
+            </a:r>
+            <a:endParaRPr lang="en-US" sz="400" dirty="0">
+              <a:gradFill>
+                <a:gsLst>
+                  <a:gs pos="0">
+                    <a:prstClr val="black"/>
+                  </a:gs>
+                  <a:gs pos="100000">
+                    <a:prstClr val="black"/>
+                  </a:gs>
+                </a:gsLst>
+                <a:lin ang="5400000" scaled="0"/>
+              </a:gradFill>
+              <a:latin typeface="Segoe UI" pitchFamily="34" charset="0"/>
+              <a:ea typeface="Segoe UI" pitchFamily="34" charset="0"/>
+              <a:cs typeface="Segoe UI" pitchFamily="34" charset="0"/>
+            </a:endParaRPr>
+          </a:p>
+        </p:txBody>
+      </p:sp>
+      <p:sp>
+        <p:nvSpPr>
+          <p:cNvPr id="6" name="Date Placeholder 5"/>
+          <p:cNvSpPr>
+            <a:spLocks noGrp="1"/>
+          </p:cNvSpPr>
+          <p:nvPr>
+            <p:ph type="dt" idx="1"/>
+          </p:nvPr>
+        </p:nvSpPr>
+        <p:spPr/>
+        <p:txBody>
+          <a:bodyPr/>
+          <a:lstStyle/>
+          <a:p>
+            <a:fld id="{38EEC551-8CDA-4EB6-89BB-2A86C9F091C8}" type="datetime8">
+              <a:rPr lang="en-US" smtClean="0"/>
+              <a:t>2022-12-01 11:50 PM</a:t>
             </a:fld>
-            <a:endParaRPr lang="en-US" dirty="0">
-              <a:solidFill>
-                <a:prstClr val="black"/>
-              </a:solidFill>
-            </a:endParaRPr>
+            <a:endParaRPr lang="en-US" dirty="0"/>
           </a:p>
         </p:txBody>
       </p:sp>
@@ -1352,7 +4246,7 @@
             <a:spLocks noGrp="1"/>
           </p:cNvSpPr>
           <p:nvPr>
-            <p:ph type="sldNum" sz="quarter" idx="13"/>
+            <p:ph type="sldNum" sz="quarter" idx="5"/>
           </p:nvPr>
         </p:nvSpPr>
         <p:spPr/>
@@ -1360,31 +4254,65 @@
           <a:bodyPr/>
           <a:lstStyle/>
           <a:p>
-            <a:fld id="{EC87E0CF-87F6-4B58-B8B8-DCAB2DAAF3CA}" type="slidenum">
-              <a:rPr lang="en-US" smtClean="0">
-                <a:solidFill>
-                  <a:prstClr val="black"/>
-                </a:solidFill>
-              </a:rPr>
+            <a:fld id="{B4008EB6-D09E-4580-8CD6-DDB14511944F}" type="slidenum">
+              <a:rPr lang="en-US" smtClean="0"/>
               <a:pPr/>
-              <a:t>10</a:t>
+              <a:t>5</a:t>
             </a:fld>
-            <a:endParaRPr lang="en-US" dirty="0">
-              <a:solidFill>
-                <a:prstClr val="black"/>
-              </a:solidFill>
-            </a:endParaRPr>
+            <a:endParaRPr lang="en-US" dirty="0"/>
           </a:p>
         </p:txBody>
+      </p:sp>
+    </p:spTree>
+    <p:extLst>
+      <p:ext uri="{BB962C8B-B14F-4D97-AF65-F5344CB8AC3E}">
+        <p14:creationId xmlns:p14="http://schemas.microsoft.com/office/powerpoint/2010/main" val="1683845283"/>
+      </p:ext>
+    </p:extLst>
+  </p:cSld>
+  <p:clrMapOvr>
+    <a:masterClrMapping/>
+  </p:clrMapOvr>
+</p:notes>
+</file>
+
+<file path=ppt/notesSlides/notesSlide5.xml><?xml version="1.0" encoding="utf-8"?>
+<p:notes xmlns:a="http://schemas.openxmlformats.org/drawingml/2006/main" xmlns:r="http://schemas.openxmlformats.org/officeDocument/2006/relationships" xmlns:p="http://schemas.openxmlformats.org/presentationml/2006/main">
+  <p:cSld>
+    <p:spTree>
+      <p:nvGrpSpPr>
+        <p:cNvPr id="1" name=""/>
+        <p:cNvGrpSpPr/>
+        <p:nvPr/>
+      </p:nvGrpSpPr>
+      <p:grpSpPr>
+        <a:xfrm>
+          <a:off x="0" y="0"/>
+          <a:ext cx="0" cy="0"/>
+          <a:chOff x="0" y="0"/>
+          <a:chExt cx="0" cy="0"/>
+        </a:xfrm>
+      </p:grpSpPr>
+      <p:sp>
+        <p:nvSpPr>
+          <p:cNvPr id="2" name="Slide Image Placeholder 1"/>
+          <p:cNvSpPr>
+            <a:spLocks noGrp="1" noRot="1" noChangeAspect="1"/>
+          </p:cNvSpPr>
+          <p:nvPr>
+            <p:ph type="sldImg"/>
+          </p:nvPr>
+        </p:nvSpPr>
+        <p:spPr/>
       </p:sp>
       <p:sp>
         <p:nvSpPr>
-          <p:cNvPr id="6" name="Footer Placeholder 5"/>
+          <p:cNvPr id="3" name="Notes Placeholder 2"/>
           <p:cNvSpPr>
             <a:spLocks noGrp="1"/>
           </p:cNvSpPr>
           <p:nvPr>
-            <p:ph type="ftr" sz="quarter" idx="14"/>
+            <p:ph type="body" idx="1"/>
           </p:nvPr>
         </p:nvSpPr>
         <p:spPr/>
@@ -1392,9 +4320,207 @@
           <a:bodyPr/>
           <a:lstStyle/>
           <a:p>
+            <a:r>
+              <a:rPr lang="en-CA" dirty="0"/>
+              <a:t>If you already have Visual Studio Enterprise or Professional Edition, then you do not need Community edition.</a:t>
+            </a:r>
+          </a:p>
+          <a:p>
+            <a:endParaRPr lang="en-CA" dirty="0"/>
+          </a:p>
+          <a:p>
+            <a:r>
+              <a:rPr lang="en-CA" dirty="0"/>
+              <a:t>Ensure you have selected SQL Server Data tools as a features during Visual Studio installation, This will install the necessary SQL Server </a:t>
+            </a:r>
+            <a:r>
+              <a:rPr lang="en-CA" dirty="0" err="1"/>
+              <a:t>.net</a:t>
+            </a:r>
+            <a:r>
+              <a:rPr lang="en-CA" dirty="0"/>
+              <a:t> assemblies and the SQL Server Database Project Template.</a:t>
+            </a:r>
+          </a:p>
+          <a:p>
+            <a:endParaRPr lang="en-CA" dirty="0"/>
+          </a:p>
+          <a:p>
+            <a:r>
+              <a:rPr lang="en-CA" dirty="0"/>
+              <a:t>To uninstall Visual Studio 2019 Extensions </a:t>
+            </a:r>
+          </a:p>
+          <a:p>
+            <a:r>
+              <a:rPr lang="en-US" sz="900" b="0" i="0" kern="1200" dirty="0">
+                <a:solidFill>
+                  <a:schemeClr val="tx1"/>
+                </a:solidFill>
+                <a:effectLst/>
+                <a:latin typeface="Segoe UI Light" pitchFamily="34" charset="0"/>
+                <a:ea typeface="+mn-ea"/>
+                <a:cs typeface="+mn-cs"/>
+              </a:rPr>
+              <a:t>C:\Program Files (x86)\Microsoft Visual Studio\2019\Enterprise\Common7\IDE\VSIXInstaller.exe</a:t>
+            </a:r>
+          </a:p>
+          <a:p>
+            <a:endParaRPr lang="en-US" dirty="0"/>
+          </a:p>
+          <a:p>
+            <a:endParaRPr lang="en-US" dirty="0"/>
+          </a:p>
+          <a:p>
+            <a:r>
+              <a:rPr lang="en-US" b="1" dirty="0"/>
+              <a:t>Direct Download Links </a:t>
+            </a:r>
+          </a:p>
+          <a:p>
+            <a:endParaRPr lang="en-US" b="0" dirty="0"/>
+          </a:p>
+          <a:p>
+            <a:r>
+              <a:rPr lang="en-US" b="0" dirty="0"/>
+              <a:t>https://visualstudio.microsoft.com/thank-you-downloading-visual-studio/?sku=community&amp;rel=16&amp;utm_medium=microsoft&amp;utm_source=docs.microsoft.com&amp;utm_campaign=offline+install&amp;utm_content=download+vs2019</a:t>
+            </a:r>
+          </a:p>
+          <a:p>
+            <a:endParaRPr lang="en-US" dirty="0"/>
+          </a:p>
+          <a:p>
+            <a:r>
+              <a:rPr lang="en-CA" dirty="0"/>
+              <a:t>* If you install </a:t>
+            </a:r>
+            <a:r>
+              <a:rPr lang="en-CA" b="1" dirty="0"/>
+              <a:t>Visual Studio Community, you must activate it within 30 days of installation</a:t>
+            </a:r>
+            <a:r>
+              <a:rPr lang="en-CA" dirty="0"/>
+              <a:t>. This requires an internet connection.</a:t>
+            </a:r>
+          </a:p>
+          <a:p>
+            <a:r>
+              <a:rPr lang="en-CA" dirty="0"/>
+              <a:t>* Full installation path is less than 80 characters. </a:t>
+            </a:r>
+          </a:p>
+          <a:p>
+            <a:endParaRPr lang="en-US" dirty="0"/>
+          </a:p>
+          <a:p>
+            <a:r>
+              <a:rPr lang="en-CA" dirty="0"/>
+              <a:t>vs_community.exe --layout c:\vslayout --</a:t>
+            </a:r>
+            <a:r>
+              <a:rPr lang="en-CA" dirty="0" err="1"/>
+              <a:t>lang</a:t>
+            </a:r>
+            <a:r>
+              <a:rPr lang="en-CA" dirty="0"/>
+              <a:t> </a:t>
+            </a:r>
+            <a:r>
+              <a:rPr lang="en-CA" dirty="0" err="1"/>
+              <a:t>en</a:t>
+            </a:r>
+            <a:r>
+              <a:rPr lang="en-CA" dirty="0"/>
+              <a:t>-US </a:t>
+            </a:r>
+          </a:p>
+          <a:p>
+            <a:endParaRPr lang="en-US" dirty="0"/>
+          </a:p>
+          <a:p>
+            <a:r>
+              <a:rPr lang="en-US" dirty="0"/>
+              <a:t>https://ssis.gallerycdn.vsassets.io/extensions/ssis/sqlserverintegrationservicesprojects/3.1/1562574939108/Microsoft.DataTools.IntegrationServices.exe  </a:t>
+            </a:r>
+          </a:p>
+          <a:p>
+            <a:endParaRPr lang="en-US" dirty="0"/>
+          </a:p>
+          <a:p>
+            <a:r>
+              <a:rPr lang="en-US" dirty="0"/>
+              <a:t>https://probitools.gallerycdn.vsassets.io/extensions/probitools/microsoftanalysisservicesmodelingprojects/2.8.17/1563562300275/Microsoft.DataTools.AnalysisServices.vsix</a:t>
+            </a:r>
+          </a:p>
+          <a:p>
+            <a:endParaRPr lang="en-US" dirty="0"/>
+          </a:p>
+          <a:p>
+            <a:r>
+              <a:rPr lang="en-US" dirty="0"/>
+              <a:t>https://probitools.gallerycdn.vsassets.io/extensions/probitools/microsoftreportprojectsforvisualstudio/2.5.9/1563316801704/Microsoft.DataTools.ReportingServices.vsix </a:t>
+            </a:r>
+          </a:p>
+          <a:p>
+            <a:endParaRPr lang="en-US" dirty="0"/>
+          </a:p>
+          <a:p>
+            <a:endParaRPr lang="en-US" dirty="0"/>
+          </a:p>
+          <a:p>
+            <a:endParaRPr lang="en-US" dirty="0"/>
+          </a:p>
+          <a:p>
+            <a:endParaRPr lang="en-US" dirty="0"/>
+          </a:p>
+          <a:p>
+            <a:endParaRPr lang="en-US" dirty="0"/>
+          </a:p>
+          <a:p>
+            <a:endParaRPr lang="en-US" dirty="0"/>
+          </a:p>
+          <a:p>
+            <a:endParaRPr lang="en-US" dirty="0"/>
+          </a:p>
+        </p:txBody>
+      </p:sp>
+      <p:sp>
+        <p:nvSpPr>
+          <p:cNvPr id="4" name="Header Placeholder 3"/>
+          <p:cNvSpPr>
+            <a:spLocks noGrp="1"/>
+          </p:cNvSpPr>
+          <p:nvPr>
+            <p:ph type="hdr" sz="quarter"/>
+          </p:nvPr>
+        </p:nvSpPr>
+        <p:spPr/>
+        <p:txBody>
+          <a:bodyPr/>
+          <a:lstStyle/>
+          <a:p>
+            <a:endParaRPr lang="en-US" dirty="0"/>
+          </a:p>
+        </p:txBody>
+      </p:sp>
+      <p:sp>
+        <p:nvSpPr>
+          <p:cNvPr id="5" name="Footer Placeholder 4"/>
+          <p:cNvSpPr>
+            <a:spLocks noGrp="1"/>
+          </p:cNvSpPr>
+          <p:nvPr>
+            <p:ph type="ftr" sz="quarter" idx="4"/>
+          </p:nvPr>
+        </p:nvSpPr>
+        <p:spPr/>
+        <p:txBody>
+          <a:bodyPr/>
+          <a:lstStyle/>
+          <a:p>
             <a:pPr defTabSz="914099" eaLnBrk="0" hangingPunct="0"/>
             <a:r>
-              <a:rPr lang="en-US" sz="400" dirty="0">
+              <a:rPr lang="en-US" sz="400">
                 <a:gradFill>
                   <a:gsLst>
                     <a:gs pos="0">
@@ -1412,13 +4538,860 @@
               </a:rPr>
               <a:t>© 2014 Microsoft Corporation. All rights reserved. MICROSOFT MAKES NO WARRANTIES, EXPRESS, IMPLIED OR STATUTORY, AS TO THE INFORMATION IN THIS PRESENTATION.</a:t>
             </a:r>
+            <a:endParaRPr lang="en-US" sz="400" dirty="0">
+              <a:gradFill>
+                <a:gsLst>
+                  <a:gs pos="0">
+                    <a:prstClr val="black"/>
+                  </a:gs>
+                  <a:gs pos="100000">
+                    <a:prstClr val="black"/>
+                  </a:gs>
+                </a:gsLst>
+                <a:lin ang="5400000" scaled="0"/>
+              </a:gradFill>
+              <a:latin typeface="Segoe UI" pitchFamily="34" charset="0"/>
+              <a:ea typeface="Segoe UI" pitchFamily="34" charset="0"/>
+              <a:cs typeface="Segoe UI" pitchFamily="34" charset="0"/>
+            </a:endParaRPr>
+          </a:p>
+        </p:txBody>
+      </p:sp>
+      <p:sp>
+        <p:nvSpPr>
+          <p:cNvPr id="6" name="Date Placeholder 5"/>
+          <p:cNvSpPr>
+            <a:spLocks noGrp="1"/>
+          </p:cNvSpPr>
+          <p:nvPr>
+            <p:ph type="dt" idx="1"/>
+          </p:nvPr>
+        </p:nvSpPr>
+        <p:spPr/>
+        <p:txBody>
+          <a:bodyPr/>
+          <a:lstStyle/>
+          <a:p>
+            <a:fld id="{38EEC551-8CDA-4EB6-89BB-2A86C9F091C8}" type="datetime8">
+              <a:rPr lang="en-US" smtClean="0"/>
+              <a:t>2022-12-01 11:50 PM</a:t>
+            </a:fld>
+            <a:endParaRPr lang="en-US" dirty="0"/>
+          </a:p>
+        </p:txBody>
+      </p:sp>
+      <p:sp>
+        <p:nvSpPr>
+          <p:cNvPr id="7" name="Slide Number Placeholder 6"/>
+          <p:cNvSpPr>
+            <a:spLocks noGrp="1"/>
+          </p:cNvSpPr>
+          <p:nvPr>
+            <p:ph type="sldNum" sz="quarter" idx="5"/>
+          </p:nvPr>
+        </p:nvSpPr>
+        <p:spPr/>
+        <p:txBody>
+          <a:bodyPr/>
+          <a:lstStyle/>
+          <a:p>
+            <a:fld id="{B4008EB6-D09E-4580-8CD6-DDB14511944F}" type="slidenum">
+              <a:rPr lang="en-US" smtClean="0"/>
+              <a:pPr/>
+              <a:t>6</a:t>
+            </a:fld>
+            <a:endParaRPr lang="en-US" dirty="0"/>
           </a:p>
         </p:txBody>
       </p:sp>
     </p:spTree>
     <p:extLst>
       <p:ext uri="{BB962C8B-B14F-4D97-AF65-F5344CB8AC3E}">
-        <p14:creationId xmlns:p14="http://schemas.microsoft.com/office/powerpoint/2010/main" val="1507187855"/>
+        <p14:creationId xmlns:p14="http://schemas.microsoft.com/office/powerpoint/2010/main" val="700589028"/>
+      </p:ext>
+    </p:extLst>
+  </p:cSld>
+  <p:clrMapOvr>
+    <a:masterClrMapping/>
+  </p:clrMapOvr>
+</p:notes>
+</file>
+
+<file path=ppt/notesSlides/notesSlide6.xml><?xml version="1.0" encoding="utf-8"?>
+<p:notes xmlns:a="http://schemas.openxmlformats.org/drawingml/2006/main" xmlns:r="http://schemas.openxmlformats.org/officeDocument/2006/relationships" xmlns:p="http://schemas.openxmlformats.org/presentationml/2006/main">
+  <p:cSld>
+    <p:spTree>
+      <p:nvGrpSpPr>
+        <p:cNvPr id="1" name=""/>
+        <p:cNvGrpSpPr/>
+        <p:nvPr/>
+      </p:nvGrpSpPr>
+      <p:grpSpPr>
+        <a:xfrm>
+          <a:off x="0" y="0"/>
+          <a:ext cx="0" cy="0"/>
+          <a:chOff x="0" y="0"/>
+          <a:chExt cx="0" cy="0"/>
+        </a:xfrm>
+      </p:grpSpPr>
+      <p:sp>
+        <p:nvSpPr>
+          <p:cNvPr id="2" name="Slide Image Placeholder 1"/>
+          <p:cNvSpPr>
+            <a:spLocks noGrp="1" noRot="1" noChangeAspect="1"/>
+          </p:cNvSpPr>
+          <p:nvPr>
+            <p:ph type="sldImg"/>
+          </p:nvPr>
+        </p:nvSpPr>
+        <p:spPr/>
+      </p:sp>
+      <p:sp>
+        <p:nvSpPr>
+          <p:cNvPr id="3" name="Notes Placeholder 2"/>
+          <p:cNvSpPr>
+            <a:spLocks noGrp="1"/>
+          </p:cNvSpPr>
+          <p:nvPr>
+            <p:ph type="body" idx="1"/>
+          </p:nvPr>
+        </p:nvSpPr>
+        <p:spPr/>
+        <p:txBody>
+          <a:bodyPr/>
+          <a:lstStyle/>
+          <a:p>
+            <a:endParaRPr lang="en-US" dirty="0"/>
+          </a:p>
+        </p:txBody>
+      </p:sp>
+      <p:sp>
+        <p:nvSpPr>
+          <p:cNvPr id="4" name="Header Placeholder 3"/>
+          <p:cNvSpPr>
+            <a:spLocks noGrp="1"/>
+          </p:cNvSpPr>
+          <p:nvPr>
+            <p:ph type="hdr" sz="quarter"/>
+          </p:nvPr>
+        </p:nvSpPr>
+        <p:spPr/>
+        <p:txBody>
+          <a:bodyPr/>
+          <a:lstStyle/>
+          <a:p>
+            <a:endParaRPr lang="en-US" dirty="0"/>
+          </a:p>
+        </p:txBody>
+      </p:sp>
+      <p:sp>
+        <p:nvSpPr>
+          <p:cNvPr id="5" name="Footer Placeholder 4"/>
+          <p:cNvSpPr>
+            <a:spLocks noGrp="1"/>
+          </p:cNvSpPr>
+          <p:nvPr>
+            <p:ph type="ftr" sz="quarter" idx="4"/>
+          </p:nvPr>
+        </p:nvSpPr>
+        <p:spPr/>
+        <p:txBody>
+          <a:bodyPr/>
+          <a:lstStyle/>
+          <a:p>
+            <a:pPr defTabSz="914099" eaLnBrk="0" hangingPunct="0"/>
+            <a:r>
+              <a:rPr lang="en-US" sz="400">
+                <a:gradFill>
+                  <a:gsLst>
+                    <a:gs pos="0">
+                      <a:prstClr val="black"/>
+                    </a:gs>
+                    <a:gs pos="100000">
+                      <a:prstClr val="black"/>
+                    </a:gs>
+                  </a:gsLst>
+                  <a:lin ang="5400000" scaled="0"/>
+                </a:gradFill>
+                <a:latin typeface="Segoe UI" pitchFamily="34" charset="0"/>
+                <a:ea typeface="Segoe UI" pitchFamily="34" charset="0"/>
+                <a:cs typeface="Segoe UI" pitchFamily="34" charset="0"/>
+              </a:rPr>
+              <a:t>© 2014 Microsoft Corporation. All rights reserved. MICROSOFT MAKES NO WARRANTIES, EXPRESS, IMPLIED OR STATUTORY, AS TO THE INFORMATION IN THIS PRESENTATION.</a:t>
+            </a:r>
+            <a:endParaRPr lang="en-US" sz="400" dirty="0">
+              <a:gradFill>
+                <a:gsLst>
+                  <a:gs pos="0">
+                    <a:prstClr val="black"/>
+                  </a:gs>
+                  <a:gs pos="100000">
+                    <a:prstClr val="black"/>
+                  </a:gs>
+                </a:gsLst>
+                <a:lin ang="5400000" scaled="0"/>
+              </a:gradFill>
+              <a:latin typeface="Segoe UI" pitchFamily="34" charset="0"/>
+              <a:ea typeface="Segoe UI" pitchFamily="34" charset="0"/>
+              <a:cs typeface="Segoe UI" pitchFamily="34" charset="0"/>
+            </a:endParaRPr>
+          </a:p>
+        </p:txBody>
+      </p:sp>
+      <p:sp>
+        <p:nvSpPr>
+          <p:cNvPr id="6" name="Date Placeholder 5"/>
+          <p:cNvSpPr>
+            <a:spLocks noGrp="1"/>
+          </p:cNvSpPr>
+          <p:nvPr>
+            <p:ph type="dt" idx="1"/>
+          </p:nvPr>
+        </p:nvSpPr>
+        <p:spPr/>
+        <p:txBody>
+          <a:bodyPr/>
+          <a:lstStyle/>
+          <a:p>
+            <a:fld id="{38EEC551-8CDA-4EB6-89BB-2A86C9F091C8}" type="datetime8">
+              <a:rPr lang="en-US" smtClean="0"/>
+              <a:t>2022-12-01 11:50 PM</a:t>
+            </a:fld>
+            <a:endParaRPr lang="en-US" dirty="0"/>
+          </a:p>
+        </p:txBody>
+      </p:sp>
+      <p:sp>
+        <p:nvSpPr>
+          <p:cNvPr id="7" name="Slide Number Placeholder 6"/>
+          <p:cNvSpPr>
+            <a:spLocks noGrp="1"/>
+          </p:cNvSpPr>
+          <p:nvPr>
+            <p:ph type="sldNum" sz="quarter" idx="5"/>
+          </p:nvPr>
+        </p:nvSpPr>
+        <p:spPr/>
+        <p:txBody>
+          <a:bodyPr/>
+          <a:lstStyle/>
+          <a:p>
+            <a:fld id="{B4008EB6-D09E-4580-8CD6-DDB14511944F}" type="slidenum">
+              <a:rPr lang="en-US" smtClean="0"/>
+              <a:pPr/>
+              <a:t>7</a:t>
+            </a:fld>
+            <a:endParaRPr lang="en-US" dirty="0"/>
+          </a:p>
+        </p:txBody>
+      </p:sp>
+    </p:spTree>
+    <p:extLst>
+      <p:ext uri="{BB962C8B-B14F-4D97-AF65-F5344CB8AC3E}">
+        <p14:creationId xmlns:p14="http://schemas.microsoft.com/office/powerpoint/2010/main" val="3951052283"/>
+      </p:ext>
+    </p:extLst>
+  </p:cSld>
+  <p:clrMapOvr>
+    <a:masterClrMapping/>
+  </p:clrMapOvr>
+</p:notes>
+</file>
+
+<file path=ppt/notesSlides/notesSlide7.xml><?xml version="1.0" encoding="utf-8"?>
+<p:notes xmlns:a="http://schemas.openxmlformats.org/drawingml/2006/main" xmlns:r="http://schemas.openxmlformats.org/officeDocument/2006/relationships" xmlns:p="http://schemas.openxmlformats.org/presentationml/2006/main">
+  <p:cSld>
+    <p:spTree>
+      <p:nvGrpSpPr>
+        <p:cNvPr id="1" name=""/>
+        <p:cNvGrpSpPr/>
+        <p:nvPr/>
+      </p:nvGrpSpPr>
+      <p:grpSpPr>
+        <a:xfrm>
+          <a:off x="0" y="0"/>
+          <a:ext cx="0" cy="0"/>
+          <a:chOff x="0" y="0"/>
+          <a:chExt cx="0" cy="0"/>
+        </a:xfrm>
+      </p:grpSpPr>
+      <p:sp>
+        <p:nvSpPr>
+          <p:cNvPr id="2" name="Slide Image Placeholder 1"/>
+          <p:cNvSpPr>
+            <a:spLocks noGrp="1" noRot="1" noChangeAspect="1"/>
+          </p:cNvSpPr>
+          <p:nvPr>
+            <p:ph type="sldImg"/>
+          </p:nvPr>
+        </p:nvSpPr>
+        <p:spPr/>
+      </p:sp>
+      <p:sp>
+        <p:nvSpPr>
+          <p:cNvPr id="3" name="Notes Placeholder 2"/>
+          <p:cNvSpPr>
+            <a:spLocks noGrp="1"/>
+          </p:cNvSpPr>
+          <p:nvPr>
+            <p:ph type="body" idx="1"/>
+          </p:nvPr>
+        </p:nvSpPr>
+        <p:spPr/>
+        <p:txBody>
+          <a:bodyPr/>
+          <a:lstStyle/>
+          <a:p>
+            <a:endParaRPr lang="en-US" dirty="0"/>
+          </a:p>
+        </p:txBody>
+      </p:sp>
+      <p:sp>
+        <p:nvSpPr>
+          <p:cNvPr id="4" name="Header Placeholder 3"/>
+          <p:cNvSpPr>
+            <a:spLocks noGrp="1"/>
+          </p:cNvSpPr>
+          <p:nvPr>
+            <p:ph type="hdr" sz="quarter"/>
+          </p:nvPr>
+        </p:nvSpPr>
+        <p:spPr/>
+        <p:txBody>
+          <a:bodyPr/>
+          <a:lstStyle/>
+          <a:p>
+            <a:endParaRPr lang="en-US" dirty="0"/>
+          </a:p>
+        </p:txBody>
+      </p:sp>
+      <p:sp>
+        <p:nvSpPr>
+          <p:cNvPr id="5" name="Footer Placeholder 4"/>
+          <p:cNvSpPr>
+            <a:spLocks noGrp="1"/>
+          </p:cNvSpPr>
+          <p:nvPr>
+            <p:ph type="ftr" sz="quarter" idx="4"/>
+          </p:nvPr>
+        </p:nvSpPr>
+        <p:spPr/>
+        <p:txBody>
+          <a:bodyPr/>
+          <a:lstStyle/>
+          <a:p>
+            <a:pPr defTabSz="914099" eaLnBrk="0" hangingPunct="0"/>
+            <a:r>
+              <a:rPr lang="en-US" sz="400">
+                <a:gradFill>
+                  <a:gsLst>
+                    <a:gs pos="0">
+                      <a:prstClr val="black"/>
+                    </a:gs>
+                    <a:gs pos="100000">
+                      <a:prstClr val="black"/>
+                    </a:gs>
+                  </a:gsLst>
+                  <a:lin ang="5400000" scaled="0"/>
+                </a:gradFill>
+                <a:latin typeface="Segoe UI" pitchFamily="34" charset="0"/>
+                <a:ea typeface="Segoe UI" pitchFamily="34" charset="0"/>
+                <a:cs typeface="Segoe UI" pitchFamily="34" charset="0"/>
+              </a:rPr>
+              <a:t>© 2014 Microsoft Corporation. All rights reserved. MICROSOFT MAKES NO WARRANTIES, EXPRESS, IMPLIED OR STATUTORY, AS TO THE INFORMATION IN THIS PRESENTATION.</a:t>
+            </a:r>
+            <a:endParaRPr lang="en-US" sz="400" dirty="0">
+              <a:gradFill>
+                <a:gsLst>
+                  <a:gs pos="0">
+                    <a:prstClr val="black"/>
+                  </a:gs>
+                  <a:gs pos="100000">
+                    <a:prstClr val="black"/>
+                  </a:gs>
+                </a:gsLst>
+                <a:lin ang="5400000" scaled="0"/>
+              </a:gradFill>
+              <a:latin typeface="Segoe UI" pitchFamily="34" charset="0"/>
+              <a:ea typeface="Segoe UI" pitchFamily="34" charset="0"/>
+              <a:cs typeface="Segoe UI" pitchFamily="34" charset="0"/>
+            </a:endParaRPr>
+          </a:p>
+        </p:txBody>
+      </p:sp>
+      <p:sp>
+        <p:nvSpPr>
+          <p:cNvPr id="6" name="Date Placeholder 5"/>
+          <p:cNvSpPr>
+            <a:spLocks noGrp="1"/>
+          </p:cNvSpPr>
+          <p:nvPr>
+            <p:ph type="dt" idx="1"/>
+          </p:nvPr>
+        </p:nvSpPr>
+        <p:spPr/>
+        <p:txBody>
+          <a:bodyPr/>
+          <a:lstStyle/>
+          <a:p>
+            <a:fld id="{38EEC551-8CDA-4EB6-89BB-2A86C9F091C8}" type="datetime8">
+              <a:rPr lang="en-US" smtClean="0"/>
+              <a:t>2022-12-01 11:51 PM</a:t>
+            </a:fld>
+            <a:endParaRPr lang="en-US" dirty="0"/>
+          </a:p>
+        </p:txBody>
+      </p:sp>
+      <p:sp>
+        <p:nvSpPr>
+          <p:cNvPr id="7" name="Slide Number Placeholder 6"/>
+          <p:cNvSpPr>
+            <a:spLocks noGrp="1"/>
+          </p:cNvSpPr>
+          <p:nvPr>
+            <p:ph type="sldNum" sz="quarter" idx="5"/>
+          </p:nvPr>
+        </p:nvSpPr>
+        <p:spPr/>
+        <p:txBody>
+          <a:bodyPr/>
+          <a:lstStyle/>
+          <a:p>
+            <a:fld id="{B4008EB6-D09E-4580-8CD6-DDB14511944F}" type="slidenum">
+              <a:rPr lang="en-US" smtClean="0"/>
+              <a:pPr/>
+              <a:t>8</a:t>
+            </a:fld>
+            <a:endParaRPr lang="en-US" dirty="0"/>
+          </a:p>
+        </p:txBody>
+      </p:sp>
+    </p:spTree>
+    <p:extLst>
+      <p:ext uri="{BB962C8B-B14F-4D97-AF65-F5344CB8AC3E}">
+        <p14:creationId xmlns:p14="http://schemas.microsoft.com/office/powerpoint/2010/main" val="298376349"/>
+      </p:ext>
+    </p:extLst>
+  </p:cSld>
+  <p:clrMapOvr>
+    <a:masterClrMapping/>
+  </p:clrMapOvr>
+</p:notes>
+</file>
+
+<file path=ppt/notesSlides/notesSlide8.xml><?xml version="1.0" encoding="utf-8"?>
+<p:notes xmlns:a="http://schemas.openxmlformats.org/drawingml/2006/main" xmlns:r="http://schemas.openxmlformats.org/officeDocument/2006/relationships" xmlns:p="http://schemas.openxmlformats.org/presentationml/2006/main">
+  <p:cSld>
+    <p:spTree>
+      <p:nvGrpSpPr>
+        <p:cNvPr id="1" name=""/>
+        <p:cNvGrpSpPr/>
+        <p:nvPr/>
+      </p:nvGrpSpPr>
+      <p:grpSpPr>
+        <a:xfrm>
+          <a:off x="0" y="0"/>
+          <a:ext cx="0" cy="0"/>
+          <a:chOff x="0" y="0"/>
+          <a:chExt cx="0" cy="0"/>
+        </a:xfrm>
+      </p:grpSpPr>
+      <p:sp>
+        <p:nvSpPr>
+          <p:cNvPr id="2" name="Slide Image Placeholder 1"/>
+          <p:cNvSpPr>
+            <a:spLocks noGrp="1" noRot="1" noChangeAspect="1"/>
+          </p:cNvSpPr>
+          <p:nvPr>
+            <p:ph type="sldImg"/>
+          </p:nvPr>
+        </p:nvSpPr>
+        <p:spPr/>
+      </p:sp>
+      <p:sp>
+        <p:nvSpPr>
+          <p:cNvPr id="3" name="Notes Placeholder 2"/>
+          <p:cNvSpPr>
+            <a:spLocks noGrp="1"/>
+          </p:cNvSpPr>
+          <p:nvPr>
+            <p:ph type="body" idx="1"/>
+          </p:nvPr>
+        </p:nvSpPr>
+        <p:spPr/>
+        <p:txBody>
+          <a:bodyPr/>
+          <a:lstStyle/>
+          <a:p>
+            <a:endParaRPr lang="en-US" dirty="0"/>
+          </a:p>
+        </p:txBody>
+      </p:sp>
+      <p:sp>
+        <p:nvSpPr>
+          <p:cNvPr id="4" name="Header Placeholder 3"/>
+          <p:cNvSpPr>
+            <a:spLocks noGrp="1"/>
+          </p:cNvSpPr>
+          <p:nvPr>
+            <p:ph type="hdr" sz="quarter"/>
+          </p:nvPr>
+        </p:nvSpPr>
+        <p:spPr/>
+        <p:txBody>
+          <a:bodyPr/>
+          <a:lstStyle/>
+          <a:p>
+            <a:endParaRPr lang="en-US" dirty="0"/>
+          </a:p>
+        </p:txBody>
+      </p:sp>
+      <p:sp>
+        <p:nvSpPr>
+          <p:cNvPr id="5" name="Footer Placeholder 4"/>
+          <p:cNvSpPr>
+            <a:spLocks noGrp="1"/>
+          </p:cNvSpPr>
+          <p:nvPr>
+            <p:ph type="ftr" sz="quarter" idx="4"/>
+          </p:nvPr>
+        </p:nvSpPr>
+        <p:spPr/>
+        <p:txBody>
+          <a:bodyPr/>
+          <a:lstStyle/>
+          <a:p>
+            <a:pPr defTabSz="914099" eaLnBrk="0" hangingPunct="0"/>
+            <a:r>
+              <a:rPr lang="en-US" sz="400">
+                <a:gradFill>
+                  <a:gsLst>
+                    <a:gs pos="0">
+                      <a:prstClr val="black"/>
+                    </a:gs>
+                    <a:gs pos="100000">
+                      <a:prstClr val="black"/>
+                    </a:gs>
+                  </a:gsLst>
+                  <a:lin ang="5400000" scaled="0"/>
+                </a:gradFill>
+                <a:latin typeface="Segoe UI" pitchFamily="34" charset="0"/>
+                <a:ea typeface="Segoe UI" pitchFamily="34" charset="0"/>
+                <a:cs typeface="Segoe UI" pitchFamily="34" charset="0"/>
+              </a:rPr>
+              <a:t>© 2014 Microsoft Corporation. All rights reserved. MICROSOFT MAKES NO WARRANTIES, EXPRESS, IMPLIED OR STATUTORY, AS TO THE INFORMATION IN THIS PRESENTATION.</a:t>
+            </a:r>
+            <a:endParaRPr lang="en-US" sz="400" dirty="0">
+              <a:gradFill>
+                <a:gsLst>
+                  <a:gs pos="0">
+                    <a:prstClr val="black"/>
+                  </a:gs>
+                  <a:gs pos="100000">
+                    <a:prstClr val="black"/>
+                  </a:gs>
+                </a:gsLst>
+                <a:lin ang="5400000" scaled="0"/>
+              </a:gradFill>
+              <a:latin typeface="Segoe UI" pitchFamily="34" charset="0"/>
+              <a:ea typeface="Segoe UI" pitchFamily="34" charset="0"/>
+              <a:cs typeface="Segoe UI" pitchFamily="34" charset="0"/>
+            </a:endParaRPr>
+          </a:p>
+        </p:txBody>
+      </p:sp>
+      <p:sp>
+        <p:nvSpPr>
+          <p:cNvPr id="6" name="Date Placeholder 5"/>
+          <p:cNvSpPr>
+            <a:spLocks noGrp="1"/>
+          </p:cNvSpPr>
+          <p:nvPr>
+            <p:ph type="dt" idx="1"/>
+          </p:nvPr>
+        </p:nvSpPr>
+        <p:spPr/>
+        <p:txBody>
+          <a:bodyPr/>
+          <a:lstStyle/>
+          <a:p>
+            <a:fld id="{38EEC551-8CDA-4EB6-89BB-2A86C9F091C8}" type="datetime8">
+              <a:rPr lang="en-US" smtClean="0"/>
+              <a:t>2022-12-01 11:50 PM</a:t>
+            </a:fld>
+            <a:endParaRPr lang="en-US" dirty="0"/>
+          </a:p>
+        </p:txBody>
+      </p:sp>
+      <p:sp>
+        <p:nvSpPr>
+          <p:cNvPr id="7" name="Slide Number Placeholder 6"/>
+          <p:cNvSpPr>
+            <a:spLocks noGrp="1"/>
+          </p:cNvSpPr>
+          <p:nvPr>
+            <p:ph type="sldNum" sz="quarter" idx="5"/>
+          </p:nvPr>
+        </p:nvSpPr>
+        <p:spPr/>
+        <p:txBody>
+          <a:bodyPr/>
+          <a:lstStyle/>
+          <a:p>
+            <a:fld id="{B4008EB6-D09E-4580-8CD6-DDB14511944F}" type="slidenum">
+              <a:rPr lang="en-US" smtClean="0"/>
+              <a:pPr/>
+              <a:t>9</a:t>
+            </a:fld>
+            <a:endParaRPr lang="en-US" dirty="0"/>
+          </a:p>
+        </p:txBody>
+      </p:sp>
+    </p:spTree>
+    <p:extLst>
+      <p:ext uri="{BB962C8B-B14F-4D97-AF65-F5344CB8AC3E}">
+        <p14:creationId xmlns:p14="http://schemas.microsoft.com/office/powerpoint/2010/main" val="176747420"/>
+      </p:ext>
+    </p:extLst>
+  </p:cSld>
+  <p:clrMapOvr>
+    <a:masterClrMapping/>
+  </p:clrMapOvr>
+</p:notes>
+</file>
+
+<file path=ppt/notesSlides/notesSlide9.xml><?xml version="1.0" encoding="utf-8"?>
+<p:notes xmlns:a="http://schemas.openxmlformats.org/drawingml/2006/main" xmlns:r="http://schemas.openxmlformats.org/officeDocument/2006/relationships" xmlns:p="http://schemas.openxmlformats.org/presentationml/2006/main">
+  <p:cSld>
+    <p:spTree>
+      <p:nvGrpSpPr>
+        <p:cNvPr id="1" name=""/>
+        <p:cNvGrpSpPr/>
+        <p:nvPr/>
+      </p:nvGrpSpPr>
+      <p:grpSpPr>
+        <a:xfrm>
+          <a:off x="0" y="0"/>
+          <a:ext cx="0" cy="0"/>
+          <a:chOff x="0" y="0"/>
+          <a:chExt cx="0" cy="0"/>
+        </a:xfrm>
+      </p:grpSpPr>
+      <p:sp>
+        <p:nvSpPr>
+          <p:cNvPr id="2" name="Slide Image Placeholder 1"/>
+          <p:cNvSpPr>
+            <a:spLocks noGrp="1" noRot="1" noChangeAspect="1"/>
+          </p:cNvSpPr>
+          <p:nvPr>
+            <p:ph type="sldImg"/>
+          </p:nvPr>
+        </p:nvSpPr>
+        <p:spPr/>
+      </p:sp>
+      <p:sp>
+        <p:nvSpPr>
+          <p:cNvPr id="3" name="Notes Placeholder 2"/>
+          <p:cNvSpPr>
+            <a:spLocks noGrp="1"/>
+          </p:cNvSpPr>
+          <p:nvPr>
+            <p:ph type="body" idx="1"/>
+          </p:nvPr>
+        </p:nvSpPr>
+        <p:spPr/>
+        <p:txBody>
+          <a:bodyPr/>
+          <a:lstStyle/>
+          <a:p>
+            <a:pPr marL="0" indent="0">
+              <a:buFont typeface="Arial" panose="020B0604020202020204" pitchFamily="34" charset="0"/>
+              <a:buNone/>
+            </a:pPr>
+            <a:r>
+              <a:rPr lang="en-CA" dirty="0"/>
+              <a:t>Adding Visual Studio Extensions </a:t>
+            </a:r>
+          </a:p>
+          <a:p>
+            <a:pPr marL="0" indent="0">
+              <a:buFont typeface="Arial" panose="020B0604020202020204" pitchFamily="34" charset="0"/>
+              <a:buNone/>
+            </a:pPr>
+            <a:r>
+              <a:rPr lang="en-CA" dirty="0"/>
+              <a:t>Solution &amp; Projects </a:t>
+            </a:r>
+          </a:p>
+          <a:p>
+            <a:pPr marL="0" indent="0">
+              <a:buFont typeface="Arial" panose="020B0604020202020204" pitchFamily="34" charset="0"/>
+              <a:buNone/>
+            </a:pPr>
+            <a:r>
+              <a:rPr lang="en-CA" dirty="0"/>
+              <a:t>SSIS Toolbox </a:t>
+            </a:r>
+          </a:p>
+          <a:p>
+            <a:pPr marL="0" indent="0">
+              <a:buFont typeface="Arial" panose="020B0604020202020204" pitchFamily="34" charset="0"/>
+              <a:buNone/>
+            </a:pPr>
+            <a:r>
+              <a:rPr lang="en-CA" dirty="0"/>
+              <a:t>SSIS Menus – Variables , Build, Debug, Extensions</a:t>
+            </a:r>
+          </a:p>
+          <a:p>
+            <a:pPr marL="0" indent="0">
+              <a:buFont typeface="Arial" panose="020B0604020202020204" pitchFamily="34" charset="0"/>
+              <a:buNone/>
+            </a:pPr>
+            <a:r>
+              <a:rPr lang="en-CA" dirty="0"/>
+              <a:t>Navigation </a:t>
+            </a:r>
+          </a:p>
+          <a:p>
+            <a:pPr marL="0" indent="0">
+              <a:buFont typeface="Arial" panose="020B0604020202020204" pitchFamily="34" charset="0"/>
+              <a:buNone/>
+            </a:pPr>
+            <a:r>
+              <a:rPr lang="en-CA" dirty="0"/>
+              <a:t>Properties Pane </a:t>
+            </a:r>
+          </a:p>
+          <a:p>
+            <a:endParaRPr lang="en-US" dirty="0"/>
+          </a:p>
+        </p:txBody>
+      </p:sp>
+      <p:sp>
+        <p:nvSpPr>
+          <p:cNvPr id="4" name="Header Placeholder 3"/>
+          <p:cNvSpPr>
+            <a:spLocks noGrp="1"/>
+          </p:cNvSpPr>
+          <p:nvPr>
+            <p:ph type="hdr" sz="quarter"/>
+          </p:nvPr>
+        </p:nvSpPr>
+        <p:spPr/>
+        <p:txBody>
+          <a:bodyPr/>
+          <a:lstStyle/>
+          <a:p>
+            <a:endParaRPr lang="en-US" dirty="0"/>
+          </a:p>
+        </p:txBody>
+      </p:sp>
+      <p:sp>
+        <p:nvSpPr>
+          <p:cNvPr id="5" name="Footer Placeholder 4"/>
+          <p:cNvSpPr>
+            <a:spLocks noGrp="1"/>
+          </p:cNvSpPr>
+          <p:nvPr>
+            <p:ph type="ftr" sz="quarter" idx="4"/>
+          </p:nvPr>
+        </p:nvSpPr>
+        <p:spPr/>
+        <p:txBody>
+          <a:bodyPr/>
+          <a:lstStyle/>
+          <a:p>
+            <a:pPr defTabSz="914099" eaLnBrk="0" hangingPunct="0"/>
+            <a:r>
+              <a:rPr lang="en-US" sz="400">
+                <a:gradFill>
+                  <a:gsLst>
+                    <a:gs pos="0">
+                      <a:prstClr val="black"/>
+                    </a:gs>
+                    <a:gs pos="100000">
+                      <a:prstClr val="black"/>
+                    </a:gs>
+                  </a:gsLst>
+                  <a:lin ang="5400000" scaled="0"/>
+                </a:gradFill>
+                <a:latin typeface="Segoe UI" pitchFamily="34" charset="0"/>
+                <a:ea typeface="Segoe UI" pitchFamily="34" charset="0"/>
+                <a:cs typeface="Segoe UI" pitchFamily="34" charset="0"/>
+              </a:rPr>
+              <a:t>© 2014 Microsoft Corporation. All rights reserved. MICROSOFT MAKES NO WARRANTIES, EXPRESS, IMPLIED OR STATUTORY, AS TO THE INFORMATION IN THIS PRESENTATION.</a:t>
+            </a:r>
+            <a:endParaRPr lang="en-US" sz="400" dirty="0">
+              <a:gradFill>
+                <a:gsLst>
+                  <a:gs pos="0">
+                    <a:prstClr val="black"/>
+                  </a:gs>
+                  <a:gs pos="100000">
+                    <a:prstClr val="black"/>
+                  </a:gs>
+                </a:gsLst>
+                <a:lin ang="5400000" scaled="0"/>
+              </a:gradFill>
+              <a:latin typeface="Segoe UI" pitchFamily="34" charset="0"/>
+              <a:ea typeface="Segoe UI" pitchFamily="34" charset="0"/>
+              <a:cs typeface="Segoe UI" pitchFamily="34" charset="0"/>
+            </a:endParaRPr>
+          </a:p>
+        </p:txBody>
+      </p:sp>
+      <p:sp>
+        <p:nvSpPr>
+          <p:cNvPr id="6" name="Date Placeholder 5"/>
+          <p:cNvSpPr>
+            <a:spLocks noGrp="1"/>
+          </p:cNvSpPr>
+          <p:nvPr>
+            <p:ph type="dt" idx="1"/>
+          </p:nvPr>
+        </p:nvSpPr>
+        <p:spPr/>
+        <p:txBody>
+          <a:bodyPr/>
+          <a:lstStyle/>
+          <a:p>
+            <a:fld id="{38EEC551-8CDA-4EB6-89BB-2A86C9F091C8}" type="datetime8">
+              <a:rPr lang="en-US" smtClean="0"/>
+              <a:t>2022-12-01 11:50 PM</a:t>
+            </a:fld>
+            <a:endParaRPr lang="en-US" dirty="0"/>
+          </a:p>
+        </p:txBody>
+      </p:sp>
+      <p:sp>
+        <p:nvSpPr>
+          <p:cNvPr id="7" name="Slide Number Placeholder 6"/>
+          <p:cNvSpPr>
+            <a:spLocks noGrp="1"/>
+          </p:cNvSpPr>
+          <p:nvPr>
+            <p:ph type="sldNum" sz="quarter" idx="5"/>
+          </p:nvPr>
+        </p:nvSpPr>
+        <p:spPr/>
+        <p:txBody>
+          <a:bodyPr/>
+          <a:lstStyle/>
+          <a:p>
+            <a:fld id="{B4008EB6-D09E-4580-8CD6-DDB14511944F}" type="slidenum">
+              <a:rPr lang="en-US" smtClean="0"/>
+              <a:pPr/>
+              <a:t>10</a:t>
+            </a:fld>
+            <a:endParaRPr lang="en-US" dirty="0"/>
+          </a:p>
+        </p:txBody>
+      </p:sp>
+    </p:spTree>
+    <p:extLst>
+      <p:ext uri="{BB962C8B-B14F-4D97-AF65-F5344CB8AC3E}">
+        <p14:creationId xmlns:p14="http://schemas.microsoft.com/office/powerpoint/2010/main" val="2114788739"/>
       </p:ext>
     </p:extLst>
   </p:cSld>
@@ -17340,7 +21313,7 @@
       </a:lvl9pPr>
     </p:otherStyle>
   </p:txStyles>
-  <p:extLst mod="1">
+  <p:extLst>
     <p:ext uri="{27BBF7A9-308A-43DC-89C8-2F10F3537804}">
       <p15:sldGuideLst xmlns:p15="http://schemas.microsoft.com/office/powerpoint/2012/main">
         <p15:guide id="1" orient="horz" pos="187">
@@ -18003,7 +21976,7 @@
       </a:lvl9pPr>
     </p:otherStyle>
   </p:txStyles>
-  <p:extLst mod="1">
+  <p:extLst>
     <p:ext uri="{27BBF7A9-308A-43DC-89C8-2F10F3537804}">
       <p15:sldGuideLst xmlns:p15="http://schemas.microsoft.com/office/powerpoint/2012/main">
         <p15:guide id="1" orient="horz" pos="187">
@@ -18669,7 +22642,7 @@
       </a:lvl9pPr>
     </p:otherStyle>
   </p:txStyles>
-  <p:extLst mod="1">
+  <p:extLst>
     <p:ext uri="{27BBF7A9-308A-43DC-89C8-2F10F3537804}">
       <p15:sldGuideLst xmlns:p15="http://schemas.microsoft.com/office/powerpoint/2012/main">
         <p15:guide id="1" orient="horz" pos="187">
@@ -19336,7 +23309,7 @@
       </a:lvl9pPr>
     </p:otherStyle>
   </p:txStyles>
-  <p:extLst mod="1">
+  <p:extLst>
     <p:ext uri="{27BBF7A9-308A-43DC-89C8-2F10F3537804}">
       <p15:sldGuideLst xmlns:p15="http://schemas.microsoft.com/office/powerpoint/2012/main">
         <p15:guide id="1" orient="horz" pos="187">
@@ -19571,391 +23544,6 @@
           <a:chExt cx="0" cy="0"/>
         </a:xfrm>
       </p:grpSpPr>
-    </p:spTree>
-    <p:extLst>
-      <p:ext uri="{BB962C8B-B14F-4D97-AF65-F5344CB8AC3E}">
-        <p14:creationId xmlns:p14="http://schemas.microsoft.com/office/powerpoint/2010/main" val="2789188734"/>
-      </p:ext>
-    </p:extLst>
-  </p:cSld>
-  <p:clrMapOvr>
-    <a:masterClrMapping/>
-  </p:clrMapOvr>
-  <mc:AlternateContent xmlns:mc="http://schemas.openxmlformats.org/markup-compatibility/2006" xmlns:p14="http://schemas.microsoft.com/office/powerpoint/2010/main">
-    <mc:Choice Requires="p14">
-      <p:transition spd="med" p14:dur="700">
-        <p:fade/>
-      </p:transition>
-    </mc:Choice>
-    <mc:Fallback xmlns="">
-      <p:transition spd="med">
-        <p:fade/>
-      </p:transition>
-    </mc:Fallback>
-  </mc:AlternateContent>
-</p:sld>
-</file>
-
-<file path=ppt/slides/slide2.xml><?xml version="1.0" encoding="utf-8"?>
-<p:sld xmlns:a="http://schemas.openxmlformats.org/drawingml/2006/main" xmlns:r="http://schemas.openxmlformats.org/officeDocument/2006/relationships" xmlns:p="http://schemas.openxmlformats.org/presentationml/2006/main" show="0">
-  <p:cSld>
-    <p:spTree>
-      <p:nvGrpSpPr>
-        <p:cNvPr id="1" name=""/>
-        <p:cNvGrpSpPr/>
-        <p:nvPr/>
-      </p:nvGrpSpPr>
-      <p:grpSpPr>
-        <a:xfrm>
-          <a:off x="0" y="0"/>
-          <a:ext cx="0" cy="0"/>
-          <a:chOff x="0" y="0"/>
-          <a:chExt cx="0" cy="0"/>
-        </a:xfrm>
-      </p:grpSpPr>
-    </p:spTree>
-    <p:extLst>
-      <p:ext uri="{BB962C8B-B14F-4D97-AF65-F5344CB8AC3E}">
-        <p14:creationId xmlns:p14="http://schemas.microsoft.com/office/powerpoint/2010/main" val="1076368552"/>
-      </p:ext>
-    </p:extLst>
-  </p:cSld>
-  <p:clrMapOvr>
-    <a:masterClrMapping/>
-  </p:clrMapOvr>
-  <p:transition>
-    <p:fade/>
-  </p:transition>
-</p:sld>
-</file>
-
-<file path=ppt/slides/slide3.xml><?xml version="1.0" encoding="utf-8"?>
-<p:sld xmlns:a="http://schemas.openxmlformats.org/drawingml/2006/main" xmlns:r="http://schemas.openxmlformats.org/officeDocument/2006/relationships" xmlns:p="http://schemas.openxmlformats.org/presentationml/2006/main">
-  <p:cSld>
-    <p:spTree>
-      <p:nvGrpSpPr>
-        <p:cNvPr id="1" name=""/>
-        <p:cNvGrpSpPr/>
-        <p:nvPr/>
-      </p:nvGrpSpPr>
-      <p:grpSpPr>
-        <a:xfrm>
-          <a:off x="0" y="0"/>
-          <a:ext cx="0" cy="0"/>
-          <a:chOff x="0" y="0"/>
-          <a:chExt cx="0" cy="0"/>
-        </a:xfrm>
-      </p:grpSpPr>
-      <p:sp>
-        <p:nvSpPr>
-          <p:cNvPr id="2" name="Text Placeholder 1">
-            <a:extLst>
-              <a:ext uri="{FF2B5EF4-FFF2-40B4-BE49-F238E27FC236}">
-                <a16:creationId xmlns:a16="http://schemas.microsoft.com/office/drawing/2014/main" id="{3DBE5BF5-873B-4D0A-88CF-E8A16EE71003}"/>
-              </a:ext>
-            </a:extLst>
-          </p:cNvPr>
-          <p:cNvSpPr>
-            <a:spLocks noGrp="1"/>
-          </p:cNvSpPr>
-          <p:nvPr>
-            <p:ph type="body" sz="quarter" idx="10"/>
-          </p:nvPr>
-        </p:nvSpPr>
-        <p:spPr>
-          <a:xfrm>
-            <a:off x="274638" y="1212850"/>
-            <a:ext cx="11887200" cy="1292662"/>
-          </a:xfrm>
-        </p:spPr>
-        <p:txBody>
-          <a:bodyPr/>
-          <a:lstStyle/>
-          <a:p>
-            <a:r>
-              <a:rPr lang="en-US" dirty="0"/>
-              <a:t>SQL Server Data Tools</a:t>
-            </a:r>
-          </a:p>
-          <a:p>
-            <a:r>
-              <a:rPr lang="en-US" dirty="0"/>
-              <a:t>SQL Server Management Studio</a:t>
-            </a:r>
-          </a:p>
-        </p:txBody>
-      </p:sp>
-      <p:sp>
-        <p:nvSpPr>
-          <p:cNvPr id="3" name="Title 2">
-            <a:extLst>
-              <a:ext uri="{FF2B5EF4-FFF2-40B4-BE49-F238E27FC236}">
-                <a16:creationId xmlns:a16="http://schemas.microsoft.com/office/drawing/2014/main" id="{04F3DA0A-2835-441C-B9B7-80CC8BE58A72}"/>
-              </a:ext>
-            </a:extLst>
-          </p:cNvPr>
-          <p:cNvSpPr>
-            <a:spLocks noGrp="1"/>
-          </p:cNvSpPr>
-          <p:nvPr>
-            <p:ph type="title"/>
-          </p:nvPr>
-        </p:nvSpPr>
-        <p:spPr/>
-        <p:txBody>
-          <a:bodyPr/>
-          <a:lstStyle/>
-          <a:p>
-            <a:r>
-              <a:rPr lang="en-US" dirty="0"/>
-              <a:t>Agenda</a:t>
-            </a:r>
-          </a:p>
-        </p:txBody>
-      </p:sp>
-    </p:spTree>
-    <p:extLst>
-      <p:ext uri="{BB962C8B-B14F-4D97-AF65-F5344CB8AC3E}">
-        <p14:creationId xmlns:p14="http://schemas.microsoft.com/office/powerpoint/2010/main" val="376295135"/>
-      </p:ext>
-    </p:extLst>
-  </p:cSld>
-  <p:clrMapOvr>
-    <a:masterClrMapping/>
-  </p:clrMapOvr>
-  <p:transition>
-    <p:fade/>
-  </p:transition>
-</p:sld>
-</file>
-
-<file path=ppt/slides/slide4.xml><?xml version="1.0" encoding="utf-8"?>
-<p:sld xmlns:a="http://schemas.openxmlformats.org/drawingml/2006/main" xmlns:r="http://schemas.openxmlformats.org/officeDocument/2006/relationships" xmlns:p="http://schemas.openxmlformats.org/presentationml/2006/main">
-  <p:cSld>
-    <p:spTree>
-      <p:nvGrpSpPr>
-        <p:cNvPr id="1" name=""/>
-        <p:cNvGrpSpPr/>
-        <p:nvPr/>
-      </p:nvGrpSpPr>
-      <p:grpSpPr>
-        <a:xfrm>
-          <a:off x="0" y="0"/>
-          <a:ext cx="0" cy="0"/>
-          <a:chOff x="0" y="0"/>
-          <a:chExt cx="0" cy="0"/>
-        </a:xfrm>
-      </p:grpSpPr>
-      <p:sp>
-        <p:nvSpPr>
-          <p:cNvPr id="2" name="Text Placeholder 1">
-            <a:extLst>
-              <a:ext uri="{FF2B5EF4-FFF2-40B4-BE49-F238E27FC236}">
-                <a16:creationId xmlns:a16="http://schemas.microsoft.com/office/drawing/2014/main" id="{21D9B8EA-3F1B-4EFC-A919-3E88165466E2}"/>
-              </a:ext>
-            </a:extLst>
-          </p:cNvPr>
-          <p:cNvSpPr>
-            <a:spLocks noGrp="1"/>
-          </p:cNvSpPr>
-          <p:nvPr>
-            <p:ph type="body" sz="quarter" idx="10"/>
-          </p:nvPr>
-        </p:nvSpPr>
-        <p:spPr>
-          <a:xfrm>
-            <a:off x="274638" y="1212850"/>
-            <a:ext cx="11887200" cy="4007251"/>
-          </a:xfrm>
-        </p:spPr>
-        <p:txBody>
-          <a:bodyPr/>
-          <a:lstStyle/>
-          <a:p>
-            <a:r>
-              <a:rPr lang="en-US" dirty="0"/>
-              <a:t>Introduced in SQL Server 2012.</a:t>
-            </a:r>
-          </a:p>
-          <a:p>
-            <a:r>
-              <a:rPr lang="en-US" dirty="0"/>
-              <a:t>Allows for development of projects related to SQL Server services.  Such as Reporting Services, Analysis Services, and Integration Services.</a:t>
-            </a:r>
-          </a:p>
-          <a:p>
-            <a:r>
-              <a:rPr lang="en-US" dirty="0"/>
-              <a:t>Decoupled from SQL Server binaries to allow for easy of management and upgradeability.</a:t>
-            </a:r>
-          </a:p>
-          <a:p>
-            <a:r>
-              <a:rPr lang="en-US" dirty="0"/>
-              <a:t>Requires Visual Studio to run.</a:t>
-            </a:r>
-          </a:p>
-        </p:txBody>
-      </p:sp>
-      <p:sp>
-        <p:nvSpPr>
-          <p:cNvPr id="3" name="Title 2">
-            <a:extLst>
-              <a:ext uri="{FF2B5EF4-FFF2-40B4-BE49-F238E27FC236}">
-                <a16:creationId xmlns:a16="http://schemas.microsoft.com/office/drawing/2014/main" id="{1BA4342A-4073-4558-A48D-2B2757E1023D}"/>
-              </a:ext>
-            </a:extLst>
-          </p:cNvPr>
-          <p:cNvSpPr>
-            <a:spLocks noGrp="1"/>
-          </p:cNvSpPr>
-          <p:nvPr>
-            <p:ph type="title"/>
-          </p:nvPr>
-        </p:nvSpPr>
-        <p:spPr/>
-        <p:txBody>
-          <a:bodyPr/>
-          <a:lstStyle/>
-          <a:p>
-            <a:r>
-              <a:rPr lang="en-US" dirty="0"/>
-              <a:t>SQL Server Data Tools (SSDT)</a:t>
-            </a:r>
-          </a:p>
-        </p:txBody>
-      </p:sp>
-    </p:spTree>
-    <p:extLst>
-      <p:ext uri="{BB962C8B-B14F-4D97-AF65-F5344CB8AC3E}">
-        <p14:creationId xmlns:p14="http://schemas.microsoft.com/office/powerpoint/2010/main" val="4116989712"/>
-      </p:ext>
-    </p:extLst>
-  </p:cSld>
-  <p:clrMapOvr>
-    <a:masterClrMapping/>
-  </p:clrMapOvr>
-  <p:transition>
-    <p:fade/>
-  </p:transition>
-</p:sld>
-</file>
-
-<file path=ppt/slides/slide5.xml><?xml version="1.0" encoding="utf-8"?>
-<p:sld xmlns:a="http://schemas.openxmlformats.org/drawingml/2006/main" xmlns:r="http://schemas.openxmlformats.org/officeDocument/2006/relationships" xmlns:p="http://schemas.openxmlformats.org/presentationml/2006/main">
-  <p:cSld>
-    <p:spTree>
-      <p:nvGrpSpPr>
-        <p:cNvPr id="1" name=""/>
-        <p:cNvGrpSpPr/>
-        <p:nvPr/>
-      </p:nvGrpSpPr>
-      <p:grpSpPr>
-        <a:xfrm>
-          <a:off x="0" y="0"/>
-          <a:ext cx="0" cy="0"/>
-          <a:chOff x="0" y="0"/>
-          <a:chExt cx="0" cy="0"/>
-        </a:xfrm>
-      </p:grpSpPr>
-      <p:sp>
-        <p:nvSpPr>
-          <p:cNvPr id="2" name="Title 1">
-            <a:extLst>
-              <a:ext uri="{FF2B5EF4-FFF2-40B4-BE49-F238E27FC236}">
-                <a16:creationId xmlns:a16="http://schemas.microsoft.com/office/drawing/2014/main" id="{258A2F71-40F8-4CA9-A408-65AA98534F41}"/>
-              </a:ext>
-            </a:extLst>
-          </p:cNvPr>
-          <p:cNvSpPr>
-            <a:spLocks noGrp="1"/>
-          </p:cNvSpPr>
-          <p:nvPr>
-            <p:ph type="title"/>
-          </p:nvPr>
-        </p:nvSpPr>
-        <p:spPr/>
-        <p:txBody>
-          <a:bodyPr/>
-          <a:lstStyle/>
-          <a:p>
-            <a:r>
-              <a:rPr lang="en-US" dirty="0"/>
-              <a:t>SSDT Walkthrough</a:t>
-            </a:r>
-          </a:p>
-        </p:txBody>
-      </p:sp>
-      <p:sp>
-        <p:nvSpPr>
-          <p:cNvPr id="3" name="Text Placeholder 2">
-            <a:extLst>
-              <a:ext uri="{FF2B5EF4-FFF2-40B4-BE49-F238E27FC236}">
-                <a16:creationId xmlns:a16="http://schemas.microsoft.com/office/drawing/2014/main" id="{DE486D7B-239E-4197-9B71-1BF475F443A7}"/>
-              </a:ext>
-            </a:extLst>
-          </p:cNvPr>
-          <p:cNvSpPr>
-            <a:spLocks noGrp="1"/>
-          </p:cNvSpPr>
-          <p:nvPr>
-            <p:ph type="body" sz="quarter" idx="12"/>
-          </p:nvPr>
-        </p:nvSpPr>
-        <p:spPr/>
-        <p:txBody>
-          <a:bodyPr/>
-          <a:lstStyle/>
-          <a:p>
-            <a:r>
-              <a:rPr lang="en-US" dirty="0"/>
-              <a:t>Demo</a:t>
-            </a:r>
-          </a:p>
-        </p:txBody>
-      </p:sp>
-    </p:spTree>
-    <p:extLst>
-      <p:ext uri="{BB962C8B-B14F-4D97-AF65-F5344CB8AC3E}">
-        <p14:creationId xmlns:p14="http://schemas.microsoft.com/office/powerpoint/2010/main" val="1184190284"/>
-      </p:ext>
-    </p:extLst>
-  </p:cSld>
-  <p:clrMapOvr>
-    <a:masterClrMapping/>
-  </p:clrMapOvr>
-  <mc:AlternateContent xmlns:mc="http://schemas.openxmlformats.org/markup-compatibility/2006" xmlns:p14="http://schemas.microsoft.com/office/powerpoint/2010/main">
-    <mc:Choice Requires="p14">
-      <p:transition spd="slow" p14:dur="3400">
-        <p14:reveal/>
-      </p:transition>
-    </mc:Choice>
-    <mc:Fallback xmlns="">
-      <p:transition spd="slow">
-        <p:fade/>
-      </p:transition>
-    </mc:Fallback>
-  </mc:AlternateContent>
-</p:sld>
-</file>
-
-<file path=ppt/slides/slide6.xml><?xml version="1.0" encoding="utf-8"?>
-<p:sld xmlns:a="http://schemas.openxmlformats.org/drawingml/2006/main" xmlns:r="http://schemas.openxmlformats.org/officeDocument/2006/relationships" xmlns:p="http://schemas.openxmlformats.org/presentationml/2006/main">
-  <p:cSld>
-    <p:spTree>
-      <p:nvGrpSpPr>
-        <p:cNvPr id="1" name=""/>
-        <p:cNvGrpSpPr/>
-        <p:nvPr/>
-      </p:nvGrpSpPr>
-      <p:grpSpPr>
-        <a:xfrm>
-          <a:off x="0" y="0"/>
-          <a:ext cx="0" cy="0"/>
-          <a:chOff x="0" y="0"/>
-          <a:chExt cx="0" cy="0"/>
-        </a:xfrm>
-      </p:grpSpPr>
       <p:sp>
         <p:nvSpPr>
           <p:cNvPr id="2" name="Text Placeholder 1">
@@ -20057,7 +23645,7 @@
 </p:sld>
 </file>
 
-<file path=ppt/slides/slide7.xml><?xml version="1.0" encoding="utf-8"?>
+<file path=ppt/slides/slide11.xml><?xml version="1.0" encoding="utf-8"?>
 <p:sld xmlns:a="http://schemas.openxmlformats.org/drawingml/2006/main" xmlns:r="http://schemas.openxmlformats.org/officeDocument/2006/relationships" xmlns:p="http://schemas.openxmlformats.org/presentationml/2006/main">
   <p:cSld>
     <p:spTree>
@@ -20155,7 +23743,2228 @@
 </p:sld>
 </file>
 
-<file path=ppt/slides/slide8.xml><?xml version="1.0" encoding="utf-8"?>
+<file path=ppt/slides/slide12.xml><?xml version="1.0" encoding="utf-8"?>
+<p:sld xmlns:a="http://schemas.openxmlformats.org/drawingml/2006/main" xmlns:r="http://schemas.openxmlformats.org/officeDocument/2006/relationships" xmlns:p="http://schemas.openxmlformats.org/presentationml/2006/main">
+  <p:cSld>
+    <p:spTree>
+      <p:nvGrpSpPr>
+        <p:cNvPr id="1" name=""/>
+        <p:cNvGrpSpPr/>
+        <p:nvPr/>
+      </p:nvGrpSpPr>
+      <p:grpSpPr>
+        <a:xfrm>
+          <a:off x="0" y="0"/>
+          <a:ext cx="0" cy="0"/>
+          <a:chOff x="0" y="0"/>
+          <a:chExt cx="0" cy="0"/>
+        </a:xfrm>
+      </p:grpSpPr>
+      <p:sp>
+        <p:nvSpPr>
+          <p:cNvPr id="2" name="Text Placeholder 1">
+            <a:extLst>
+              <a:ext uri="{FF2B5EF4-FFF2-40B4-BE49-F238E27FC236}">
+                <a16:creationId xmlns:a16="http://schemas.microsoft.com/office/drawing/2014/main" id="{21D9B8EA-3F1B-4EFC-A919-3E88165466E2}"/>
+              </a:ext>
+            </a:extLst>
+          </p:cNvPr>
+          <p:cNvSpPr>
+            <a:spLocks noGrp="1"/>
+          </p:cNvSpPr>
+          <p:nvPr>
+            <p:ph type="body" sz="quarter" idx="10"/>
+          </p:nvPr>
+        </p:nvSpPr>
+        <p:spPr>
+          <a:xfrm>
+            <a:off x="274638" y="1212850"/>
+            <a:ext cx="11887200" cy="2917722"/>
+          </a:xfrm>
+        </p:spPr>
+        <p:txBody>
+          <a:bodyPr/>
+          <a:lstStyle/>
+          <a:p>
+            <a:r>
+              <a:rPr lang="en-US" dirty="0"/>
+              <a:t>Command line tool used to manage packages </a:t>
+            </a:r>
+          </a:p>
+          <a:p>
+            <a:pPr lvl="1"/>
+            <a:r>
+              <a:rPr lang="en-US" dirty="0"/>
+              <a:t>copy, move, delete, or verify the existence of a package </a:t>
+            </a:r>
+          </a:p>
+          <a:p>
+            <a:r>
+              <a:rPr lang="en-US" dirty="0"/>
+              <a:t>Manage SSIS package stored in/on:</a:t>
+            </a:r>
+          </a:p>
+          <a:p>
+            <a:pPr lvl="1"/>
+            <a:r>
+              <a:rPr lang="en-US" dirty="0"/>
+              <a:t>/DTS     - package stored in SSIS package store</a:t>
+            </a:r>
+          </a:p>
+          <a:p>
+            <a:pPr lvl="1"/>
+            <a:r>
+              <a:rPr lang="en-US" dirty="0"/>
+              <a:t>/SQL     - 	 package stored in </a:t>
+            </a:r>
+            <a:r>
+              <a:rPr lang="en-US" dirty="0" err="1"/>
+              <a:t>msdb</a:t>
+            </a:r>
+            <a:endParaRPr lang="en-US" dirty="0"/>
+          </a:p>
+          <a:p>
+            <a:pPr lvl="1"/>
+            <a:r>
+              <a:rPr lang="en-US" dirty="0"/>
+              <a:t>/FILE     - package stored on file system</a:t>
+            </a:r>
+          </a:p>
+        </p:txBody>
+      </p:sp>
+      <p:sp>
+        <p:nvSpPr>
+          <p:cNvPr id="3" name="Title 2">
+            <a:extLst>
+              <a:ext uri="{FF2B5EF4-FFF2-40B4-BE49-F238E27FC236}">
+                <a16:creationId xmlns:a16="http://schemas.microsoft.com/office/drawing/2014/main" id="{1BA4342A-4073-4558-A48D-2B2757E1023D}"/>
+              </a:ext>
+            </a:extLst>
+          </p:cNvPr>
+          <p:cNvSpPr>
+            <a:spLocks noGrp="1"/>
+          </p:cNvSpPr>
+          <p:nvPr>
+            <p:ph type="title"/>
+          </p:nvPr>
+        </p:nvSpPr>
+        <p:spPr/>
+        <p:txBody>
+          <a:bodyPr/>
+          <a:lstStyle/>
+          <a:p>
+            <a:r>
+              <a:rPr lang="en-US" dirty="0">
+                <a:hlinkClick r:id="rId3"/>
+              </a:rPr>
+              <a:t>dtutil.exe</a:t>
+            </a:r>
+            <a:endParaRPr lang="en-US" dirty="0"/>
+          </a:p>
+        </p:txBody>
+      </p:sp>
+    </p:spTree>
+    <p:extLst>
+      <p:ext uri="{BB962C8B-B14F-4D97-AF65-F5344CB8AC3E}">
+        <p14:creationId xmlns:p14="http://schemas.microsoft.com/office/powerpoint/2010/main" val="2637764605"/>
+      </p:ext>
+    </p:extLst>
+  </p:cSld>
+  <p:clrMapOvr>
+    <a:masterClrMapping/>
+  </p:clrMapOvr>
+  <p:transition>
+    <p:fade/>
+  </p:transition>
+</p:sld>
+</file>
+
+<file path=ppt/slides/slide13.xml><?xml version="1.0" encoding="utf-8"?>
+<p:sld xmlns:a="http://schemas.openxmlformats.org/drawingml/2006/main" xmlns:r="http://schemas.openxmlformats.org/officeDocument/2006/relationships" xmlns:p="http://schemas.openxmlformats.org/presentationml/2006/main">
+  <p:cSld>
+    <p:spTree>
+      <p:nvGrpSpPr>
+        <p:cNvPr id="1" name=""/>
+        <p:cNvGrpSpPr/>
+        <p:nvPr/>
+      </p:nvGrpSpPr>
+      <p:grpSpPr>
+        <a:xfrm>
+          <a:off x="0" y="0"/>
+          <a:ext cx="0" cy="0"/>
+          <a:chOff x="0" y="0"/>
+          <a:chExt cx="0" cy="0"/>
+        </a:xfrm>
+      </p:grpSpPr>
+      <p:pic>
+        <p:nvPicPr>
+          <p:cNvPr id="12" name="Picture 11">
+            <a:extLst>
+              <a:ext uri="{FF2B5EF4-FFF2-40B4-BE49-F238E27FC236}">
+                <a16:creationId xmlns:a16="http://schemas.microsoft.com/office/drawing/2014/main" id="{C9DE9135-1D5D-42F4-8F4F-3F3AF6384999}"/>
+              </a:ext>
+            </a:extLst>
+          </p:cNvPr>
+          <p:cNvPicPr>
+            <a:picLocks noChangeAspect="1"/>
+          </p:cNvPicPr>
+          <p:nvPr/>
+        </p:nvPicPr>
+        <p:blipFill>
+          <a:blip r:embed="rId3"/>
+          <a:stretch>
+            <a:fillRect/>
+          </a:stretch>
+        </p:blipFill>
+        <p:spPr>
+          <a:xfrm>
+            <a:off x="140945" y="4605195"/>
+            <a:ext cx="7896283" cy="6010319"/>
+          </a:xfrm>
+          <a:prstGeom prst="rect">
+            <a:avLst/>
+          </a:prstGeom>
+        </p:spPr>
+      </p:pic>
+      <p:sp>
+        <p:nvSpPr>
+          <p:cNvPr id="2" name="Text Placeholder 1">
+            <a:extLst>
+              <a:ext uri="{FF2B5EF4-FFF2-40B4-BE49-F238E27FC236}">
+                <a16:creationId xmlns:a16="http://schemas.microsoft.com/office/drawing/2014/main" id="{21D9B8EA-3F1B-4EFC-A919-3E88165466E2}"/>
+              </a:ext>
+            </a:extLst>
+          </p:cNvPr>
+          <p:cNvSpPr>
+            <a:spLocks noGrp="1"/>
+          </p:cNvSpPr>
+          <p:nvPr>
+            <p:ph type="body" sz="quarter" idx="10"/>
+          </p:nvPr>
+        </p:nvSpPr>
+        <p:spPr>
+          <a:xfrm>
+            <a:off x="274638" y="1212850"/>
+            <a:ext cx="11887200" cy="683264"/>
+          </a:xfrm>
+        </p:spPr>
+        <p:txBody>
+          <a:bodyPr/>
+          <a:lstStyle/>
+          <a:p>
+            <a:r>
+              <a:rPr lang="en-CA" dirty="0"/>
+              <a:t>Use the 64-bit version</a:t>
+            </a:r>
+            <a:endParaRPr lang="en-US" dirty="0"/>
+          </a:p>
+        </p:txBody>
+      </p:sp>
+      <p:sp>
+        <p:nvSpPr>
+          <p:cNvPr id="3" name="Title 2">
+            <a:extLst>
+              <a:ext uri="{FF2B5EF4-FFF2-40B4-BE49-F238E27FC236}">
+                <a16:creationId xmlns:a16="http://schemas.microsoft.com/office/drawing/2014/main" id="{1BA4342A-4073-4558-A48D-2B2757E1023D}"/>
+              </a:ext>
+            </a:extLst>
+          </p:cNvPr>
+          <p:cNvSpPr>
+            <a:spLocks noGrp="1"/>
+          </p:cNvSpPr>
+          <p:nvPr>
+            <p:ph type="title"/>
+          </p:nvPr>
+        </p:nvSpPr>
+        <p:spPr/>
+        <p:txBody>
+          <a:bodyPr/>
+          <a:lstStyle/>
+          <a:p>
+            <a:r>
+              <a:rPr lang="en-US" dirty="0"/>
+              <a:t>dtutil.exe     32-bit vs 64-bit</a:t>
+            </a:r>
+          </a:p>
+        </p:txBody>
+      </p:sp>
+      <p:graphicFrame>
+        <p:nvGraphicFramePr>
+          <p:cNvPr id="4" name="Table 3">
+            <a:extLst>
+              <a:ext uri="{FF2B5EF4-FFF2-40B4-BE49-F238E27FC236}">
+                <a16:creationId xmlns:a16="http://schemas.microsoft.com/office/drawing/2014/main" id="{E26CB3CA-E134-4287-A902-7E031BF9609A}"/>
+              </a:ext>
+            </a:extLst>
+          </p:cNvPr>
+          <p:cNvGraphicFramePr>
+            <a:graphicFrameLocks noGrp="1"/>
+          </p:cNvGraphicFramePr>
+          <p:nvPr/>
+        </p:nvGraphicFramePr>
+        <p:xfrm>
+          <a:off x="52786" y="2197142"/>
+          <a:ext cx="7306749" cy="2296160"/>
+        </p:xfrm>
+        <a:graphic>
+          <a:graphicData uri="http://schemas.openxmlformats.org/drawingml/2006/table">
+            <a:tbl>
+              <a:tblPr firstRow="1" bandRow="1">
+                <a:tableStyleId>{F5AB1C69-6EDB-4FF4-983F-18BD219EF322}</a:tableStyleId>
+              </a:tblPr>
+              <a:tblGrid>
+                <a:gridCol w="991906">
+                  <a:extLst>
+                    <a:ext uri="{9D8B030D-6E8A-4147-A177-3AD203B41FA5}">
+                      <a16:colId xmlns:a16="http://schemas.microsoft.com/office/drawing/2014/main" val="3197108886"/>
+                    </a:ext>
+                  </a:extLst>
+                </a:gridCol>
+                <a:gridCol w="6314843">
+                  <a:extLst>
+                    <a:ext uri="{9D8B030D-6E8A-4147-A177-3AD203B41FA5}">
+                      <a16:colId xmlns:a16="http://schemas.microsoft.com/office/drawing/2014/main" val="346103913"/>
+                    </a:ext>
+                  </a:extLst>
+                </a:gridCol>
+              </a:tblGrid>
+              <a:tr h="370840">
+                <a:tc>
+                  <a:txBody>
+                    <a:bodyPr/>
+                    <a:lstStyle/>
+                    <a:p>
+                      <a:r>
+                        <a:rPr lang="en-CA" dirty="0"/>
+                        <a:t>Version</a:t>
+                      </a:r>
+                      <a:endParaRPr lang="en-US" dirty="0"/>
+                    </a:p>
+                  </a:txBody>
+                  <a:tcPr/>
+                </a:tc>
+                <a:tc>
+                  <a:txBody>
+                    <a:bodyPr/>
+                    <a:lstStyle/>
+                    <a:p>
+                      <a:r>
+                        <a:rPr lang="en-CA" dirty="0"/>
+                        <a:t>Executable Location</a:t>
+                      </a:r>
+                      <a:endParaRPr lang="en-US" dirty="0"/>
+                    </a:p>
+                  </a:txBody>
+                  <a:tcPr/>
+                </a:tc>
+                <a:extLst>
+                  <a:ext uri="{0D108BD9-81ED-4DB2-BD59-A6C34878D82A}">
+                    <a16:rowId xmlns:a16="http://schemas.microsoft.com/office/drawing/2014/main" val="171644004"/>
+                  </a:ext>
+                </a:extLst>
+              </a:tr>
+              <a:tr h="370840">
+                <a:tc>
+                  <a:txBody>
+                    <a:bodyPr/>
+                    <a:lstStyle/>
+                    <a:p>
+                      <a:r>
+                        <a:rPr lang="en-CA" dirty="0"/>
+                        <a:t>64-bit</a:t>
+                      </a:r>
+                      <a:endParaRPr lang="en-US" dirty="0"/>
+                    </a:p>
+                  </a:txBody>
+                  <a:tcPr/>
+                </a:tc>
+                <a:tc>
+                  <a:txBody>
+                    <a:bodyPr/>
+                    <a:lstStyle/>
+                    <a:p>
+                      <a:r>
+                        <a:rPr lang="nn-NO" i="1" dirty="0"/>
+                        <a:t>C</a:t>
+                      </a:r>
+                      <a:r>
+                        <a:rPr lang="nn-NO" dirty="0"/>
+                        <a:t>:\Program Files\Microsoft SQL Server\150\DTS\Binn</a:t>
+                      </a:r>
+                      <a:endParaRPr lang="en-CA" dirty="0"/>
+                    </a:p>
+                  </a:txBody>
+                  <a:tcPr/>
+                </a:tc>
+                <a:extLst>
+                  <a:ext uri="{0D108BD9-81ED-4DB2-BD59-A6C34878D82A}">
+                    <a16:rowId xmlns:a16="http://schemas.microsoft.com/office/drawing/2014/main" val="3185986008"/>
+                  </a:ext>
+                </a:extLst>
+              </a:tr>
+              <a:tr h="185420">
+                <a:tc rowSpan="2">
+                  <a:txBody>
+                    <a:bodyPr/>
+                    <a:lstStyle/>
+                    <a:p>
+                      <a:r>
+                        <a:rPr lang="en-CA" dirty="0"/>
+                        <a:t>32-bit</a:t>
+                      </a:r>
+                      <a:endParaRPr lang="en-US" dirty="0"/>
+                    </a:p>
+                  </a:txBody>
+                  <a:tcPr/>
+                </a:tc>
+                <a:tc>
+                  <a:txBody>
+                    <a:bodyPr/>
+                    <a:lstStyle/>
+                    <a:p>
+                      <a:r>
+                        <a:rPr lang="nn-NO" sz="1800" b="0" i="0" kern="1200" dirty="0">
+                          <a:solidFill>
+                            <a:schemeClr val="dk1"/>
+                          </a:solidFill>
+                          <a:effectLst/>
+                          <a:latin typeface="+mn-lt"/>
+                          <a:ea typeface="+mn-ea"/>
+                          <a:cs typeface="+mn-cs"/>
+                        </a:rPr>
+                        <a:t>C:\ Program Files(</a:t>
+                      </a:r>
+                      <a:r>
+                        <a:rPr lang="nn-NO" sz="1800" b="1" i="0" kern="1200" dirty="0">
+                          <a:solidFill>
+                            <a:schemeClr val="dk1"/>
+                          </a:solidFill>
+                          <a:effectLst/>
+                          <a:latin typeface="+mn-lt"/>
+                          <a:ea typeface="+mn-ea"/>
+                          <a:cs typeface="+mn-cs"/>
+                        </a:rPr>
+                        <a:t>x86</a:t>
+                      </a:r>
+                      <a:r>
+                        <a:rPr lang="nn-NO" sz="1800" b="0" i="0" kern="1200" dirty="0">
+                          <a:solidFill>
+                            <a:schemeClr val="dk1"/>
+                          </a:solidFill>
+                          <a:effectLst/>
+                          <a:latin typeface="+mn-lt"/>
+                          <a:ea typeface="+mn-ea"/>
+                          <a:cs typeface="+mn-cs"/>
+                        </a:rPr>
+                        <a:t>)\Microsoft SQL Server\150\DTS\Binn</a:t>
+                      </a:r>
+                      <a:endParaRPr lang="en-CA" dirty="0"/>
+                    </a:p>
+                  </a:txBody>
+                  <a:tcPr/>
+                </a:tc>
+                <a:extLst>
+                  <a:ext uri="{0D108BD9-81ED-4DB2-BD59-A6C34878D82A}">
+                    <a16:rowId xmlns:a16="http://schemas.microsoft.com/office/drawing/2014/main" val="1964476004"/>
+                  </a:ext>
+                </a:extLst>
+              </a:tr>
+              <a:tr h="185420">
+                <a:tc vMerge="1">
+                  <a:txBody>
+                    <a:bodyPr/>
+                    <a:lstStyle/>
+                    <a:p>
+                      <a:endParaRPr lang="en-CA"/>
+                    </a:p>
+                  </a:txBody>
+                  <a:tcPr/>
+                </a:tc>
+                <a:tc>
+                  <a:txBody>
+                    <a:bodyPr/>
+                    <a:lstStyle/>
+                    <a:p>
+                      <a:r>
+                        <a:rPr lang="en-CA" dirty="0"/>
+                        <a:t>C:\Program Files (</a:t>
+                      </a:r>
+                      <a:r>
+                        <a:rPr lang="en-CA" b="1" dirty="0"/>
+                        <a:t>x86</a:t>
+                      </a:r>
+                      <a:r>
+                        <a:rPr lang="en-CA" dirty="0"/>
+                        <a:t>)\Microsoft SQL Server Management Studio 18\Common7\IDE\</a:t>
+                      </a:r>
+                      <a:r>
+                        <a:rPr lang="en-CA" dirty="0" err="1"/>
+                        <a:t>CommonExtensions</a:t>
+                      </a:r>
+                      <a:r>
+                        <a:rPr lang="en-CA" dirty="0"/>
+                        <a:t>\Microsoft\SSIS\150\</a:t>
+                      </a:r>
+                      <a:r>
+                        <a:rPr lang="en-CA" dirty="0" err="1"/>
+                        <a:t>Binn</a:t>
+                      </a:r>
+                      <a:r>
+                        <a:rPr lang="en-CA" dirty="0"/>
+                        <a:t>\</a:t>
+                      </a:r>
+                    </a:p>
+                  </a:txBody>
+                  <a:tcPr/>
+                </a:tc>
+                <a:extLst>
+                  <a:ext uri="{0D108BD9-81ED-4DB2-BD59-A6C34878D82A}">
+                    <a16:rowId xmlns:a16="http://schemas.microsoft.com/office/drawing/2014/main" val="4001829578"/>
+                  </a:ext>
+                </a:extLst>
+              </a:tr>
+            </a:tbl>
+          </a:graphicData>
+        </a:graphic>
+      </p:graphicFrame>
+      <p:pic>
+        <p:nvPicPr>
+          <p:cNvPr id="6" name="Picture 5">
+            <a:extLst>
+              <a:ext uri="{FF2B5EF4-FFF2-40B4-BE49-F238E27FC236}">
+                <a16:creationId xmlns:a16="http://schemas.microsoft.com/office/drawing/2014/main" id="{361A614F-C7B5-430A-8978-8BA420BADB50}"/>
+              </a:ext>
+            </a:extLst>
+          </p:cNvPr>
+          <p:cNvPicPr>
+            <a:picLocks noChangeAspect="1"/>
+          </p:cNvPicPr>
+          <p:nvPr/>
+        </p:nvPicPr>
+        <p:blipFill>
+          <a:blip r:embed="rId4"/>
+          <a:stretch>
+            <a:fillRect/>
+          </a:stretch>
+        </p:blipFill>
+        <p:spPr>
+          <a:xfrm>
+            <a:off x="6839761" y="10887"/>
+            <a:ext cx="5562600" cy="2075949"/>
+          </a:xfrm>
+          <a:prstGeom prst="rect">
+            <a:avLst/>
+          </a:prstGeom>
+        </p:spPr>
+      </p:pic>
+      <p:pic>
+        <p:nvPicPr>
+          <p:cNvPr id="8" name="Picture 7">
+            <a:extLst>
+              <a:ext uri="{FF2B5EF4-FFF2-40B4-BE49-F238E27FC236}">
+                <a16:creationId xmlns:a16="http://schemas.microsoft.com/office/drawing/2014/main" id="{C432C663-A293-4D22-994E-CF40846D359E}"/>
+              </a:ext>
+            </a:extLst>
+          </p:cNvPr>
+          <p:cNvPicPr>
+            <a:picLocks noChangeAspect="1"/>
+          </p:cNvPicPr>
+          <p:nvPr/>
+        </p:nvPicPr>
+        <p:blipFill>
+          <a:blip r:embed="rId5"/>
+          <a:stretch>
+            <a:fillRect/>
+          </a:stretch>
+        </p:blipFill>
+        <p:spPr>
+          <a:xfrm>
+            <a:off x="7604883" y="973318"/>
+            <a:ext cx="4838735" cy="6010319"/>
+          </a:xfrm>
+          <a:prstGeom prst="rect">
+            <a:avLst/>
+          </a:prstGeom>
+        </p:spPr>
+      </p:pic>
+      <p:pic>
+        <p:nvPicPr>
+          <p:cNvPr id="10" name="Picture 9">
+            <a:extLst>
+              <a:ext uri="{FF2B5EF4-FFF2-40B4-BE49-F238E27FC236}">
+                <a16:creationId xmlns:a16="http://schemas.microsoft.com/office/drawing/2014/main" id="{C7BA6AE7-CD24-4735-B21B-15E7F4030BAE}"/>
+              </a:ext>
+            </a:extLst>
+          </p:cNvPr>
+          <p:cNvPicPr>
+            <a:picLocks noChangeAspect="1"/>
+          </p:cNvPicPr>
+          <p:nvPr/>
+        </p:nvPicPr>
+        <p:blipFill>
+          <a:blip r:embed="rId6"/>
+          <a:stretch>
+            <a:fillRect/>
+          </a:stretch>
+        </p:blipFill>
+        <p:spPr>
+          <a:xfrm>
+            <a:off x="7612027" y="973319"/>
+            <a:ext cx="4824448" cy="6010319"/>
+          </a:xfrm>
+          <a:prstGeom prst="rect">
+            <a:avLst/>
+          </a:prstGeom>
+        </p:spPr>
+      </p:pic>
+    </p:spTree>
+    <p:extLst>
+      <p:ext uri="{BB962C8B-B14F-4D97-AF65-F5344CB8AC3E}">
+        <p14:creationId xmlns:p14="http://schemas.microsoft.com/office/powerpoint/2010/main" val="1639586210"/>
+      </p:ext>
+    </p:extLst>
+  </p:cSld>
+  <p:clrMapOvr>
+    <a:masterClrMapping/>
+  </p:clrMapOvr>
+  <p:transition>
+    <p:fade/>
+  </p:transition>
+  <p:timing>
+    <p:tnLst>
+      <p:par>
+        <p:cTn id="1" dur="indefinite" restart="never" nodeType="tmRoot">
+          <p:childTnLst>
+            <p:seq concurrent="1" nextAc="seek">
+              <p:cTn id="2" dur="indefinite" nodeType="mainSeq">
+                <p:childTnLst>
+                  <p:par>
+                    <p:cTn id="3" fill="hold">
+                      <p:stCondLst>
+                        <p:cond delay="indefinite"/>
+                        <p:cond evt="onBegin" delay="0">
+                          <p:tn val="2"/>
+                        </p:cond>
+                      </p:stCondLst>
+                      <p:childTnLst>
+                        <p:par>
+                          <p:cTn id="4" fill="hold">
+                            <p:stCondLst>
+                              <p:cond delay="0"/>
+                            </p:stCondLst>
+                            <p:childTnLst>
+                              <p:par>
+                                <p:cTn id="5" presetID="1" presetClass="exit" presetSubtype="0" fill="hold" nodeType="withEffect">
+                                  <p:stCondLst>
+                                    <p:cond delay="0"/>
+                                  </p:stCondLst>
+                                  <p:childTnLst>
+                                    <p:set>
+                                      <p:cBhvr>
+                                        <p:cTn id="6" dur="1" fill="hold">
+                                          <p:stCondLst>
+                                            <p:cond delay="0"/>
+                                          </p:stCondLst>
+                                        </p:cTn>
+                                        <p:tgtEl>
+                                          <p:spTgt spid="6"/>
+                                        </p:tgtEl>
+                                        <p:attrNameLst>
+                                          <p:attrName>style.visibility</p:attrName>
+                                        </p:attrNameLst>
+                                      </p:cBhvr>
+                                      <p:to>
+                                        <p:strVal val="hidden"/>
+                                      </p:to>
+                                    </p:set>
+                                  </p:childTnLst>
+                                </p:cTn>
+                              </p:par>
+                              <p:par>
+                                <p:cTn id="7" presetID="1" presetClass="exit" presetSubtype="0" fill="hold" nodeType="withEffect">
+                                  <p:stCondLst>
+                                    <p:cond delay="0"/>
+                                  </p:stCondLst>
+                                  <p:childTnLst>
+                                    <p:set>
+                                      <p:cBhvr>
+                                        <p:cTn id="8" dur="1" fill="hold">
+                                          <p:stCondLst>
+                                            <p:cond delay="0"/>
+                                          </p:stCondLst>
+                                        </p:cTn>
+                                        <p:tgtEl>
+                                          <p:spTgt spid="8"/>
+                                        </p:tgtEl>
+                                        <p:attrNameLst>
+                                          <p:attrName>style.visibility</p:attrName>
+                                        </p:attrNameLst>
+                                      </p:cBhvr>
+                                      <p:to>
+                                        <p:strVal val="hidden"/>
+                                      </p:to>
+                                    </p:set>
+                                  </p:childTnLst>
+                                </p:cTn>
+                              </p:par>
+                              <p:par>
+                                <p:cTn id="9" presetID="1" presetClass="exit" presetSubtype="0" fill="hold" nodeType="withEffect">
+                                  <p:stCondLst>
+                                    <p:cond delay="0"/>
+                                  </p:stCondLst>
+                                  <p:childTnLst>
+                                    <p:set>
+                                      <p:cBhvr>
+                                        <p:cTn id="10" dur="1" fill="hold">
+                                          <p:stCondLst>
+                                            <p:cond delay="0"/>
+                                          </p:stCondLst>
+                                        </p:cTn>
+                                        <p:tgtEl>
+                                          <p:spTgt spid="10"/>
+                                        </p:tgtEl>
+                                        <p:attrNameLst>
+                                          <p:attrName>style.visibility</p:attrName>
+                                        </p:attrNameLst>
+                                      </p:cBhvr>
+                                      <p:to>
+                                        <p:strVal val="hidden"/>
+                                      </p:to>
+                                    </p:set>
+                                  </p:childTnLst>
+                                </p:cTn>
+                              </p:par>
+                            </p:childTnLst>
+                          </p:cTn>
+                        </p:par>
+                      </p:childTnLst>
+                    </p:cTn>
+                  </p:par>
+                  <p:par>
+                    <p:cTn id="11" fill="hold">
+                      <p:stCondLst>
+                        <p:cond delay="indefinite"/>
+                      </p:stCondLst>
+                      <p:childTnLst>
+                        <p:par>
+                          <p:cTn id="12" fill="hold">
+                            <p:stCondLst>
+                              <p:cond delay="0"/>
+                            </p:stCondLst>
+                            <p:childTnLst>
+                              <p:par>
+                                <p:cTn id="13" presetID="1" presetClass="entr" presetSubtype="0" fill="hold" nodeType="clickEffect">
+                                  <p:stCondLst>
+                                    <p:cond delay="0"/>
+                                  </p:stCondLst>
+                                  <p:childTnLst>
+                                    <p:set>
+                                      <p:cBhvr>
+                                        <p:cTn id="14" dur="1" fill="hold">
+                                          <p:stCondLst>
+                                            <p:cond delay="0"/>
+                                          </p:stCondLst>
+                                        </p:cTn>
+                                        <p:tgtEl>
+                                          <p:spTgt spid="10"/>
+                                        </p:tgtEl>
+                                        <p:attrNameLst>
+                                          <p:attrName>style.visibility</p:attrName>
+                                        </p:attrNameLst>
+                                      </p:cBhvr>
+                                      <p:to>
+                                        <p:strVal val="visible"/>
+                                      </p:to>
+                                    </p:set>
+                                  </p:childTnLst>
+                                </p:cTn>
+                              </p:par>
+                            </p:childTnLst>
+                          </p:cTn>
+                        </p:par>
+                      </p:childTnLst>
+                    </p:cTn>
+                  </p:par>
+                  <p:par>
+                    <p:cTn id="15" fill="hold">
+                      <p:stCondLst>
+                        <p:cond delay="indefinite"/>
+                      </p:stCondLst>
+                      <p:childTnLst>
+                        <p:par>
+                          <p:cTn id="16" fill="hold">
+                            <p:stCondLst>
+                              <p:cond delay="0"/>
+                            </p:stCondLst>
+                            <p:childTnLst>
+                              <p:par>
+                                <p:cTn id="17" presetID="1" presetClass="entr" presetSubtype="0" fill="hold" nodeType="clickEffect">
+                                  <p:stCondLst>
+                                    <p:cond delay="0"/>
+                                  </p:stCondLst>
+                                  <p:childTnLst>
+                                    <p:set>
+                                      <p:cBhvr>
+                                        <p:cTn id="18" dur="1" fill="hold">
+                                          <p:stCondLst>
+                                            <p:cond delay="0"/>
+                                          </p:stCondLst>
+                                        </p:cTn>
+                                        <p:tgtEl>
+                                          <p:spTgt spid="8"/>
+                                        </p:tgtEl>
+                                        <p:attrNameLst>
+                                          <p:attrName>style.visibility</p:attrName>
+                                        </p:attrNameLst>
+                                      </p:cBhvr>
+                                      <p:to>
+                                        <p:strVal val="visible"/>
+                                      </p:to>
+                                    </p:set>
+                                  </p:childTnLst>
+                                </p:cTn>
+                              </p:par>
+                              <p:par>
+                                <p:cTn id="19" presetID="1" presetClass="exit" presetSubtype="0" fill="hold" nodeType="withEffect">
+                                  <p:stCondLst>
+                                    <p:cond delay="0"/>
+                                  </p:stCondLst>
+                                  <p:childTnLst>
+                                    <p:set>
+                                      <p:cBhvr>
+                                        <p:cTn id="20" dur="1" fill="hold">
+                                          <p:stCondLst>
+                                            <p:cond delay="0"/>
+                                          </p:stCondLst>
+                                        </p:cTn>
+                                        <p:tgtEl>
+                                          <p:spTgt spid="10"/>
+                                        </p:tgtEl>
+                                        <p:attrNameLst>
+                                          <p:attrName>style.visibility</p:attrName>
+                                        </p:attrNameLst>
+                                      </p:cBhvr>
+                                      <p:to>
+                                        <p:strVal val="hidden"/>
+                                      </p:to>
+                                    </p:set>
+                                  </p:childTnLst>
+                                </p:cTn>
+                              </p:par>
+                            </p:childTnLst>
+                          </p:cTn>
+                        </p:par>
+                      </p:childTnLst>
+                    </p:cTn>
+                  </p:par>
+                  <p:par>
+                    <p:cTn id="21" fill="hold">
+                      <p:stCondLst>
+                        <p:cond delay="indefinite"/>
+                      </p:stCondLst>
+                      <p:childTnLst>
+                        <p:par>
+                          <p:cTn id="22" fill="hold">
+                            <p:stCondLst>
+                              <p:cond delay="0"/>
+                            </p:stCondLst>
+                            <p:childTnLst>
+                              <p:par>
+                                <p:cTn id="23" presetID="1" presetClass="entr" presetSubtype="0" fill="hold" nodeType="clickEffect">
+                                  <p:stCondLst>
+                                    <p:cond delay="0"/>
+                                  </p:stCondLst>
+                                  <p:childTnLst>
+                                    <p:set>
+                                      <p:cBhvr>
+                                        <p:cTn id="24" dur="1" fill="hold">
+                                          <p:stCondLst>
+                                            <p:cond delay="0"/>
+                                          </p:stCondLst>
+                                        </p:cTn>
+                                        <p:tgtEl>
+                                          <p:spTgt spid="12"/>
+                                        </p:tgtEl>
+                                        <p:attrNameLst>
+                                          <p:attrName>style.visibility</p:attrName>
+                                        </p:attrNameLst>
+                                      </p:cBhvr>
+                                      <p:to>
+                                        <p:strVal val="visible"/>
+                                      </p:to>
+                                    </p:set>
+                                  </p:childTnLst>
+                                </p:cTn>
+                              </p:par>
+                              <p:par>
+                                <p:cTn id="25" presetID="1" presetClass="exit" presetSubtype="0" fill="hold" nodeType="withEffect">
+                                  <p:stCondLst>
+                                    <p:cond delay="0"/>
+                                  </p:stCondLst>
+                                  <p:childTnLst>
+                                    <p:set>
+                                      <p:cBhvr>
+                                        <p:cTn id="26" dur="1" fill="hold">
+                                          <p:stCondLst>
+                                            <p:cond delay="0"/>
+                                          </p:stCondLst>
+                                        </p:cTn>
+                                        <p:tgtEl>
+                                          <p:spTgt spid="8"/>
+                                        </p:tgtEl>
+                                        <p:attrNameLst>
+                                          <p:attrName>style.visibility</p:attrName>
+                                        </p:attrNameLst>
+                                      </p:cBhvr>
+                                      <p:to>
+                                        <p:strVal val="hidden"/>
+                                      </p:to>
+                                    </p:set>
+                                  </p:childTnLst>
+                                </p:cTn>
+                              </p:par>
+                            </p:childTnLst>
+                          </p:cTn>
+                        </p:par>
+                      </p:childTnLst>
+                    </p:cTn>
+                  </p:par>
+                </p:childTnLst>
+              </p:cTn>
+              <p:prevCondLst>
+                <p:cond evt="onPrev" delay="0">
+                  <p:tgtEl>
+                    <p:sldTgt/>
+                  </p:tgtEl>
+                </p:cond>
+              </p:prevCondLst>
+              <p:nextCondLst>
+                <p:cond evt="onNext" delay="0">
+                  <p:tgtEl>
+                    <p:sldTgt/>
+                  </p:tgtEl>
+                </p:cond>
+              </p:nextCondLst>
+            </p:seq>
+          </p:childTnLst>
+        </p:cTn>
+      </p:par>
+    </p:tnLst>
+  </p:timing>
+</p:sld>
+</file>
+
+<file path=ppt/slides/slide14.xml><?xml version="1.0" encoding="utf-8"?>
+<p:sld xmlns:a="http://schemas.openxmlformats.org/drawingml/2006/main" xmlns:r="http://schemas.openxmlformats.org/officeDocument/2006/relationships" xmlns:p="http://schemas.openxmlformats.org/presentationml/2006/main">
+  <p:cSld>
+    <p:spTree>
+      <p:nvGrpSpPr>
+        <p:cNvPr id="1" name=""/>
+        <p:cNvGrpSpPr/>
+        <p:nvPr/>
+      </p:nvGrpSpPr>
+      <p:grpSpPr>
+        <a:xfrm>
+          <a:off x="0" y="0"/>
+          <a:ext cx="0" cy="0"/>
+          <a:chOff x="0" y="0"/>
+          <a:chExt cx="0" cy="0"/>
+        </a:xfrm>
+      </p:grpSpPr>
+      <p:sp>
+        <p:nvSpPr>
+          <p:cNvPr id="2" name="Text Placeholder 1">
+            <a:extLst>
+              <a:ext uri="{FF2B5EF4-FFF2-40B4-BE49-F238E27FC236}">
+                <a16:creationId xmlns:a16="http://schemas.microsoft.com/office/drawing/2014/main" id="{21D9B8EA-3F1B-4EFC-A919-3E88165466E2}"/>
+              </a:ext>
+            </a:extLst>
+          </p:cNvPr>
+          <p:cNvSpPr>
+            <a:spLocks noGrp="1"/>
+          </p:cNvSpPr>
+          <p:nvPr>
+            <p:ph type="body" sz="quarter" idx="10"/>
+          </p:nvPr>
+        </p:nvSpPr>
+        <p:spPr>
+          <a:xfrm>
+            <a:off x="274638" y="1212850"/>
+            <a:ext cx="11887200" cy="5632311"/>
+          </a:xfrm>
+        </p:spPr>
+        <p:txBody>
+          <a:bodyPr/>
+          <a:lstStyle/>
+          <a:p>
+            <a:r>
+              <a:rPr lang="en-US" dirty="0"/>
+              <a:t>Command line tool used to execute a package from </a:t>
+            </a:r>
+          </a:p>
+          <a:p>
+            <a:pPr lvl="1"/>
+            <a:r>
+              <a:rPr lang="en-US" dirty="0"/>
+              <a:t>.</a:t>
+            </a:r>
+            <a:r>
+              <a:rPr lang="en-US" dirty="0" err="1"/>
+              <a:t>ispac</a:t>
+            </a:r>
+            <a:r>
+              <a:rPr lang="en-US" dirty="0"/>
+              <a:t> project file</a:t>
+            </a:r>
+          </a:p>
+          <a:p>
+            <a:pPr lvl="1"/>
+            <a:r>
+              <a:rPr lang="en-US" dirty="0"/>
+              <a:t>.</a:t>
+            </a:r>
+            <a:r>
+              <a:rPr lang="en-US" dirty="0" err="1"/>
+              <a:t>dtsx</a:t>
+            </a:r>
+            <a:r>
+              <a:rPr lang="en-US" dirty="0"/>
+              <a:t> File system</a:t>
+            </a:r>
+          </a:p>
+          <a:p>
+            <a:pPr lvl="1"/>
+            <a:r>
+              <a:rPr lang="en-US" dirty="0" err="1"/>
+              <a:t>Msdb</a:t>
+            </a:r>
+            <a:r>
+              <a:rPr lang="en-US" dirty="0"/>
+              <a:t> </a:t>
+            </a:r>
+          </a:p>
+          <a:p>
+            <a:pPr lvl="1"/>
+            <a:r>
+              <a:rPr lang="en-US" dirty="0" err="1"/>
+              <a:t>Ssisdb</a:t>
+            </a:r>
+            <a:r>
+              <a:rPr lang="en-US" dirty="0"/>
+              <a:t> </a:t>
+            </a:r>
+          </a:p>
+          <a:p>
+            <a:r>
+              <a:rPr lang="en-US" dirty="0"/>
+              <a:t>Command line arguments used to configure parameters, connections, properties, variables, logging for execution</a:t>
+            </a:r>
+          </a:p>
+          <a:p>
+            <a:r>
+              <a:rPr lang="en-US" dirty="0"/>
+              <a:t>Temporarily upgrades older packages for execution (but not saved)</a:t>
+            </a:r>
+          </a:p>
+          <a:p>
+            <a:r>
+              <a:rPr lang="en-US" dirty="0"/>
+              <a:t>“</a:t>
+            </a:r>
+            <a:r>
+              <a:rPr lang="en-US" i="1" dirty="0"/>
+              <a:t>SQL Server Integration Services Package</a:t>
+            </a:r>
+            <a:r>
+              <a:rPr lang="en-US" dirty="0"/>
+              <a:t>” SQL Job Step will call this executable to run the package </a:t>
+            </a:r>
+          </a:p>
+        </p:txBody>
+      </p:sp>
+      <p:sp>
+        <p:nvSpPr>
+          <p:cNvPr id="3" name="Title 2">
+            <a:extLst>
+              <a:ext uri="{FF2B5EF4-FFF2-40B4-BE49-F238E27FC236}">
+                <a16:creationId xmlns:a16="http://schemas.microsoft.com/office/drawing/2014/main" id="{1BA4342A-4073-4558-A48D-2B2757E1023D}"/>
+              </a:ext>
+            </a:extLst>
+          </p:cNvPr>
+          <p:cNvSpPr>
+            <a:spLocks noGrp="1"/>
+          </p:cNvSpPr>
+          <p:nvPr>
+            <p:ph type="title"/>
+          </p:nvPr>
+        </p:nvSpPr>
+        <p:spPr/>
+        <p:txBody>
+          <a:bodyPr/>
+          <a:lstStyle/>
+          <a:p>
+            <a:r>
+              <a:rPr lang="en-US" dirty="0">
+                <a:hlinkClick r:id="rId3"/>
+              </a:rPr>
+              <a:t>dtexec.exe</a:t>
+            </a:r>
+            <a:endParaRPr lang="en-US" dirty="0"/>
+          </a:p>
+        </p:txBody>
+      </p:sp>
+    </p:spTree>
+    <p:extLst>
+      <p:ext uri="{BB962C8B-B14F-4D97-AF65-F5344CB8AC3E}">
+        <p14:creationId xmlns:p14="http://schemas.microsoft.com/office/powerpoint/2010/main" val="3453474383"/>
+      </p:ext>
+    </p:extLst>
+  </p:cSld>
+  <p:clrMapOvr>
+    <a:masterClrMapping/>
+  </p:clrMapOvr>
+  <p:transition>
+    <p:fade/>
+  </p:transition>
+</p:sld>
+</file>
+
+<file path=ppt/slides/slide15.xml><?xml version="1.0" encoding="utf-8"?>
+<p:sld xmlns:a="http://schemas.openxmlformats.org/drawingml/2006/main" xmlns:r="http://schemas.openxmlformats.org/officeDocument/2006/relationships" xmlns:p="http://schemas.openxmlformats.org/presentationml/2006/main">
+  <p:cSld>
+    <p:spTree>
+      <p:nvGrpSpPr>
+        <p:cNvPr id="1" name=""/>
+        <p:cNvGrpSpPr/>
+        <p:nvPr/>
+      </p:nvGrpSpPr>
+      <p:grpSpPr>
+        <a:xfrm>
+          <a:off x="0" y="0"/>
+          <a:ext cx="0" cy="0"/>
+          <a:chOff x="0" y="0"/>
+          <a:chExt cx="0" cy="0"/>
+        </a:xfrm>
+      </p:grpSpPr>
+      <p:sp>
+        <p:nvSpPr>
+          <p:cNvPr id="2" name="Text Placeholder 1">
+            <a:extLst>
+              <a:ext uri="{FF2B5EF4-FFF2-40B4-BE49-F238E27FC236}">
+                <a16:creationId xmlns:a16="http://schemas.microsoft.com/office/drawing/2014/main" id="{21D9B8EA-3F1B-4EFC-A919-3E88165466E2}"/>
+              </a:ext>
+            </a:extLst>
+          </p:cNvPr>
+          <p:cNvSpPr>
+            <a:spLocks noGrp="1"/>
+          </p:cNvSpPr>
+          <p:nvPr>
+            <p:ph type="body" sz="quarter" idx="10"/>
+          </p:nvPr>
+        </p:nvSpPr>
+        <p:spPr>
+          <a:xfrm>
+            <a:off x="274638" y="1212850"/>
+            <a:ext cx="6553199" cy="1979612"/>
+          </a:xfrm>
+        </p:spPr>
+        <p:txBody>
+          <a:bodyPr/>
+          <a:lstStyle/>
+          <a:p>
+            <a:r>
+              <a:rPr lang="en-US" dirty="0"/>
+              <a:t>to install 32-bit , you must install Client Tools or SQL Server Data Tools (SSDT) </a:t>
+            </a:r>
+          </a:p>
+        </p:txBody>
+      </p:sp>
+      <p:sp>
+        <p:nvSpPr>
+          <p:cNvPr id="3" name="Title 2">
+            <a:extLst>
+              <a:ext uri="{FF2B5EF4-FFF2-40B4-BE49-F238E27FC236}">
+                <a16:creationId xmlns:a16="http://schemas.microsoft.com/office/drawing/2014/main" id="{1BA4342A-4073-4558-A48D-2B2757E1023D}"/>
+              </a:ext>
+            </a:extLst>
+          </p:cNvPr>
+          <p:cNvSpPr>
+            <a:spLocks noGrp="1"/>
+          </p:cNvSpPr>
+          <p:nvPr>
+            <p:ph type="title"/>
+          </p:nvPr>
+        </p:nvSpPr>
+        <p:spPr/>
+        <p:txBody>
+          <a:bodyPr/>
+          <a:lstStyle/>
+          <a:p>
+            <a:r>
+              <a:rPr lang="en-US" dirty="0"/>
+              <a:t>dtexec.exe     32-bit vs 64-bit</a:t>
+            </a:r>
+          </a:p>
+        </p:txBody>
+      </p:sp>
+      <p:graphicFrame>
+        <p:nvGraphicFramePr>
+          <p:cNvPr id="4" name="Table 3">
+            <a:extLst>
+              <a:ext uri="{FF2B5EF4-FFF2-40B4-BE49-F238E27FC236}">
+                <a16:creationId xmlns:a16="http://schemas.microsoft.com/office/drawing/2014/main" id="{E26CB3CA-E134-4287-A902-7E031BF9609A}"/>
+              </a:ext>
+            </a:extLst>
+          </p:cNvPr>
+          <p:cNvGraphicFramePr>
+            <a:graphicFrameLocks noGrp="1"/>
+          </p:cNvGraphicFramePr>
+          <p:nvPr/>
+        </p:nvGraphicFramePr>
+        <p:xfrm>
+          <a:off x="567563" y="3040062"/>
+          <a:ext cx="6172200" cy="3398520"/>
+        </p:xfrm>
+        <a:graphic>
+          <a:graphicData uri="http://schemas.openxmlformats.org/drawingml/2006/table">
+            <a:tbl>
+              <a:tblPr firstRow="1" bandRow="1">
+                <a:tableStyleId>{F5AB1C69-6EDB-4FF4-983F-18BD219EF322}</a:tableStyleId>
+              </a:tblPr>
+              <a:tblGrid>
+                <a:gridCol w="1167714">
+                  <a:extLst>
+                    <a:ext uri="{9D8B030D-6E8A-4147-A177-3AD203B41FA5}">
+                      <a16:colId xmlns:a16="http://schemas.microsoft.com/office/drawing/2014/main" val="3197108886"/>
+                    </a:ext>
+                  </a:extLst>
+                </a:gridCol>
+                <a:gridCol w="5004486">
+                  <a:extLst>
+                    <a:ext uri="{9D8B030D-6E8A-4147-A177-3AD203B41FA5}">
+                      <a16:colId xmlns:a16="http://schemas.microsoft.com/office/drawing/2014/main" val="346103913"/>
+                    </a:ext>
+                  </a:extLst>
+                </a:gridCol>
+              </a:tblGrid>
+              <a:tr h="715409">
+                <a:tc>
+                  <a:txBody>
+                    <a:bodyPr/>
+                    <a:lstStyle/>
+                    <a:p>
+                      <a:r>
+                        <a:rPr lang="en-CA" dirty="0"/>
+                        <a:t>Version</a:t>
+                      </a:r>
+                      <a:endParaRPr lang="en-US" dirty="0"/>
+                    </a:p>
+                  </a:txBody>
+                  <a:tcPr/>
+                </a:tc>
+                <a:tc>
+                  <a:txBody>
+                    <a:bodyPr/>
+                    <a:lstStyle/>
+                    <a:p>
+                      <a:r>
+                        <a:rPr lang="en-CA" dirty="0"/>
+                        <a:t>Executable Location</a:t>
+                      </a:r>
+                      <a:endParaRPr lang="en-US" dirty="0"/>
+                    </a:p>
+                  </a:txBody>
+                  <a:tcPr/>
+                </a:tc>
+                <a:extLst>
+                  <a:ext uri="{0D108BD9-81ED-4DB2-BD59-A6C34878D82A}">
+                    <a16:rowId xmlns:a16="http://schemas.microsoft.com/office/drawing/2014/main" val="171644004"/>
+                  </a:ext>
+                </a:extLst>
+              </a:tr>
+              <a:tr h="715409">
+                <a:tc>
+                  <a:txBody>
+                    <a:bodyPr/>
+                    <a:lstStyle/>
+                    <a:p>
+                      <a:r>
+                        <a:rPr lang="en-CA" dirty="0"/>
+                        <a:t>64-bit</a:t>
+                      </a:r>
+                      <a:endParaRPr lang="en-US" dirty="0"/>
+                    </a:p>
+                  </a:txBody>
+                  <a:tcPr/>
+                </a:tc>
+                <a:tc>
+                  <a:txBody>
+                    <a:bodyPr/>
+                    <a:lstStyle/>
+                    <a:p>
+                      <a:r>
+                        <a:rPr lang="nn-NO" i="1" dirty="0"/>
+                        <a:t>C:\Program Files\Microsoft SQL Server\150\DTS\Binn\</a:t>
+                      </a:r>
+                      <a:endParaRPr lang="en-CA" dirty="0"/>
+                    </a:p>
+                  </a:txBody>
+                  <a:tcPr/>
+                </a:tc>
+                <a:extLst>
+                  <a:ext uri="{0D108BD9-81ED-4DB2-BD59-A6C34878D82A}">
+                    <a16:rowId xmlns:a16="http://schemas.microsoft.com/office/drawing/2014/main" val="3185986008"/>
+                  </a:ext>
+                </a:extLst>
+              </a:tr>
+              <a:tr h="778982">
+                <a:tc rowSpan="2">
+                  <a:txBody>
+                    <a:bodyPr/>
+                    <a:lstStyle/>
+                    <a:p>
+                      <a:r>
+                        <a:rPr lang="en-CA" dirty="0"/>
+                        <a:t>32-bit</a:t>
+                      </a:r>
+                      <a:endParaRPr lang="en-US" dirty="0"/>
+                    </a:p>
+                  </a:txBody>
+                  <a:tcPr/>
+                </a:tc>
+                <a:tc>
+                  <a:txBody>
+                    <a:bodyPr/>
+                    <a:lstStyle/>
+                    <a:p>
+                      <a:r>
+                        <a:rPr lang="nn-NO" sz="1800" b="0" i="0" kern="1200" dirty="0">
+                          <a:solidFill>
+                            <a:schemeClr val="dk1"/>
+                          </a:solidFill>
+                          <a:effectLst/>
+                          <a:latin typeface="+mn-lt"/>
+                          <a:ea typeface="+mn-ea"/>
+                          <a:cs typeface="+mn-cs"/>
+                        </a:rPr>
+                        <a:t>C:\Program Files (</a:t>
+                      </a:r>
+                      <a:r>
+                        <a:rPr lang="nn-NO" sz="1800" b="1" i="0" kern="1200" dirty="0">
+                          <a:solidFill>
+                            <a:schemeClr val="dk1"/>
+                          </a:solidFill>
+                          <a:effectLst/>
+                          <a:latin typeface="+mn-lt"/>
+                          <a:ea typeface="+mn-ea"/>
+                          <a:cs typeface="+mn-cs"/>
+                        </a:rPr>
+                        <a:t>x86</a:t>
+                      </a:r>
+                      <a:r>
+                        <a:rPr lang="nn-NO" sz="1800" b="0" i="0" kern="1200" dirty="0">
+                          <a:solidFill>
+                            <a:schemeClr val="dk1"/>
+                          </a:solidFill>
+                          <a:effectLst/>
+                          <a:latin typeface="+mn-lt"/>
+                          <a:ea typeface="+mn-ea"/>
+                          <a:cs typeface="+mn-cs"/>
+                        </a:rPr>
+                        <a:t>)\Microsoft SQL Server\150\DTS\Binn\</a:t>
+                      </a:r>
+                    </a:p>
+                  </a:txBody>
+                  <a:tcPr/>
+                </a:tc>
+                <a:extLst>
+                  <a:ext uri="{0D108BD9-81ED-4DB2-BD59-A6C34878D82A}">
+                    <a16:rowId xmlns:a16="http://schemas.microsoft.com/office/drawing/2014/main" val="1964476004"/>
+                  </a:ext>
+                </a:extLst>
+              </a:tr>
+              <a:tr h="1005840">
+                <a:tc vMerge="1">
+                  <a:txBody>
+                    <a:bodyPr/>
+                    <a:lstStyle/>
+                    <a:p>
+                      <a:endParaRPr lang="en-CA"/>
+                    </a:p>
+                  </a:txBody>
+                  <a:tcPr/>
+                </a:tc>
+                <a:tc>
+                  <a:txBody>
+                    <a:bodyPr/>
+                    <a:lstStyle/>
+                    <a:p>
+                      <a:pPr marL="0" marR="0" lvl="0" indent="0" algn="l" defTabSz="932742" rtl="0" eaLnBrk="1" fontAlgn="auto" latinLnBrk="0" hangingPunct="1">
+                        <a:lnSpc>
+                          <a:spcPct val="100000"/>
+                        </a:lnSpc>
+                        <a:spcBef>
+                          <a:spcPts val="0"/>
+                        </a:spcBef>
+                        <a:spcAft>
+                          <a:spcPts val="0"/>
+                        </a:spcAft>
+                        <a:buClrTx/>
+                        <a:buSzTx/>
+                        <a:buFontTx/>
+                        <a:buNone/>
+                        <a:tabLst/>
+                        <a:defRPr/>
+                      </a:pPr>
+                      <a:r>
+                        <a:rPr lang="nn-NO" sz="1800" b="0" i="0" kern="1200" dirty="0">
+                          <a:solidFill>
+                            <a:schemeClr val="dk1"/>
+                          </a:solidFill>
+                          <a:effectLst/>
+                          <a:latin typeface="+mn-lt"/>
+                          <a:ea typeface="+mn-ea"/>
+                          <a:cs typeface="+mn-cs"/>
+                        </a:rPr>
+                        <a:t>C:\Program Files (</a:t>
+                      </a:r>
+                      <a:r>
+                        <a:rPr lang="nn-NO" sz="1800" b="1" i="0" kern="1200" dirty="0">
+                          <a:solidFill>
+                            <a:schemeClr val="dk1"/>
+                          </a:solidFill>
+                          <a:effectLst/>
+                          <a:latin typeface="+mn-lt"/>
+                          <a:ea typeface="+mn-ea"/>
+                          <a:cs typeface="+mn-cs"/>
+                        </a:rPr>
+                        <a:t>x86</a:t>
+                      </a:r>
+                      <a:r>
+                        <a:rPr lang="nn-NO" sz="1800" b="0" i="0" kern="1200" dirty="0">
+                          <a:solidFill>
+                            <a:schemeClr val="dk1"/>
+                          </a:solidFill>
+                          <a:effectLst/>
+                          <a:latin typeface="+mn-lt"/>
+                          <a:ea typeface="+mn-ea"/>
+                          <a:cs typeface="+mn-cs"/>
+                        </a:rPr>
+                        <a:t>)\Microsoft SQL Server Management Studio 18\Common7\IDE\CommonExtensions\Microsoft\SSIS\150\Binn\</a:t>
+                      </a:r>
+                      <a:endParaRPr lang="en-US" dirty="0"/>
+                    </a:p>
+                  </a:txBody>
+                  <a:tcPr/>
+                </a:tc>
+                <a:extLst>
+                  <a:ext uri="{0D108BD9-81ED-4DB2-BD59-A6C34878D82A}">
+                    <a16:rowId xmlns:a16="http://schemas.microsoft.com/office/drawing/2014/main" val="2056106128"/>
+                  </a:ext>
+                </a:extLst>
+              </a:tr>
+            </a:tbl>
+          </a:graphicData>
+        </a:graphic>
+      </p:graphicFrame>
+      <p:pic>
+        <p:nvPicPr>
+          <p:cNvPr id="7" name="Picture 6">
+            <a:extLst>
+              <a:ext uri="{FF2B5EF4-FFF2-40B4-BE49-F238E27FC236}">
+                <a16:creationId xmlns:a16="http://schemas.microsoft.com/office/drawing/2014/main" id="{DF400E7D-D22C-4D30-8995-9E1F5F55C0E5}"/>
+              </a:ext>
+            </a:extLst>
+          </p:cNvPr>
+          <p:cNvPicPr>
+            <a:picLocks noChangeAspect="1"/>
+          </p:cNvPicPr>
+          <p:nvPr/>
+        </p:nvPicPr>
+        <p:blipFill>
+          <a:blip r:embed="rId3"/>
+          <a:stretch>
+            <a:fillRect/>
+          </a:stretch>
+        </p:blipFill>
+        <p:spPr>
+          <a:xfrm>
+            <a:off x="6867841" y="1744662"/>
+            <a:ext cx="4969391" cy="4826318"/>
+          </a:xfrm>
+          <a:prstGeom prst="rect">
+            <a:avLst/>
+          </a:prstGeom>
+        </p:spPr>
+      </p:pic>
+    </p:spTree>
+    <p:extLst>
+      <p:ext uri="{BB962C8B-B14F-4D97-AF65-F5344CB8AC3E}">
+        <p14:creationId xmlns:p14="http://schemas.microsoft.com/office/powerpoint/2010/main" val="786868606"/>
+      </p:ext>
+    </p:extLst>
+  </p:cSld>
+  <p:clrMapOvr>
+    <a:masterClrMapping/>
+  </p:clrMapOvr>
+  <p:transition>
+    <p:fade/>
+  </p:transition>
+</p:sld>
+</file>
+
+<file path=ppt/slides/slide16.xml><?xml version="1.0" encoding="utf-8"?>
+<p:sld xmlns:a="http://schemas.openxmlformats.org/drawingml/2006/main" xmlns:r="http://schemas.openxmlformats.org/officeDocument/2006/relationships" xmlns:p="http://schemas.openxmlformats.org/presentationml/2006/main">
+  <p:cSld>
+    <p:spTree>
+      <p:nvGrpSpPr>
+        <p:cNvPr id="1" name=""/>
+        <p:cNvGrpSpPr/>
+        <p:nvPr/>
+      </p:nvGrpSpPr>
+      <p:grpSpPr>
+        <a:xfrm>
+          <a:off x="0" y="0"/>
+          <a:ext cx="0" cy="0"/>
+          <a:chOff x="0" y="0"/>
+          <a:chExt cx="0" cy="0"/>
+        </a:xfrm>
+      </p:grpSpPr>
+      <p:sp>
+        <p:nvSpPr>
+          <p:cNvPr id="2" name="Text Placeholder 1">
+            <a:extLst>
+              <a:ext uri="{FF2B5EF4-FFF2-40B4-BE49-F238E27FC236}">
+                <a16:creationId xmlns:a16="http://schemas.microsoft.com/office/drawing/2014/main" id="{7275BE48-F737-4897-A7A9-6FB4286147CF}"/>
+              </a:ext>
+            </a:extLst>
+          </p:cNvPr>
+          <p:cNvSpPr>
+            <a:spLocks noGrp="1"/>
+          </p:cNvSpPr>
+          <p:nvPr>
+            <p:ph type="body" sz="quarter" idx="10"/>
+          </p:nvPr>
+        </p:nvSpPr>
+        <p:spPr>
+          <a:xfrm>
+            <a:off x="274638" y="1212850"/>
+            <a:ext cx="11887200" cy="1902059"/>
+          </a:xfrm>
+        </p:spPr>
+        <p:txBody>
+          <a:bodyPr/>
+          <a:lstStyle/>
+          <a:p>
+            <a:r>
+              <a:rPr lang="en-CA" dirty="0" err="1"/>
+              <a:t>Dtexec</a:t>
+            </a:r>
+            <a:r>
+              <a:rPr lang="en-CA" dirty="0"/>
+              <a:t> returns exit code </a:t>
+            </a:r>
+          </a:p>
+          <a:p>
+            <a:r>
+              <a:rPr lang="en-US" dirty="0"/>
+              <a:t>exit code is used to populate the ERRORLEVEL variable</a:t>
+            </a:r>
+            <a:endParaRPr lang="en-CA" dirty="0"/>
+          </a:p>
+          <a:p>
+            <a:endParaRPr lang="en-US" dirty="0"/>
+          </a:p>
+        </p:txBody>
+      </p:sp>
+      <p:sp>
+        <p:nvSpPr>
+          <p:cNvPr id="3" name="Title 2">
+            <a:extLst>
+              <a:ext uri="{FF2B5EF4-FFF2-40B4-BE49-F238E27FC236}">
+                <a16:creationId xmlns:a16="http://schemas.microsoft.com/office/drawing/2014/main" id="{4CAF33F7-E55D-4321-A15F-450FB2D9B799}"/>
+              </a:ext>
+            </a:extLst>
+          </p:cNvPr>
+          <p:cNvSpPr>
+            <a:spLocks noGrp="1"/>
+          </p:cNvSpPr>
+          <p:nvPr>
+            <p:ph type="title"/>
+          </p:nvPr>
+        </p:nvSpPr>
+        <p:spPr/>
+        <p:txBody>
+          <a:bodyPr/>
+          <a:lstStyle/>
+          <a:p>
+            <a:r>
+              <a:rPr lang="en-CA" dirty="0"/>
+              <a:t>dtexec.exe - Exit Codes</a:t>
+            </a:r>
+            <a:endParaRPr lang="en-US" dirty="0"/>
+          </a:p>
+        </p:txBody>
+      </p:sp>
+      <p:graphicFrame>
+        <p:nvGraphicFramePr>
+          <p:cNvPr id="4" name="Table 3">
+            <a:extLst>
+              <a:ext uri="{FF2B5EF4-FFF2-40B4-BE49-F238E27FC236}">
+                <a16:creationId xmlns:a16="http://schemas.microsoft.com/office/drawing/2014/main" id="{CE6B9280-4606-478D-BF94-BF83928DBA08}"/>
+              </a:ext>
+            </a:extLst>
+          </p:cNvPr>
+          <p:cNvGraphicFramePr>
+            <a:graphicFrameLocks noGrp="1"/>
+          </p:cNvGraphicFramePr>
+          <p:nvPr/>
+        </p:nvGraphicFramePr>
+        <p:xfrm>
+          <a:off x="427037" y="2735262"/>
+          <a:ext cx="10974848" cy="3677920"/>
+        </p:xfrm>
+        <a:graphic>
+          <a:graphicData uri="http://schemas.openxmlformats.org/drawingml/2006/table">
+            <a:tbl>
+              <a:tblPr firstRow="1" bandRow="1">
+                <a:tableStyleId>{F5AB1C69-6EDB-4FF4-983F-18BD219EF322}</a:tableStyleId>
+              </a:tblPr>
+              <a:tblGrid>
+                <a:gridCol w="1190034">
+                  <a:extLst>
+                    <a:ext uri="{9D8B030D-6E8A-4147-A177-3AD203B41FA5}">
+                      <a16:colId xmlns:a16="http://schemas.microsoft.com/office/drawing/2014/main" val="696221660"/>
+                    </a:ext>
+                  </a:extLst>
+                </a:gridCol>
+                <a:gridCol w="9784814">
+                  <a:extLst>
+                    <a:ext uri="{9D8B030D-6E8A-4147-A177-3AD203B41FA5}">
+                      <a16:colId xmlns:a16="http://schemas.microsoft.com/office/drawing/2014/main" val="1458078034"/>
+                    </a:ext>
+                  </a:extLst>
+                </a:gridCol>
+              </a:tblGrid>
+              <a:tr h="370840">
+                <a:tc>
+                  <a:txBody>
+                    <a:bodyPr/>
+                    <a:lstStyle/>
+                    <a:p>
+                      <a:r>
+                        <a:rPr lang="en-CA" dirty="0"/>
+                        <a:t>Exit Code Value</a:t>
+                      </a:r>
+                      <a:endParaRPr lang="en-US" dirty="0"/>
+                    </a:p>
+                  </a:txBody>
+                  <a:tcPr/>
+                </a:tc>
+                <a:tc>
+                  <a:txBody>
+                    <a:bodyPr/>
+                    <a:lstStyle/>
+                    <a:p>
+                      <a:r>
+                        <a:rPr lang="en-CA" dirty="0"/>
+                        <a:t>Description</a:t>
+                      </a:r>
+                      <a:endParaRPr lang="en-US" dirty="0"/>
+                    </a:p>
+                  </a:txBody>
+                  <a:tcPr/>
+                </a:tc>
+                <a:extLst>
+                  <a:ext uri="{0D108BD9-81ED-4DB2-BD59-A6C34878D82A}">
+                    <a16:rowId xmlns:a16="http://schemas.microsoft.com/office/drawing/2014/main" val="4270913549"/>
+                  </a:ext>
+                </a:extLst>
+              </a:tr>
+              <a:tr h="370840">
+                <a:tc>
+                  <a:txBody>
+                    <a:bodyPr/>
+                    <a:lstStyle/>
+                    <a:p>
+                      <a:r>
+                        <a:rPr lang="en-CA" dirty="0"/>
+                        <a:t>0</a:t>
+                      </a:r>
+                      <a:endParaRPr lang="en-US" dirty="0"/>
+                    </a:p>
+                  </a:txBody>
+                  <a:tcPr/>
+                </a:tc>
+                <a:tc>
+                  <a:txBody>
+                    <a:bodyPr/>
+                    <a:lstStyle/>
+                    <a:p>
+                      <a:r>
+                        <a:rPr lang="en-US" dirty="0"/>
+                        <a:t>The package executed </a:t>
+                      </a:r>
+                      <a:r>
+                        <a:rPr lang="en-US" b="1" dirty="0"/>
+                        <a:t>successful</a:t>
+                      </a:r>
+                      <a:r>
+                        <a:rPr lang="en-US" dirty="0"/>
+                        <a:t>ly</a:t>
+                      </a:r>
+                    </a:p>
+                  </a:txBody>
+                  <a:tcPr/>
+                </a:tc>
+                <a:extLst>
+                  <a:ext uri="{0D108BD9-81ED-4DB2-BD59-A6C34878D82A}">
+                    <a16:rowId xmlns:a16="http://schemas.microsoft.com/office/drawing/2014/main" val="1571283268"/>
+                  </a:ext>
+                </a:extLst>
+              </a:tr>
+              <a:tr h="370840">
+                <a:tc>
+                  <a:txBody>
+                    <a:bodyPr/>
+                    <a:lstStyle/>
+                    <a:p>
+                      <a:r>
+                        <a:rPr lang="en-CA" dirty="0"/>
+                        <a:t>1</a:t>
+                      </a:r>
+                      <a:endParaRPr lang="en-US" dirty="0"/>
+                    </a:p>
+                  </a:txBody>
+                  <a:tcPr/>
+                </a:tc>
+                <a:tc>
+                  <a:txBody>
+                    <a:bodyPr/>
+                    <a:lstStyle/>
+                    <a:p>
+                      <a:r>
+                        <a:rPr lang="en-US" dirty="0"/>
+                        <a:t>The package </a:t>
+                      </a:r>
+                      <a:r>
+                        <a:rPr lang="en-US" b="1" dirty="0"/>
+                        <a:t>failed</a:t>
+                      </a:r>
+                      <a:r>
+                        <a:rPr lang="en-US" dirty="0"/>
+                        <a:t>.</a:t>
+                      </a:r>
+                    </a:p>
+                  </a:txBody>
+                  <a:tcPr/>
+                </a:tc>
+                <a:extLst>
+                  <a:ext uri="{0D108BD9-81ED-4DB2-BD59-A6C34878D82A}">
+                    <a16:rowId xmlns:a16="http://schemas.microsoft.com/office/drawing/2014/main" val="1104061879"/>
+                  </a:ext>
+                </a:extLst>
+              </a:tr>
+              <a:tr h="370840">
+                <a:tc>
+                  <a:txBody>
+                    <a:bodyPr/>
+                    <a:lstStyle/>
+                    <a:p>
+                      <a:r>
+                        <a:rPr lang="en-CA" dirty="0"/>
+                        <a:t>3</a:t>
+                      </a:r>
+                      <a:endParaRPr lang="en-US" dirty="0"/>
+                    </a:p>
+                  </a:txBody>
+                  <a:tcPr/>
+                </a:tc>
+                <a:tc>
+                  <a:txBody>
+                    <a:bodyPr/>
+                    <a:lstStyle/>
+                    <a:p>
+                      <a:r>
+                        <a:rPr lang="en-US" dirty="0"/>
+                        <a:t>The package was </a:t>
+                      </a:r>
+                      <a:r>
+                        <a:rPr lang="en-US" b="1" dirty="0"/>
+                        <a:t>canceled</a:t>
+                      </a:r>
+                      <a:r>
+                        <a:rPr lang="en-US" dirty="0"/>
+                        <a:t> by the user.</a:t>
+                      </a:r>
+                    </a:p>
+                  </a:txBody>
+                  <a:tcPr/>
+                </a:tc>
+                <a:extLst>
+                  <a:ext uri="{0D108BD9-81ED-4DB2-BD59-A6C34878D82A}">
+                    <a16:rowId xmlns:a16="http://schemas.microsoft.com/office/drawing/2014/main" val="944150976"/>
+                  </a:ext>
+                </a:extLst>
+              </a:tr>
+              <a:tr h="370840">
+                <a:tc>
+                  <a:txBody>
+                    <a:bodyPr/>
+                    <a:lstStyle/>
+                    <a:p>
+                      <a:r>
+                        <a:rPr lang="en-CA" dirty="0"/>
+                        <a:t>4</a:t>
+                      </a:r>
+                      <a:endParaRPr lang="en-US" dirty="0"/>
+                    </a:p>
+                  </a:txBody>
+                  <a:tcPr/>
+                </a:tc>
+                <a:tc>
+                  <a:txBody>
+                    <a:bodyPr/>
+                    <a:lstStyle/>
+                    <a:p>
+                      <a:r>
+                        <a:rPr lang="en-US" dirty="0"/>
+                        <a:t>The utility was unable to locate the requested package. </a:t>
+                      </a:r>
+                    </a:p>
+                    <a:p>
+                      <a:r>
+                        <a:rPr lang="en-US" dirty="0"/>
+                        <a:t>The </a:t>
+                      </a:r>
+                      <a:r>
+                        <a:rPr lang="en-US" b="1" dirty="0"/>
+                        <a:t>package was not found</a:t>
+                      </a:r>
+                      <a:r>
+                        <a:rPr lang="en-US" dirty="0"/>
+                        <a:t>.</a:t>
+                      </a:r>
+                    </a:p>
+                  </a:txBody>
+                  <a:tcPr/>
+                </a:tc>
+                <a:extLst>
+                  <a:ext uri="{0D108BD9-81ED-4DB2-BD59-A6C34878D82A}">
+                    <a16:rowId xmlns:a16="http://schemas.microsoft.com/office/drawing/2014/main" val="2254616951"/>
+                  </a:ext>
+                </a:extLst>
+              </a:tr>
+              <a:tr h="370840">
+                <a:tc>
+                  <a:txBody>
+                    <a:bodyPr/>
+                    <a:lstStyle/>
+                    <a:p>
+                      <a:r>
+                        <a:rPr lang="en-CA" dirty="0"/>
+                        <a:t>5</a:t>
+                      </a:r>
+                      <a:endParaRPr lang="en-US" dirty="0"/>
+                    </a:p>
+                  </a:txBody>
+                  <a:tcPr/>
+                </a:tc>
+                <a:tc>
+                  <a:txBody>
+                    <a:bodyPr/>
+                    <a:lstStyle/>
+                    <a:p>
+                      <a:r>
+                        <a:rPr lang="en-US" dirty="0"/>
+                        <a:t>The utility was unable to load the requested package. </a:t>
+                      </a:r>
+                    </a:p>
+                    <a:p>
+                      <a:r>
+                        <a:rPr lang="en-US" dirty="0"/>
+                        <a:t>The </a:t>
+                      </a:r>
+                      <a:r>
+                        <a:rPr lang="en-US" b="1" dirty="0"/>
+                        <a:t>package could not be loaded</a:t>
+                      </a:r>
+                      <a:r>
+                        <a:rPr lang="en-US" dirty="0"/>
+                        <a:t>.</a:t>
+                      </a:r>
+                    </a:p>
+                  </a:txBody>
+                  <a:tcPr/>
+                </a:tc>
+                <a:extLst>
+                  <a:ext uri="{0D108BD9-81ED-4DB2-BD59-A6C34878D82A}">
+                    <a16:rowId xmlns:a16="http://schemas.microsoft.com/office/drawing/2014/main" val="1655032829"/>
+                  </a:ext>
+                </a:extLst>
+              </a:tr>
+              <a:tr h="370840">
+                <a:tc>
+                  <a:txBody>
+                    <a:bodyPr/>
+                    <a:lstStyle/>
+                    <a:p>
+                      <a:r>
+                        <a:rPr lang="en-CA" dirty="0"/>
+                        <a:t>6</a:t>
+                      </a:r>
+                      <a:endParaRPr lang="en-US" dirty="0"/>
+                    </a:p>
+                  </a:txBody>
+                  <a:tcPr/>
+                </a:tc>
+                <a:tc>
+                  <a:txBody>
+                    <a:bodyPr/>
+                    <a:lstStyle/>
+                    <a:p>
+                      <a:r>
+                        <a:rPr lang="en-US" dirty="0"/>
+                        <a:t>The utility encountered an </a:t>
+                      </a:r>
+                      <a:r>
+                        <a:rPr lang="en-US" b="1" dirty="0"/>
+                        <a:t>internal error</a:t>
+                      </a:r>
+                      <a:r>
+                        <a:rPr lang="en-US" dirty="0"/>
+                        <a:t> of syntactic or semantic errors in the command line.</a:t>
+                      </a:r>
+                    </a:p>
+                  </a:txBody>
+                  <a:tcPr/>
+                </a:tc>
+                <a:extLst>
+                  <a:ext uri="{0D108BD9-81ED-4DB2-BD59-A6C34878D82A}">
+                    <a16:rowId xmlns:a16="http://schemas.microsoft.com/office/drawing/2014/main" val="1001700881"/>
+                  </a:ext>
+                </a:extLst>
+              </a:tr>
+            </a:tbl>
+          </a:graphicData>
+        </a:graphic>
+      </p:graphicFrame>
+    </p:spTree>
+    <p:extLst>
+      <p:ext uri="{BB962C8B-B14F-4D97-AF65-F5344CB8AC3E}">
+        <p14:creationId xmlns:p14="http://schemas.microsoft.com/office/powerpoint/2010/main" val="3924752873"/>
+      </p:ext>
+    </p:extLst>
+  </p:cSld>
+  <p:clrMapOvr>
+    <a:masterClrMapping/>
+  </p:clrMapOvr>
+  <p:transition>
+    <p:fade/>
+  </p:transition>
+</p:sld>
+</file>
+
+<file path=ppt/slides/slide17.xml><?xml version="1.0" encoding="utf-8"?>
+<p:sld xmlns:a="http://schemas.openxmlformats.org/drawingml/2006/main" xmlns:r="http://schemas.openxmlformats.org/officeDocument/2006/relationships" xmlns:p="http://schemas.openxmlformats.org/presentationml/2006/main">
+  <p:cSld>
+    <p:spTree>
+      <p:nvGrpSpPr>
+        <p:cNvPr id="1" name=""/>
+        <p:cNvGrpSpPr/>
+        <p:nvPr/>
+      </p:nvGrpSpPr>
+      <p:grpSpPr>
+        <a:xfrm>
+          <a:off x="0" y="0"/>
+          <a:ext cx="0" cy="0"/>
+          <a:chOff x="0" y="0"/>
+          <a:chExt cx="0" cy="0"/>
+        </a:xfrm>
+      </p:grpSpPr>
+      <p:sp>
+        <p:nvSpPr>
+          <p:cNvPr id="2" name="Text Placeholder 1">
+            <a:extLst>
+              <a:ext uri="{FF2B5EF4-FFF2-40B4-BE49-F238E27FC236}">
+                <a16:creationId xmlns:a16="http://schemas.microsoft.com/office/drawing/2014/main" id="{21D9B8EA-3F1B-4EFC-A919-3E88165466E2}"/>
+              </a:ext>
+            </a:extLst>
+          </p:cNvPr>
+          <p:cNvSpPr>
+            <a:spLocks noGrp="1"/>
+          </p:cNvSpPr>
+          <p:nvPr>
+            <p:ph type="body" sz="quarter" idx="10"/>
+          </p:nvPr>
+        </p:nvSpPr>
+        <p:spPr>
+          <a:xfrm>
+            <a:off x="274638" y="1212850"/>
+            <a:ext cx="11734799" cy="2511457"/>
+          </a:xfrm>
+        </p:spPr>
+        <p:txBody>
+          <a:bodyPr/>
+          <a:lstStyle/>
+          <a:p>
+            <a:r>
+              <a:rPr lang="en-CA" dirty="0"/>
+              <a:t>GUI to build command line argument for dtexec.exe </a:t>
+            </a:r>
+          </a:p>
+          <a:p>
+            <a:r>
+              <a:rPr lang="en-CA" dirty="0"/>
+              <a:t>can also invoke Utility is 32-bit only</a:t>
+            </a:r>
+          </a:p>
+          <a:p>
+            <a:r>
+              <a:rPr lang="en-CA" dirty="0"/>
+              <a:t>Execute button will start </a:t>
+            </a:r>
+          </a:p>
+          <a:p>
+            <a:pPr marL="0" indent="0">
+              <a:buNone/>
+            </a:pPr>
+            <a:r>
+              <a:rPr lang="en-CA" dirty="0"/>
+              <a:t>call will dtexec.exe 32-bit. </a:t>
+            </a:r>
+          </a:p>
+        </p:txBody>
+      </p:sp>
+      <p:sp>
+        <p:nvSpPr>
+          <p:cNvPr id="3" name="Title 2">
+            <a:extLst>
+              <a:ext uri="{FF2B5EF4-FFF2-40B4-BE49-F238E27FC236}">
+                <a16:creationId xmlns:a16="http://schemas.microsoft.com/office/drawing/2014/main" id="{1BA4342A-4073-4558-A48D-2B2757E1023D}"/>
+              </a:ext>
+            </a:extLst>
+          </p:cNvPr>
+          <p:cNvSpPr>
+            <a:spLocks noGrp="1"/>
+          </p:cNvSpPr>
+          <p:nvPr>
+            <p:ph type="title"/>
+          </p:nvPr>
+        </p:nvSpPr>
+        <p:spPr/>
+        <p:txBody>
+          <a:bodyPr/>
+          <a:lstStyle/>
+          <a:p>
+            <a:r>
+              <a:rPr lang="en-US" dirty="0">
+                <a:hlinkClick r:id="rId3"/>
+              </a:rPr>
+              <a:t>dtexecUI.exe</a:t>
+            </a:r>
+            <a:endParaRPr lang="en-US" dirty="0"/>
+          </a:p>
+        </p:txBody>
+      </p:sp>
+      <p:graphicFrame>
+        <p:nvGraphicFramePr>
+          <p:cNvPr id="4" name="Table 3">
+            <a:extLst>
+              <a:ext uri="{FF2B5EF4-FFF2-40B4-BE49-F238E27FC236}">
+                <a16:creationId xmlns:a16="http://schemas.microsoft.com/office/drawing/2014/main" id="{E26CB3CA-E134-4287-A902-7E031BF9609A}"/>
+              </a:ext>
+            </a:extLst>
+          </p:cNvPr>
+          <p:cNvGraphicFramePr>
+            <a:graphicFrameLocks noGrp="1"/>
+          </p:cNvGraphicFramePr>
+          <p:nvPr/>
+        </p:nvGraphicFramePr>
+        <p:xfrm>
+          <a:off x="372031" y="4030662"/>
+          <a:ext cx="5977413" cy="1904129"/>
+        </p:xfrm>
+        <a:graphic>
+          <a:graphicData uri="http://schemas.openxmlformats.org/drawingml/2006/table">
+            <a:tbl>
+              <a:tblPr firstRow="1" bandRow="1">
+                <a:tableStyleId>{F5AB1C69-6EDB-4FF4-983F-18BD219EF322}</a:tableStyleId>
+              </a:tblPr>
+              <a:tblGrid>
+                <a:gridCol w="1280122">
+                  <a:extLst>
+                    <a:ext uri="{9D8B030D-6E8A-4147-A177-3AD203B41FA5}">
+                      <a16:colId xmlns:a16="http://schemas.microsoft.com/office/drawing/2014/main" val="3197108886"/>
+                    </a:ext>
+                  </a:extLst>
+                </a:gridCol>
+                <a:gridCol w="4697291">
+                  <a:extLst>
+                    <a:ext uri="{9D8B030D-6E8A-4147-A177-3AD203B41FA5}">
+                      <a16:colId xmlns:a16="http://schemas.microsoft.com/office/drawing/2014/main" val="346103913"/>
+                    </a:ext>
+                  </a:extLst>
+                </a:gridCol>
+              </a:tblGrid>
+              <a:tr h="715409">
+                <a:tc>
+                  <a:txBody>
+                    <a:bodyPr/>
+                    <a:lstStyle/>
+                    <a:p>
+                      <a:r>
+                        <a:rPr lang="en-CA" dirty="0"/>
+                        <a:t>Version</a:t>
+                      </a:r>
+                      <a:endParaRPr lang="en-US" dirty="0"/>
+                    </a:p>
+                  </a:txBody>
+                  <a:tcPr/>
+                </a:tc>
+                <a:tc>
+                  <a:txBody>
+                    <a:bodyPr/>
+                    <a:lstStyle/>
+                    <a:p>
+                      <a:r>
+                        <a:rPr lang="en-CA" dirty="0"/>
+                        <a:t>Executable Location</a:t>
+                      </a:r>
+                      <a:endParaRPr lang="en-US" dirty="0"/>
+                    </a:p>
+                  </a:txBody>
+                  <a:tcPr/>
+                </a:tc>
+                <a:extLst>
+                  <a:ext uri="{0D108BD9-81ED-4DB2-BD59-A6C34878D82A}">
+                    <a16:rowId xmlns:a16="http://schemas.microsoft.com/office/drawing/2014/main" val="171644004"/>
+                  </a:ext>
+                </a:extLst>
+              </a:tr>
+              <a:tr h="594360">
+                <a:tc>
+                  <a:txBody>
+                    <a:bodyPr/>
+                    <a:lstStyle/>
+                    <a:p>
+                      <a:pPr marL="0" marR="0" lvl="0" indent="0" algn="l" defTabSz="932742" rtl="0" eaLnBrk="1" fontAlgn="auto" latinLnBrk="0" hangingPunct="1">
+                        <a:lnSpc>
+                          <a:spcPct val="100000"/>
+                        </a:lnSpc>
+                        <a:spcBef>
+                          <a:spcPts val="0"/>
+                        </a:spcBef>
+                        <a:spcAft>
+                          <a:spcPts val="0"/>
+                        </a:spcAft>
+                        <a:buClrTx/>
+                        <a:buSzTx/>
+                        <a:buFontTx/>
+                        <a:buNone/>
+                        <a:tabLst/>
+                        <a:defRPr/>
+                      </a:pPr>
+                      <a:r>
+                        <a:rPr lang="en-CA" dirty="0"/>
+                        <a:t>32-bit</a:t>
+                      </a:r>
+                      <a:endParaRPr lang="en-US" dirty="0"/>
+                    </a:p>
+                    <a:p>
+                      <a:endParaRPr lang="en-CA" dirty="0"/>
+                    </a:p>
+                  </a:txBody>
+                  <a:tcPr/>
+                </a:tc>
+                <a:tc>
+                  <a:txBody>
+                    <a:bodyPr/>
+                    <a:lstStyle/>
+                    <a:p>
+                      <a:pPr marL="0" marR="0" lvl="0" indent="0" algn="l" defTabSz="932742" rtl="0" eaLnBrk="1" fontAlgn="auto" latinLnBrk="0" hangingPunct="1">
+                        <a:lnSpc>
+                          <a:spcPct val="100000"/>
+                        </a:lnSpc>
+                        <a:spcBef>
+                          <a:spcPts val="0"/>
+                        </a:spcBef>
+                        <a:spcAft>
+                          <a:spcPts val="0"/>
+                        </a:spcAft>
+                        <a:buClrTx/>
+                        <a:buSzTx/>
+                        <a:buFontTx/>
+                        <a:buNone/>
+                        <a:tabLst/>
+                        <a:defRPr/>
+                      </a:pPr>
+                      <a:r>
+                        <a:rPr lang="nn-NO" i="1" dirty="0"/>
+                        <a:t>C:\Program Files (x86)\Microsoft SQL Server Management Studio 18\Common7\IDE\CommonExtensions\Microsoft\SSIS\150\Binn\</a:t>
+                      </a:r>
+                      <a:endParaRPr lang="en-CA" dirty="0"/>
+                    </a:p>
+                  </a:txBody>
+                  <a:tcPr/>
+                </a:tc>
+                <a:extLst>
+                  <a:ext uri="{0D108BD9-81ED-4DB2-BD59-A6C34878D82A}">
+                    <a16:rowId xmlns:a16="http://schemas.microsoft.com/office/drawing/2014/main" val="2352477031"/>
+                  </a:ext>
+                </a:extLst>
+              </a:tr>
+            </a:tbl>
+          </a:graphicData>
+        </a:graphic>
+      </p:graphicFrame>
+      <p:pic>
+        <p:nvPicPr>
+          <p:cNvPr id="6" name="Picture 5">
+            <a:extLst>
+              <a:ext uri="{FF2B5EF4-FFF2-40B4-BE49-F238E27FC236}">
+                <a16:creationId xmlns:a16="http://schemas.microsoft.com/office/drawing/2014/main" id="{7C7A12BA-0169-4BA2-8F78-5D241F1F62FC}"/>
+              </a:ext>
+            </a:extLst>
+          </p:cNvPr>
+          <p:cNvPicPr>
+            <a:picLocks noChangeAspect="1"/>
+          </p:cNvPicPr>
+          <p:nvPr/>
+        </p:nvPicPr>
+        <p:blipFill>
+          <a:blip r:embed="rId4"/>
+          <a:stretch>
+            <a:fillRect/>
+          </a:stretch>
+        </p:blipFill>
+        <p:spPr>
+          <a:xfrm>
+            <a:off x="6446837" y="1836781"/>
+            <a:ext cx="5989638" cy="5157744"/>
+          </a:xfrm>
+          <a:prstGeom prst="rect">
+            <a:avLst/>
+          </a:prstGeom>
+        </p:spPr>
+      </p:pic>
+    </p:spTree>
+    <p:extLst>
+      <p:ext uri="{BB962C8B-B14F-4D97-AF65-F5344CB8AC3E}">
+        <p14:creationId xmlns:p14="http://schemas.microsoft.com/office/powerpoint/2010/main" val="635002851"/>
+      </p:ext>
+    </p:extLst>
+  </p:cSld>
+  <p:clrMapOvr>
+    <a:masterClrMapping/>
+  </p:clrMapOvr>
+  <p:transition>
+    <p:fade/>
+  </p:transition>
+</p:sld>
+</file>
+
+<file path=ppt/slides/slide18.xml><?xml version="1.0" encoding="utf-8"?>
 <p:sld xmlns:a="http://schemas.openxmlformats.org/drawingml/2006/main" xmlns:r="http://schemas.openxmlformats.org/officeDocument/2006/relationships" xmlns:p="http://schemas.openxmlformats.org/presentationml/2006/main">
   <p:cSld>
     <p:spTree>
@@ -20227,12 +26036,8 @@
           <a:lstStyle/>
           <a:p>
             <a:r>
-              <a:rPr lang="en-US"/>
-              <a:t>Lab </a:t>
-            </a:r>
-            <a:r>
               <a:rPr lang="en-US" dirty="0"/>
-              <a:t>#02</a:t>
+              <a:t>Lab 2</a:t>
             </a:r>
           </a:p>
         </p:txBody>
@@ -20262,7 +26067,7 @@
 </p:sld>
 </file>
 
-<file path=ppt/slides/slide9.xml><?xml version="1.0" encoding="utf-8"?>
+<file path=ppt/slides/slide19.xml><?xml version="1.0" encoding="utf-8"?>
 <p:sld xmlns:a="http://schemas.openxmlformats.org/drawingml/2006/main" xmlns:r="http://schemas.openxmlformats.org/officeDocument/2006/relationships" xmlns:p="http://schemas.openxmlformats.org/presentationml/2006/main">
   <p:cSld>
     <p:spTree>
@@ -21924,6 +27729,1989 @@
       <p:bldP spid="9" grpId="0"/>
     </p:bldLst>
   </p:timing>
+</p:sld>
+</file>
+
+<file path=ppt/slides/slide2.xml><?xml version="1.0" encoding="utf-8"?>
+<p:sld xmlns:a="http://schemas.openxmlformats.org/drawingml/2006/main" xmlns:r="http://schemas.openxmlformats.org/officeDocument/2006/relationships" xmlns:p="http://schemas.openxmlformats.org/presentationml/2006/main" show="0">
+  <p:cSld>
+    <p:spTree>
+      <p:nvGrpSpPr>
+        <p:cNvPr id="1" name=""/>
+        <p:cNvGrpSpPr/>
+        <p:nvPr/>
+      </p:nvGrpSpPr>
+      <p:grpSpPr>
+        <a:xfrm>
+          <a:off x="0" y="0"/>
+          <a:ext cx="0" cy="0"/>
+          <a:chOff x="0" y="0"/>
+          <a:chExt cx="0" cy="0"/>
+        </a:xfrm>
+      </p:grpSpPr>
+    </p:spTree>
+    <p:extLst>
+      <p:ext uri="{BB962C8B-B14F-4D97-AF65-F5344CB8AC3E}">
+        <p14:creationId xmlns:p14="http://schemas.microsoft.com/office/powerpoint/2010/main" val="1076368552"/>
+      </p:ext>
+    </p:extLst>
+  </p:cSld>
+  <p:clrMapOvr>
+    <a:masterClrMapping/>
+  </p:clrMapOvr>
+  <p:transition>
+    <p:fade/>
+  </p:transition>
+</p:sld>
+</file>
+
+<file path=ppt/slides/slide20.xml><?xml version="1.0" encoding="utf-8"?>
+<p:sld xmlns:a="http://schemas.openxmlformats.org/drawingml/2006/main" xmlns:r="http://schemas.openxmlformats.org/officeDocument/2006/relationships" xmlns:p="http://schemas.openxmlformats.org/presentationml/2006/main">
+  <p:cSld>
+    <p:spTree>
+      <p:nvGrpSpPr>
+        <p:cNvPr id="1" name=""/>
+        <p:cNvGrpSpPr/>
+        <p:nvPr/>
+      </p:nvGrpSpPr>
+      <p:grpSpPr>
+        <a:xfrm>
+          <a:off x="0" y="0"/>
+          <a:ext cx="0" cy="0"/>
+          <a:chOff x="0" y="0"/>
+          <a:chExt cx="0" cy="0"/>
+        </a:xfrm>
+      </p:grpSpPr>
+    </p:spTree>
+    <p:extLst>
+      <p:ext uri="{BB962C8B-B14F-4D97-AF65-F5344CB8AC3E}">
+        <p14:creationId xmlns:p14="http://schemas.microsoft.com/office/powerpoint/2010/main" val="2789188734"/>
+      </p:ext>
+    </p:extLst>
+  </p:cSld>
+  <p:clrMapOvr>
+    <a:masterClrMapping/>
+  </p:clrMapOvr>
+  <mc:AlternateContent xmlns:mc="http://schemas.openxmlformats.org/markup-compatibility/2006" xmlns:p14="http://schemas.microsoft.com/office/powerpoint/2010/main">
+    <mc:Choice Requires="p14">
+      <p:transition spd="med" p14:dur="700">
+        <p:fade/>
+      </p:transition>
+    </mc:Choice>
+    <mc:Fallback xmlns="">
+      <p:transition spd="med">
+        <p:fade/>
+      </p:transition>
+    </mc:Fallback>
+  </mc:AlternateContent>
+</p:sld>
+</file>
+
+<file path=ppt/slides/slide3.xml><?xml version="1.0" encoding="utf-8"?>
+<p:sld xmlns:a="http://schemas.openxmlformats.org/drawingml/2006/main" xmlns:r="http://schemas.openxmlformats.org/officeDocument/2006/relationships" xmlns:p="http://schemas.openxmlformats.org/presentationml/2006/main">
+  <p:cSld>
+    <p:spTree>
+      <p:nvGrpSpPr>
+        <p:cNvPr id="1" name=""/>
+        <p:cNvGrpSpPr/>
+        <p:nvPr/>
+      </p:nvGrpSpPr>
+      <p:grpSpPr>
+        <a:xfrm>
+          <a:off x="0" y="0"/>
+          <a:ext cx="0" cy="0"/>
+          <a:chOff x="0" y="0"/>
+          <a:chExt cx="0" cy="0"/>
+        </a:xfrm>
+      </p:grpSpPr>
+      <p:sp>
+        <p:nvSpPr>
+          <p:cNvPr id="2" name="Text Placeholder 1">
+            <a:extLst>
+              <a:ext uri="{FF2B5EF4-FFF2-40B4-BE49-F238E27FC236}">
+                <a16:creationId xmlns:a16="http://schemas.microsoft.com/office/drawing/2014/main" id="{3DBE5BF5-873B-4D0A-88CF-E8A16EE71003}"/>
+              </a:ext>
+            </a:extLst>
+          </p:cNvPr>
+          <p:cNvSpPr>
+            <a:spLocks noGrp="1"/>
+          </p:cNvSpPr>
+          <p:nvPr>
+            <p:ph type="body" sz="quarter" idx="10"/>
+          </p:nvPr>
+        </p:nvSpPr>
+        <p:spPr>
+          <a:xfrm>
+            <a:off x="274638" y="1212850"/>
+            <a:ext cx="11887200" cy="1902059"/>
+          </a:xfrm>
+        </p:spPr>
+        <p:txBody>
+          <a:bodyPr/>
+          <a:lstStyle/>
+          <a:p>
+            <a:r>
+              <a:rPr lang="en-US" dirty="0"/>
+              <a:t>SQL Server Data Tools</a:t>
+            </a:r>
+          </a:p>
+          <a:p>
+            <a:r>
+              <a:rPr lang="en-US" dirty="0"/>
+              <a:t>SQL Server Management Studio</a:t>
+            </a:r>
+          </a:p>
+          <a:p>
+            <a:r>
+              <a:rPr lang="en-US" dirty="0"/>
+              <a:t>Command Line Tools for Management</a:t>
+            </a:r>
+          </a:p>
+        </p:txBody>
+      </p:sp>
+      <p:sp>
+        <p:nvSpPr>
+          <p:cNvPr id="3" name="Title 2">
+            <a:extLst>
+              <a:ext uri="{FF2B5EF4-FFF2-40B4-BE49-F238E27FC236}">
+                <a16:creationId xmlns:a16="http://schemas.microsoft.com/office/drawing/2014/main" id="{04F3DA0A-2835-441C-B9B7-80CC8BE58A72}"/>
+              </a:ext>
+            </a:extLst>
+          </p:cNvPr>
+          <p:cNvSpPr>
+            <a:spLocks noGrp="1"/>
+          </p:cNvSpPr>
+          <p:nvPr>
+            <p:ph type="title"/>
+          </p:nvPr>
+        </p:nvSpPr>
+        <p:spPr/>
+        <p:txBody>
+          <a:bodyPr/>
+          <a:lstStyle/>
+          <a:p>
+            <a:r>
+              <a:rPr lang="en-US" dirty="0"/>
+              <a:t>Agenda</a:t>
+            </a:r>
+          </a:p>
+        </p:txBody>
+      </p:sp>
+    </p:spTree>
+    <p:extLst>
+      <p:ext uri="{BB962C8B-B14F-4D97-AF65-F5344CB8AC3E}">
+        <p14:creationId xmlns:p14="http://schemas.microsoft.com/office/powerpoint/2010/main" val="376295135"/>
+      </p:ext>
+    </p:extLst>
+  </p:cSld>
+  <p:clrMapOvr>
+    <a:masterClrMapping/>
+  </p:clrMapOvr>
+  <p:transition>
+    <p:fade/>
+  </p:transition>
+</p:sld>
+</file>
+
+<file path=ppt/slides/slide4.xml><?xml version="1.0" encoding="utf-8"?>
+<p:sld xmlns:a="http://schemas.openxmlformats.org/drawingml/2006/main" xmlns:r="http://schemas.openxmlformats.org/officeDocument/2006/relationships" xmlns:p="http://schemas.openxmlformats.org/presentationml/2006/main">
+  <p:cSld>
+    <p:spTree>
+      <p:nvGrpSpPr>
+        <p:cNvPr id="1" name=""/>
+        <p:cNvGrpSpPr/>
+        <p:nvPr/>
+      </p:nvGrpSpPr>
+      <p:grpSpPr>
+        <a:xfrm>
+          <a:off x="0" y="0"/>
+          <a:ext cx="0" cy="0"/>
+          <a:chOff x="0" y="0"/>
+          <a:chExt cx="0" cy="0"/>
+        </a:xfrm>
+      </p:grpSpPr>
+      <p:sp>
+        <p:nvSpPr>
+          <p:cNvPr id="2" name="Text Placeholder 1">
+            <a:extLst>
+              <a:ext uri="{FF2B5EF4-FFF2-40B4-BE49-F238E27FC236}">
+                <a16:creationId xmlns:a16="http://schemas.microsoft.com/office/drawing/2014/main" id="{21D9B8EA-3F1B-4EFC-A919-3E88165466E2}"/>
+              </a:ext>
+            </a:extLst>
+          </p:cNvPr>
+          <p:cNvSpPr>
+            <a:spLocks noGrp="1"/>
+          </p:cNvSpPr>
+          <p:nvPr>
+            <p:ph type="body" sz="quarter" idx="10"/>
+          </p:nvPr>
+        </p:nvSpPr>
+        <p:spPr>
+          <a:xfrm>
+            <a:off x="274638" y="1212850"/>
+            <a:ext cx="11887200" cy="4007251"/>
+          </a:xfrm>
+        </p:spPr>
+        <p:txBody>
+          <a:bodyPr/>
+          <a:lstStyle/>
+          <a:p>
+            <a:r>
+              <a:rPr lang="en-US" dirty="0"/>
+              <a:t>Introduced in SQL Server 2012.</a:t>
+            </a:r>
+          </a:p>
+          <a:p>
+            <a:r>
+              <a:rPr lang="en-US" dirty="0"/>
+              <a:t>Allows for development of projects related to SQL Server services.  Such as Reporting Services, Analysis Services, and Integration Services.</a:t>
+            </a:r>
+          </a:p>
+          <a:p>
+            <a:r>
+              <a:rPr lang="en-US" dirty="0"/>
+              <a:t>Decoupled from SQL Server binaries to allow for easy of management and upgradeability.</a:t>
+            </a:r>
+          </a:p>
+          <a:p>
+            <a:r>
+              <a:rPr lang="en-US" dirty="0"/>
+              <a:t>Requires Visual Studio to run.</a:t>
+            </a:r>
+          </a:p>
+        </p:txBody>
+      </p:sp>
+      <p:sp>
+        <p:nvSpPr>
+          <p:cNvPr id="3" name="Title 2">
+            <a:extLst>
+              <a:ext uri="{FF2B5EF4-FFF2-40B4-BE49-F238E27FC236}">
+                <a16:creationId xmlns:a16="http://schemas.microsoft.com/office/drawing/2014/main" id="{1BA4342A-4073-4558-A48D-2B2757E1023D}"/>
+              </a:ext>
+            </a:extLst>
+          </p:cNvPr>
+          <p:cNvSpPr>
+            <a:spLocks noGrp="1"/>
+          </p:cNvSpPr>
+          <p:nvPr>
+            <p:ph type="title"/>
+          </p:nvPr>
+        </p:nvSpPr>
+        <p:spPr/>
+        <p:txBody>
+          <a:bodyPr/>
+          <a:lstStyle/>
+          <a:p>
+            <a:r>
+              <a:rPr lang="en-US" dirty="0"/>
+              <a:t>SQL Server Data Tools (SSDT)</a:t>
+            </a:r>
+          </a:p>
+        </p:txBody>
+      </p:sp>
+    </p:spTree>
+    <p:extLst>
+      <p:ext uri="{BB962C8B-B14F-4D97-AF65-F5344CB8AC3E}">
+        <p14:creationId xmlns:p14="http://schemas.microsoft.com/office/powerpoint/2010/main" val="4116989712"/>
+      </p:ext>
+    </p:extLst>
+  </p:cSld>
+  <p:clrMapOvr>
+    <a:masterClrMapping/>
+  </p:clrMapOvr>
+  <p:transition>
+    <p:fade/>
+  </p:transition>
+</p:sld>
+</file>
+
+<file path=ppt/slides/slide5.xml><?xml version="1.0" encoding="utf-8"?>
+<p:sld xmlns:a="http://schemas.openxmlformats.org/drawingml/2006/main" xmlns:r="http://schemas.openxmlformats.org/officeDocument/2006/relationships" xmlns:p="http://schemas.openxmlformats.org/presentationml/2006/main">
+  <p:cSld>
+    <p:spTree>
+      <p:nvGrpSpPr>
+        <p:cNvPr id="1" name=""/>
+        <p:cNvGrpSpPr/>
+        <p:nvPr/>
+      </p:nvGrpSpPr>
+      <p:grpSpPr>
+        <a:xfrm>
+          <a:off x="0" y="0"/>
+          <a:ext cx="0" cy="0"/>
+          <a:chOff x="0" y="0"/>
+          <a:chExt cx="0" cy="0"/>
+        </a:xfrm>
+      </p:grpSpPr>
+      <p:sp>
+        <p:nvSpPr>
+          <p:cNvPr id="2" name="Text Placeholder 1">
+            <a:extLst>
+              <a:ext uri="{FF2B5EF4-FFF2-40B4-BE49-F238E27FC236}">
+                <a16:creationId xmlns:a16="http://schemas.microsoft.com/office/drawing/2014/main" id="{505896E4-D106-4581-A13D-4BBC31FBF45F}"/>
+              </a:ext>
+            </a:extLst>
+          </p:cNvPr>
+          <p:cNvSpPr>
+            <a:spLocks noGrp="1"/>
+          </p:cNvSpPr>
+          <p:nvPr>
+            <p:ph type="body" sz="quarter" idx="10"/>
+          </p:nvPr>
+        </p:nvSpPr>
+        <p:spPr>
+          <a:xfrm>
+            <a:off x="274638" y="1212850"/>
+            <a:ext cx="11887200" cy="2917722"/>
+          </a:xfrm>
+        </p:spPr>
+        <p:txBody>
+          <a:bodyPr/>
+          <a:lstStyle/>
+          <a:p>
+            <a:r>
+              <a:rPr lang="en-CA" dirty="0"/>
+              <a:t>Standalone SSDT</a:t>
+            </a:r>
+          </a:p>
+          <a:p>
+            <a:pPr lvl="1"/>
+            <a:r>
+              <a:rPr lang="en-CA" dirty="0"/>
+              <a:t>Visual Studio 2017 bundled</a:t>
+            </a:r>
+          </a:p>
+          <a:p>
+            <a:r>
+              <a:rPr lang="en-CA" dirty="0"/>
+              <a:t>Can install VS project templates to existing VS instance </a:t>
+            </a:r>
+          </a:p>
+          <a:p>
+            <a:r>
+              <a:rPr lang="en-CA" dirty="0"/>
+              <a:t>Can target SSIS 2012 to 2019</a:t>
+            </a:r>
+          </a:p>
+          <a:p>
+            <a:endParaRPr lang="en-CA" dirty="0"/>
+          </a:p>
+        </p:txBody>
+      </p:sp>
+      <p:sp>
+        <p:nvSpPr>
+          <p:cNvPr id="3" name="Title 2">
+            <a:extLst>
+              <a:ext uri="{FF2B5EF4-FFF2-40B4-BE49-F238E27FC236}">
+                <a16:creationId xmlns:a16="http://schemas.microsoft.com/office/drawing/2014/main" id="{98E182E0-9724-4020-AFF2-6CA4DE141556}"/>
+              </a:ext>
+            </a:extLst>
+          </p:cNvPr>
+          <p:cNvSpPr>
+            <a:spLocks noGrp="1"/>
+          </p:cNvSpPr>
+          <p:nvPr>
+            <p:ph type="title"/>
+          </p:nvPr>
+        </p:nvSpPr>
+        <p:spPr/>
+        <p:txBody>
+          <a:bodyPr/>
+          <a:lstStyle/>
+          <a:p>
+            <a:r>
+              <a:rPr lang="en-CA" dirty="0"/>
+              <a:t>SSDT for Visual Studio 2017</a:t>
+            </a:r>
+            <a:endParaRPr lang="en-US" dirty="0"/>
+          </a:p>
+        </p:txBody>
+      </p:sp>
+      <p:pic>
+        <p:nvPicPr>
+          <p:cNvPr id="7" name="Picture 6">
+            <a:extLst>
+              <a:ext uri="{FF2B5EF4-FFF2-40B4-BE49-F238E27FC236}">
+                <a16:creationId xmlns:a16="http://schemas.microsoft.com/office/drawing/2014/main" id="{1E8696EF-5CBC-4124-AF73-1FC6990EEE91}"/>
+              </a:ext>
+            </a:extLst>
+          </p:cNvPr>
+          <p:cNvPicPr>
+            <a:picLocks noChangeAspect="1"/>
+          </p:cNvPicPr>
+          <p:nvPr/>
+        </p:nvPicPr>
+        <p:blipFill>
+          <a:blip r:embed="rId3"/>
+          <a:stretch>
+            <a:fillRect/>
+          </a:stretch>
+        </p:blipFill>
+        <p:spPr>
+          <a:xfrm>
+            <a:off x="1112837" y="3440466"/>
+            <a:ext cx="4915697" cy="2319581"/>
+          </a:xfrm>
+          <a:prstGeom prst="rect">
+            <a:avLst/>
+          </a:prstGeom>
+        </p:spPr>
+      </p:pic>
+      <p:pic>
+        <p:nvPicPr>
+          <p:cNvPr id="8" name="Picture 7">
+            <a:extLst>
+              <a:ext uri="{FF2B5EF4-FFF2-40B4-BE49-F238E27FC236}">
+                <a16:creationId xmlns:a16="http://schemas.microsoft.com/office/drawing/2014/main" id="{B89ACA1E-8496-4AC8-9E4C-33F082BFF9F4}"/>
+              </a:ext>
+            </a:extLst>
+          </p:cNvPr>
+          <p:cNvPicPr>
+            <a:picLocks noChangeAspect="1"/>
+          </p:cNvPicPr>
+          <p:nvPr/>
+        </p:nvPicPr>
+        <p:blipFill>
+          <a:blip r:embed="rId4"/>
+          <a:stretch>
+            <a:fillRect/>
+          </a:stretch>
+        </p:blipFill>
+        <p:spPr>
+          <a:xfrm>
+            <a:off x="7742237" y="3017479"/>
+            <a:ext cx="4555340" cy="3914886"/>
+          </a:xfrm>
+          <a:prstGeom prst="rect">
+            <a:avLst/>
+          </a:prstGeom>
+        </p:spPr>
+      </p:pic>
+      <p:pic>
+        <p:nvPicPr>
+          <p:cNvPr id="1026" name="Picture 2">
+            <a:extLst>
+              <a:ext uri="{FF2B5EF4-FFF2-40B4-BE49-F238E27FC236}">
+                <a16:creationId xmlns:a16="http://schemas.microsoft.com/office/drawing/2014/main" id="{79B7CED8-D95B-4225-8437-16F8E4E06B04}"/>
+              </a:ext>
+            </a:extLst>
+          </p:cNvPr>
+          <p:cNvPicPr>
+            <a:picLocks noChangeAspect="1" noChangeArrowheads="1"/>
+          </p:cNvPicPr>
+          <p:nvPr/>
+        </p:nvPicPr>
+        <p:blipFill>
+          <a:blip r:embed="rId5">
+            <a:extLst>
+              <a:ext uri="{28A0092B-C50C-407E-A947-70E740481C1C}">
+                <a14:useLocalDpi xmlns:a14="http://schemas.microsoft.com/office/drawing/2010/main" val="0"/>
+              </a:ext>
+            </a:extLst>
+          </a:blip>
+          <a:srcRect/>
+          <a:stretch>
+            <a:fillRect/>
+          </a:stretch>
+        </p:blipFill>
+        <p:spPr bwMode="auto">
+          <a:xfrm>
+            <a:off x="7742237" y="2927350"/>
+            <a:ext cx="4676775" cy="4067175"/>
+          </a:xfrm>
+          <a:prstGeom prst="rect">
+            <a:avLst/>
+          </a:prstGeom>
+          <a:noFill/>
+          <a:extLst>
+            <a:ext uri="{909E8E84-426E-40DD-AFC4-6F175D3DCCD1}">
+              <a14:hiddenFill xmlns:a14="http://schemas.microsoft.com/office/drawing/2010/main">
+                <a:solidFill>
+                  <a:srgbClr val="FFFFFF"/>
+                </a:solidFill>
+              </a14:hiddenFill>
+            </a:ext>
+          </a:extLst>
+        </p:spPr>
+      </p:pic>
+    </p:spTree>
+    <p:extLst>
+      <p:ext uri="{BB962C8B-B14F-4D97-AF65-F5344CB8AC3E}">
+        <p14:creationId xmlns:p14="http://schemas.microsoft.com/office/powerpoint/2010/main" val="1510619777"/>
+      </p:ext>
+    </p:extLst>
+  </p:cSld>
+  <p:clrMapOvr>
+    <a:masterClrMapping/>
+  </p:clrMapOvr>
+  <p:transition>
+    <p:fade/>
+  </p:transition>
+  <p:timing>
+    <p:tnLst>
+      <p:par>
+        <p:cTn id="1" dur="indefinite" restart="never" nodeType="tmRoot">
+          <p:childTnLst>
+            <p:seq concurrent="1" nextAc="seek">
+              <p:cTn id="2" dur="indefinite" nodeType="mainSeq">
+                <p:childTnLst>
+                  <p:par>
+                    <p:cTn id="3" fill="hold">
+                      <p:stCondLst>
+                        <p:cond delay="indefinite"/>
+                        <p:cond evt="onBegin" delay="0">
+                          <p:tn val="2"/>
+                        </p:cond>
+                      </p:stCondLst>
+                      <p:childTnLst>
+                        <p:par>
+                          <p:cTn id="4" fill="hold">
+                            <p:stCondLst>
+                              <p:cond delay="0"/>
+                            </p:stCondLst>
+                            <p:childTnLst>
+                              <p:par>
+                                <p:cTn id="5" presetID="1" presetClass="exit" presetSubtype="0" fill="hold" nodeType="withEffect">
+                                  <p:stCondLst>
+                                    <p:cond delay="0"/>
+                                  </p:stCondLst>
+                                  <p:childTnLst>
+                                    <p:set>
+                                      <p:cBhvr>
+                                        <p:cTn id="6" dur="1" fill="hold">
+                                          <p:stCondLst>
+                                            <p:cond delay="0"/>
+                                          </p:stCondLst>
+                                        </p:cTn>
+                                        <p:tgtEl>
+                                          <p:spTgt spid="8"/>
+                                        </p:tgtEl>
+                                        <p:attrNameLst>
+                                          <p:attrName>style.visibility</p:attrName>
+                                        </p:attrNameLst>
+                                      </p:cBhvr>
+                                      <p:to>
+                                        <p:strVal val="hidden"/>
+                                      </p:to>
+                                    </p:set>
+                                  </p:childTnLst>
+                                </p:cTn>
+                              </p:par>
+                              <p:par>
+                                <p:cTn id="7" presetID="1" presetClass="exit" presetSubtype="0" fill="hold" nodeType="withEffect">
+                                  <p:stCondLst>
+                                    <p:cond delay="0"/>
+                                  </p:stCondLst>
+                                  <p:childTnLst>
+                                    <p:set>
+                                      <p:cBhvr>
+                                        <p:cTn id="8" dur="1" fill="hold">
+                                          <p:stCondLst>
+                                            <p:cond delay="0"/>
+                                          </p:stCondLst>
+                                        </p:cTn>
+                                        <p:tgtEl>
+                                          <p:spTgt spid="1026"/>
+                                        </p:tgtEl>
+                                        <p:attrNameLst>
+                                          <p:attrName>style.visibility</p:attrName>
+                                        </p:attrNameLst>
+                                      </p:cBhvr>
+                                      <p:to>
+                                        <p:strVal val="hidden"/>
+                                      </p:to>
+                                    </p:set>
+                                  </p:childTnLst>
+                                </p:cTn>
+                              </p:par>
+                              <p:par>
+                                <p:cTn id="9" presetID="1" presetClass="exit" presetSubtype="0" fill="hold" nodeType="withEffect">
+                                  <p:stCondLst>
+                                    <p:cond delay="0"/>
+                                  </p:stCondLst>
+                                  <p:childTnLst>
+                                    <p:set>
+                                      <p:cBhvr>
+                                        <p:cTn id="10" dur="1" fill="hold">
+                                          <p:stCondLst>
+                                            <p:cond delay="0"/>
+                                          </p:stCondLst>
+                                        </p:cTn>
+                                        <p:tgtEl>
+                                          <p:spTgt spid="7"/>
+                                        </p:tgtEl>
+                                        <p:attrNameLst>
+                                          <p:attrName>style.visibility</p:attrName>
+                                        </p:attrNameLst>
+                                      </p:cBhvr>
+                                      <p:to>
+                                        <p:strVal val="hidden"/>
+                                      </p:to>
+                                    </p:set>
+                                  </p:childTnLst>
+                                </p:cTn>
+                              </p:par>
+                            </p:childTnLst>
+                          </p:cTn>
+                        </p:par>
+                      </p:childTnLst>
+                    </p:cTn>
+                  </p:par>
+                  <p:par>
+                    <p:cTn id="11" fill="hold">
+                      <p:stCondLst>
+                        <p:cond delay="indefinite"/>
+                      </p:stCondLst>
+                      <p:childTnLst>
+                        <p:par>
+                          <p:cTn id="12" fill="hold">
+                            <p:stCondLst>
+                              <p:cond delay="0"/>
+                            </p:stCondLst>
+                            <p:childTnLst>
+                              <p:par>
+                                <p:cTn id="13" presetID="1" presetClass="entr" presetSubtype="0" fill="hold" grpId="0" nodeType="clickEffect">
+                                  <p:stCondLst>
+                                    <p:cond delay="0"/>
+                                  </p:stCondLst>
+                                  <p:childTnLst>
+                                    <p:set>
+                                      <p:cBhvr>
+                                        <p:cTn id="14" dur="1" fill="hold">
+                                          <p:stCondLst>
+                                            <p:cond delay="0"/>
+                                          </p:stCondLst>
+                                        </p:cTn>
+                                        <p:tgtEl>
+                                          <p:spTgt spid="2">
+                                            <p:txEl>
+                                              <p:pRg st="0" end="0"/>
+                                            </p:txEl>
+                                          </p:spTgt>
+                                        </p:tgtEl>
+                                        <p:attrNameLst>
+                                          <p:attrName>style.visibility</p:attrName>
+                                        </p:attrNameLst>
+                                      </p:cBhvr>
+                                      <p:to>
+                                        <p:strVal val="visible"/>
+                                      </p:to>
+                                    </p:set>
+                                  </p:childTnLst>
+                                </p:cTn>
+                              </p:par>
+                              <p:par>
+                                <p:cTn id="15" presetID="1" presetClass="entr" presetSubtype="0" fill="hold" grpId="0" nodeType="withEffect">
+                                  <p:stCondLst>
+                                    <p:cond delay="0"/>
+                                  </p:stCondLst>
+                                  <p:childTnLst>
+                                    <p:set>
+                                      <p:cBhvr>
+                                        <p:cTn id="16" dur="1" fill="hold">
+                                          <p:stCondLst>
+                                            <p:cond delay="0"/>
+                                          </p:stCondLst>
+                                        </p:cTn>
+                                        <p:tgtEl>
+                                          <p:spTgt spid="2">
+                                            <p:txEl>
+                                              <p:pRg st="1" end="1"/>
+                                            </p:txEl>
+                                          </p:spTgt>
+                                        </p:tgtEl>
+                                        <p:attrNameLst>
+                                          <p:attrName>style.visibility</p:attrName>
+                                        </p:attrNameLst>
+                                      </p:cBhvr>
+                                      <p:to>
+                                        <p:strVal val="visible"/>
+                                      </p:to>
+                                    </p:set>
+                                  </p:childTnLst>
+                                </p:cTn>
+                              </p:par>
+                              <p:par>
+                                <p:cTn id="17" presetID="1" presetClass="entr" presetSubtype="0" fill="hold" nodeType="withEffect">
+                                  <p:stCondLst>
+                                    <p:cond delay="0"/>
+                                  </p:stCondLst>
+                                  <p:childTnLst>
+                                    <p:set>
+                                      <p:cBhvr>
+                                        <p:cTn id="18" dur="1" fill="hold">
+                                          <p:stCondLst>
+                                            <p:cond delay="0"/>
+                                          </p:stCondLst>
+                                        </p:cTn>
+                                        <p:tgtEl>
+                                          <p:spTgt spid="8"/>
+                                        </p:tgtEl>
+                                        <p:attrNameLst>
+                                          <p:attrName>style.visibility</p:attrName>
+                                        </p:attrNameLst>
+                                      </p:cBhvr>
+                                      <p:to>
+                                        <p:strVal val="visible"/>
+                                      </p:to>
+                                    </p:set>
+                                  </p:childTnLst>
+                                </p:cTn>
+                              </p:par>
+                              <p:par>
+                                <p:cTn id="19" presetID="1" presetClass="exit" presetSubtype="0" fill="hold" nodeType="withEffect">
+                                  <p:stCondLst>
+                                    <p:cond delay="0"/>
+                                  </p:stCondLst>
+                                  <p:childTnLst>
+                                    <p:set>
+                                      <p:cBhvr>
+                                        <p:cTn id="20" dur="1" fill="hold">
+                                          <p:stCondLst>
+                                            <p:cond delay="0"/>
+                                          </p:stCondLst>
+                                        </p:cTn>
+                                        <p:tgtEl>
+                                          <p:spTgt spid="1026"/>
+                                        </p:tgtEl>
+                                        <p:attrNameLst>
+                                          <p:attrName>style.visibility</p:attrName>
+                                        </p:attrNameLst>
+                                      </p:cBhvr>
+                                      <p:to>
+                                        <p:strVal val="hidden"/>
+                                      </p:to>
+                                    </p:set>
+                                  </p:childTnLst>
+                                </p:cTn>
+                              </p:par>
+                              <p:par>
+                                <p:cTn id="21" presetID="1" presetClass="exit" presetSubtype="0" fill="hold" nodeType="withEffect">
+                                  <p:stCondLst>
+                                    <p:cond delay="0"/>
+                                  </p:stCondLst>
+                                  <p:childTnLst>
+                                    <p:set>
+                                      <p:cBhvr>
+                                        <p:cTn id="22" dur="1" fill="hold">
+                                          <p:stCondLst>
+                                            <p:cond delay="0"/>
+                                          </p:stCondLst>
+                                        </p:cTn>
+                                        <p:tgtEl>
+                                          <p:spTgt spid="7"/>
+                                        </p:tgtEl>
+                                        <p:attrNameLst>
+                                          <p:attrName>style.visibility</p:attrName>
+                                        </p:attrNameLst>
+                                      </p:cBhvr>
+                                      <p:to>
+                                        <p:strVal val="hidden"/>
+                                      </p:to>
+                                    </p:set>
+                                  </p:childTnLst>
+                                </p:cTn>
+                              </p:par>
+                            </p:childTnLst>
+                          </p:cTn>
+                        </p:par>
+                      </p:childTnLst>
+                    </p:cTn>
+                  </p:par>
+                  <p:par>
+                    <p:cTn id="23" fill="hold">
+                      <p:stCondLst>
+                        <p:cond delay="indefinite"/>
+                      </p:stCondLst>
+                      <p:childTnLst>
+                        <p:par>
+                          <p:cTn id="24" fill="hold">
+                            <p:stCondLst>
+                              <p:cond delay="0"/>
+                            </p:stCondLst>
+                            <p:childTnLst>
+                              <p:par>
+                                <p:cTn id="25" presetID="1" presetClass="entr" presetSubtype="0" fill="hold" grpId="0" nodeType="clickEffect">
+                                  <p:stCondLst>
+                                    <p:cond delay="0"/>
+                                  </p:stCondLst>
+                                  <p:childTnLst>
+                                    <p:set>
+                                      <p:cBhvr>
+                                        <p:cTn id="26" dur="1" fill="hold">
+                                          <p:stCondLst>
+                                            <p:cond delay="0"/>
+                                          </p:stCondLst>
+                                        </p:cTn>
+                                        <p:tgtEl>
+                                          <p:spTgt spid="2">
+                                            <p:txEl>
+                                              <p:pRg st="2" end="2"/>
+                                            </p:txEl>
+                                          </p:spTgt>
+                                        </p:tgtEl>
+                                        <p:attrNameLst>
+                                          <p:attrName>style.visibility</p:attrName>
+                                        </p:attrNameLst>
+                                      </p:cBhvr>
+                                      <p:to>
+                                        <p:strVal val="visible"/>
+                                      </p:to>
+                                    </p:set>
+                                  </p:childTnLst>
+                                </p:cTn>
+                              </p:par>
+                              <p:par>
+                                <p:cTn id="27" presetID="1" presetClass="exit" presetSubtype="0" fill="hold" nodeType="withEffect">
+                                  <p:stCondLst>
+                                    <p:cond delay="0"/>
+                                  </p:stCondLst>
+                                  <p:childTnLst>
+                                    <p:set>
+                                      <p:cBhvr>
+                                        <p:cTn id="28" dur="1" fill="hold">
+                                          <p:stCondLst>
+                                            <p:cond delay="0"/>
+                                          </p:stCondLst>
+                                        </p:cTn>
+                                        <p:tgtEl>
+                                          <p:spTgt spid="8"/>
+                                        </p:tgtEl>
+                                        <p:attrNameLst>
+                                          <p:attrName>style.visibility</p:attrName>
+                                        </p:attrNameLst>
+                                      </p:cBhvr>
+                                      <p:to>
+                                        <p:strVal val="hidden"/>
+                                      </p:to>
+                                    </p:set>
+                                  </p:childTnLst>
+                                </p:cTn>
+                              </p:par>
+                              <p:par>
+                                <p:cTn id="29" presetID="1" presetClass="exit" presetSubtype="0" fill="hold" nodeType="withEffect">
+                                  <p:stCondLst>
+                                    <p:cond delay="0"/>
+                                  </p:stCondLst>
+                                  <p:childTnLst>
+                                    <p:set>
+                                      <p:cBhvr>
+                                        <p:cTn id="30" dur="1" fill="hold">
+                                          <p:stCondLst>
+                                            <p:cond delay="0"/>
+                                          </p:stCondLst>
+                                        </p:cTn>
+                                        <p:tgtEl>
+                                          <p:spTgt spid="7"/>
+                                        </p:tgtEl>
+                                        <p:attrNameLst>
+                                          <p:attrName>style.visibility</p:attrName>
+                                        </p:attrNameLst>
+                                      </p:cBhvr>
+                                      <p:to>
+                                        <p:strVal val="hidden"/>
+                                      </p:to>
+                                    </p:set>
+                                  </p:childTnLst>
+                                </p:cTn>
+                              </p:par>
+                              <p:par>
+                                <p:cTn id="31" presetID="1" presetClass="entr" presetSubtype="0" fill="hold" nodeType="withEffect">
+                                  <p:stCondLst>
+                                    <p:cond delay="0"/>
+                                  </p:stCondLst>
+                                  <p:childTnLst>
+                                    <p:set>
+                                      <p:cBhvr>
+                                        <p:cTn id="32" dur="1" fill="hold">
+                                          <p:stCondLst>
+                                            <p:cond delay="0"/>
+                                          </p:stCondLst>
+                                        </p:cTn>
+                                        <p:tgtEl>
+                                          <p:spTgt spid="1026"/>
+                                        </p:tgtEl>
+                                        <p:attrNameLst>
+                                          <p:attrName>style.visibility</p:attrName>
+                                        </p:attrNameLst>
+                                      </p:cBhvr>
+                                      <p:to>
+                                        <p:strVal val="visible"/>
+                                      </p:to>
+                                    </p:set>
+                                  </p:childTnLst>
+                                </p:cTn>
+                              </p:par>
+                            </p:childTnLst>
+                          </p:cTn>
+                        </p:par>
+                      </p:childTnLst>
+                    </p:cTn>
+                  </p:par>
+                  <p:par>
+                    <p:cTn id="33" fill="hold">
+                      <p:stCondLst>
+                        <p:cond delay="indefinite"/>
+                      </p:stCondLst>
+                      <p:childTnLst>
+                        <p:par>
+                          <p:cTn id="34" fill="hold">
+                            <p:stCondLst>
+                              <p:cond delay="0"/>
+                            </p:stCondLst>
+                            <p:childTnLst>
+                              <p:par>
+                                <p:cTn id="35" presetID="1" presetClass="entr" presetSubtype="0" fill="hold" grpId="0" nodeType="clickEffect">
+                                  <p:stCondLst>
+                                    <p:cond delay="0"/>
+                                  </p:stCondLst>
+                                  <p:childTnLst>
+                                    <p:set>
+                                      <p:cBhvr>
+                                        <p:cTn id="36" dur="1" fill="hold">
+                                          <p:stCondLst>
+                                            <p:cond delay="0"/>
+                                          </p:stCondLst>
+                                        </p:cTn>
+                                        <p:tgtEl>
+                                          <p:spTgt spid="2">
+                                            <p:txEl>
+                                              <p:pRg st="3" end="3"/>
+                                            </p:txEl>
+                                          </p:spTgt>
+                                        </p:tgtEl>
+                                        <p:attrNameLst>
+                                          <p:attrName>style.visibility</p:attrName>
+                                        </p:attrNameLst>
+                                      </p:cBhvr>
+                                      <p:to>
+                                        <p:strVal val="visible"/>
+                                      </p:to>
+                                    </p:set>
+                                  </p:childTnLst>
+                                </p:cTn>
+                              </p:par>
+                              <p:par>
+                                <p:cTn id="37" presetID="1" presetClass="entr" presetSubtype="0" fill="hold" nodeType="withEffect">
+                                  <p:stCondLst>
+                                    <p:cond delay="0"/>
+                                  </p:stCondLst>
+                                  <p:childTnLst>
+                                    <p:set>
+                                      <p:cBhvr>
+                                        <p:cTn id="38" dur="1" fill="hold">
+                                          <p:stCondLst>
+                                            <p:cond delay="0"/>
+                                          </p:stCondLst>
+                                        </p:cTn>
+                                        <p:tgtEl>
+                                          <p:spTgt spid="7"/>
+                                        </p:tgtEl>
+                                        <p:attrNameLst>
+                                          <p:attrName>style.visibility</p:attrName>
+                                        </p:attrNameLst>
+                                      </p:cBhvr>
+                                      <p:to>
+                                        <p:strVal val="visible"/>
+                                      </p:to>
+                                    </p:set>
+                                  </p:childTnLst>
+                                </p:cTn>
+                              </p:par>
+                              <p:par>
+                                <p:cTn id="39" presetID="1" presetClass="exit" presetSubtype="0" fill="hold" nodeType="withEffect">
+                                  <p:stCondLst>
+                                    <p:cond delay="0"/>
+                                  </p:stCondLst>
+                                  <p:childTnLst>
+                                    <p:set>
+                                      <p:cBhvr>
+                                        <p:cTn id="40" dur="1" fill="hold">
+                                          <p:stCondLst>
+                                            <p:cond delay="0"/>
+                                          </p:stCondLst>
+                                        </p:cTn>
+                                        <p:tgtEl>
+                                          <p:spTgt spid="1026"/>
+                                        </p:tgtEl>
+                                        <p:attrNameLst>
+                                          <p:attrName>style.visibility</p:attrName>
+                                        </p:attrNameLst>
+                                      </p:cBhvr>
+                                      <p:to>
+                                        <p:strVal val="hidden"/>
+                                      </p:to>
+                                    </p:set>
+                                  </p:childTnLst>
+                                </p:cTn>
+                              </p:par>
+                            </p:childTnLst>
+                          </p:cTn>
+                        </p:par>
+                      </p:childTnLst>
+                    </p:cTn>
+                  </p:par>
+                </p:childTnLst>
+              </p:cTn>
+              <p:prevCondLst>
+                <p:cond evt="onPrev" delay="0">
+                  <p:tgtEl>
+                    <p:sldTgt/>
+                  </p:tgtEl>
+                </p:cond>
+              </p:prevCondLst>
+              <p:nextCondLst>
+                <p:cond evt="onNext" delay="0">
+                  <p:tgtEl>
+                    <p:sldTgt/>
+                  </p:tgtEl>
+                </p:cond>
+              </p:nextCondLst>
+            </p:seq>
+          </p:childTnLst>
+        </p:cTn>
+      </p:par>
+    </p:tnLst>
+    <p:bldLst>
+      <p:bldP spid="2" grpId="0" uiExpand="1" build="p"/>
+    </p:bldLst>
+  </p:timing>
+</p:sld>
+</file>
+
+<file path=ppt/slides/slide6.xml><?xml version="1.0" encoding="utf-8"?>
+<p:sld xmlns:a="http://schemas.openxmlformats.org/drawingml/2006/main" xmlns:r="http://schemas.openxmlformats.org/officeDocument/2006/relationships" xmlns:p="http://schemas.openxmlformats.org/presentationml/2006/main">
+  <p:cSld>
+    <p:spTree>
+      <p:nvGrpSpPr>
+        <p:cNvPr id="1" name=""/>
+        <p:cNvGrpSpPr/>
+        <p:nvPr/>
+      </p:nvGrpSpPr>
+      <p:grpSpPr>
+        <a:xfrm>
+          <a:off x="0" y="0"/>
+          <a:ext cx="0" cy="0"/>
+          <a:chOff x="0" y="0"/>
+          <a:chExt cx="0" cy="0"/>
+        </a:xfrm>
+      </p:grpSpPr>
+      <p:sp>
+        <p:nvSpPr>
+          <p:cNvPr id="2" name="Text Placeholder 1">
+            <a:extLst>
+              <a:ext uri="{FF2B5EF4-FFF2-40B4-BE49-F238E27FC236}">
+                <a16:creationId xmlns:a16="http://schemas.microsoft.com/office/drawing/2014/main" id="{505896E4-D106-4581-A13D-4BBC31FBF45F}"/>
+              </a:ext>
+            </a:extLst>
+          </p:cNvPr>
+          <p:cNvSpPr>
+            <a:spLocks noGrp="1"/>
+          </p:cNvSpPr>
+          <p:nvPr>
+            <p:ph type="body" sz="quarter" idx="10"/>
+          </p:nvPr>
+        </p:nvSpPr>
+        <p:spPr>
+          <a:xfrm>
+            <a:off x="274638" y="1212850"/>
+            <a:ext cx="11887200" cy="4745915"/>
+          </a:xfrm>
+        </p:spPr>
+        <p:txBody>
+          <a:bodyPr/>
+          <a:lstStyle/>
+          <a:p>
+            <a:r>
+              <a:rPr lang="en-US" dirty="0"/>
+              <a:t>No more standalone SSDT installation </a:t>
+            </a:r>
+            <a:endParaRPr lang="en-CA" dirty="0"/>
+          </a:p>
+          <a:p>
+            <a:r>
+              <a:rPr lang="en-CA" dirty="0"/>
+              <a:t>Install Visual Studio Community Edition</a:t>
+            </a:r>
+          </a:p>
+          <a:p>
+            <a:pPr lvl="1"/>
+            <a:r>
+              <a:rPr lang="en-CA" dirty="0"/>
+              <a:t>SQL Server Data Tools (allows for creation of Database Project)</a:t>
+            </a:r>
+          </a:p>
+          <a:p>
+            <a:r>
+              <a:rPr lang="en-CA" dirty="0"/>
+              <a:t>Install Visual Studio Extensions</a:t>
+            </a:r>
+          </a:p>
+          <a:p>
+            <a:endParaRPr lang="en-CA" dirty="0"/>
+          </a:p>
+          <a:p>
+            <a:endParaRPr lang="en-CA" dirty="0"/>
+          </a:p>
+          <a:p>
+            <a:endParaRPr lang="en-CA" dirty="0"/>
+          </a:p>
+          <a:p>
+            <a:r>
+              <a:rPr lang="en-CA" dirty="0"/>
+              <a:t>Can Target SSIS 2012 to 2019</a:t>
+            </a:r>
+          </a:p>
+        </p:txBody>
+      </p:sp>
+      <p:sp>
+        <p:nvSpPr>
+          <p:cNvPr id="3" name="Title 2">
+            <a:extLst>
+              <a:ext uri="{FF2B5EF4-FFF2-40B4-BE49-F238E27FC236}">
+                <a16:creationId xmlns:a16="http://schemas.microsoft.com/office/drawing/2014/main" id="{98E182E0-9724-4020-AFF2-6CA4DE141556}"/>
+              </a:ext>
+            </a:extLst>
+          </p:cNvPr>
+          <p:cNvSpPr>
+            <a:spLocks noGrp="1"/>
+          </p:cNvSpPr>
+          <p:nvPr>
+            <p:ph type="title"/>
+          </p:nvPr>
+        </p:nvSpPr>
+        <p:spPr/>
+        <p:txBody>
+          <a:bodyPr/>
+          <a:lstStyle/>
+          <a:p>
+            <a:r>
+              <a:rPr lang="en-CA" dirty="0"/>
+              <a:t>SSDT for Visual Studio 2019</a:t>
+            </a:r>
+            <a:endParaRPr lang="en-US" dirty="0"/>
+          </a:p>
+        </p:txBody>
+      </p:sp>
+      <p:graphicFrame>
+        <p:nvGraphicFramePr>
+          <p:cNvPr id="10" name="Table 9">
+            <a:extLst>
+              <a:ext uri="{FF2B5EF4-FFF2-40B4-BE49-F238E27FC236}">
+                <a16:creationId xmlns:a16="http://schemas.microsoft.com/office/drawing/2014/main" id="{6B5B7C4F-B6D9-4447-9477-801FAF5734A8}"/>
+              </a:ext>
+            </a:extLst>
+          </p:cNvPr>
+          <p:cNvGraphicFramePr>
+            <a:graphicFrameLocks noGrp="1"/>
+          </p:cNvGraphicFramePr>
+          <p:nvPr/>
+        </p:nvGraphicFramePr>
+        <p:xfrm>
+          <a:off x="1189037" y="3497262"/>
+          <a:ext cx="4419600" cy="1483360"/>
+        </p:xfrm>
+        <a:graphic>
+          <a:graphicData uri="http://schemas.openxmlformats.org/drawingml/2006/table">
+            <a:tbl>
+              <a:tblPr firstRow="1" bandRow="1">
+                <a:tableStyleId>{5C22544A-7EE6-4342-B048-85BDC9FD1C3A}</a:tableStyleId>
+              </a:tblPr>
+              <a:tblGrid>
+                <a:gridCol w="4419600">
+                  <a:extLst>
+                    <a:ext uri="{9D8B030D-6E8A-4147-A177-3AD203B41FA5}">
+                      <a16:colId xmlns:a16="http://schemas.microsoft.com/office/drawing/2014/main" val="2169374726"/>
+                    </a:ext>
+                  </a:extLst>
+                </a:gridCol>
+              </a:tblGrid>
+              <a:tr h="370840">
+                <a:tc>
+                  <a:txBody>
+                    <a:bodyPr/>
+                    <a:lstStyle/>
+                    <a:p>
+                      <a:r>
+                        <a:rPr lang="en-CA" dirty="0"/>
+                        <a:t>Visual Studio Extension Name</a:t>
+                      </a:r>
+                      <a:endParaRPr lang="en-US" dirty="0"/>
+                    </a:p>
+                  </a:txBody>
+                  <a:tcPr/>
+                </a:tc>
+                <a:extLst>
+                  <a:ext uri="{0D108BD9-81ED-4DB2-BD59-A6C34878D82A}">
+                    <a16:rowId xmlns:a16="http://schemas.microsoft.com/office/drawing/2014/main" val="2519961119"/>
+                  </a:ext>
+                </a:extLst>
+              </a:tr>
+              <a:tr h="370840">
+                <a:tc>
+                  <a:txBody>
+                    <a:bodyPr/>
+                    <a:lstStyle/>
+                    <a:p>
+                      <a:r>
+                        <a:rPr lang="en-US" sz="1800" u="sng" kern="1200" dirty="0">
+                          <a:solidFill>
+                            <a:schemeClr val="dk1"/>
+                          </a:solidFill>
+                          <a:effectLst/>
+                          <a:latin typeface="+mn-lt"/>
+                          <a:ea typeface="+mn-ea"/>
+                          <a:cs typeface="+mn-cs"/>
+                          <a:hlinkClick r:id="rId3"/>
+                        </a:rPr>
+                        <a:t>SQL Server Integration Services Projects</a:t>
+                      </a:r>
+                      <a:endParaRPr lang="en-US" dirty="0"/>
+                    </a:p>
+                  </a:txBody>
+                  <a:tcPr/>
+                </a:tc>
+                <a:extLst>
+                  <a:ext uri="{0D108BD9-81ED-4DB2-BD59-A6C34878D82A}">
+                    <a16:rowId xmlns:a16="http://schemas.microsoft.com/office/drawing/2014/main" val="1890079075"/>
+                  </a:ext>
+                </a:extLst>
+              </a:tr>
+              <a:tr h="370840">
+                <a:tc>
+                  <a:txBody>
+                    <a:bodyPr/>
+                    <a:lstStyle/>
+                    <a:p>
+                      <a:r>
+                        <a:rPr lang="en-US" sz="1800" u="sng" kern="1200" dirty="0">
+                          <a:solidFill>
+                            <a:schemeClr val="dk1"/>
+                          </a:solidFill>
+                          <a:effectLst/>
+                          <a:latin typeface="+mn-lt"/>
+                          <a:ea typeface="+mn-ea"/>
+                          <a:cs typeface="+mn-cs"/>
+                          <a:hlinkClick r:id="rId4"/>
+                        </a:rPr>
+                        <a:t>Microsoft Analysis Services Projects</a:t>
+                      </a:r>
+                      <a:endParaRPr lang="en-US" dirty="0"/>
+                    </a:p>
+                  </a:txBody>
+                  <a:tcPr/>
+                </a:tc>
+                <a:extLst>
+                  <a:ext uri="{0D108BD9-81ED-4DB2-BD59-A6C34878D82A}">
+                    <a16:rowId xmlns:a16="http://schemas.microsoft.com/office/drawing/2014/main" val="2258735141"/>
+                  </a:ext>
+                </a:extLst>
+              </a:tr>
+              <a:tr h="370840">
+                <a:tc>
+                  <a:txBody>
+                    <a:bodyPr/>
+                    <a:lstStyle/>
+                    <a:p>
+                      <a:r>
+                        <a:rPr lang="en-US" sz="1800" u="sng" kern="1200" dirty="0">
+                          <a:solidFill>
+                            <a:schemeClr val="dk1"/>
+                          </a:solidFill>
+                          <a:effectLst/>
+                          <a:latin typeface="+mn-lt"/>
+                          <a:ea typeface="+mn-ea"/>
+                          <a:cs typeface="+mn-cs"/>
+                          <a:hlinkClick r:id="rId5"/>
+                        </a:rPr>
+                        <a:t>Microsoft Reporting Services Projects</a:t>
+                      </a:r>
+                      <a:endParaRPr lang="en-US" dirty="0"/>
+                    </a:p>
+                  </a:txBody>
+                  <a:tcPr/>
+                </a:tc>
+                <a:extLst>
+                  <a:ext uri="{0D108BD9-81ED-4DB2-BD59-A6C34878D82A}">
+                    <a16:rowId xmlns:a16="http://schemas.microsoft.com/office/drawing/2014/main" val="2107845518"/>
+                  </a:ext>
+                </a:extLst>
+              </a:tr>
+            </a:tbl>
+          </a:graphicData>
+        </a:graphic>
+      </p:graphicFrame>
+      <p:pic>
+        <p:nvPicPr>
+          <p:cNvPr id="11" name="Picture 10">
+            <a:extLst>
+              <a:ext uri="{FF2B5EF4-FFF2-40B4-BE49-F238E27FC236}">
+                <a16:creationId xmlns:a16="http://schemas.microsoft.com/office/drawing/2014/main" id="{908E3E0F-0FE2-4315-AF97-79CEADDE19DE}"/>
+              </a:ext>
+            </a:extLst>
+          </p:cNvPr>
+          <p:cNvPicPr>
+            <a:picLocks noChangeAspect="1"/>
+          </p:cNvPicPr>
+          <p:nvPr/>
+        </p:nvPicPr>
+        <p:blipFill>
+          <a:blip r:embed="rId6"/>
+          <a:stretch>
+            <a:fillRect/>
+          </a:stretch>
+        </p:blipFill>
+        <p:spPr>
+          <a:xfrm>
+            <a:off x="7437437" y="4621884"/>
+            <a:ext cx="4915697" cy="2319581"/>
+          </a:xfrm>
+          <a:prstGeom prst="rect">
+            <a:avLst/>
+          </a:prstGeom>
+        </p:spPr>
+      </p:pic>
+    </p:spTree>
+    <p:extLst>
+      <p:ext uri="{BB962C8B-B14F-4D97-AF65-F5344CB8AC3E}">
+        <p14:creationId xmlns:p14="http://schemas.microsoft.com/office/powerpoint/2010/main" val="368707466"/>
+      </p:ext>
+    </p:extLst>
+  </p:cSld>
+  <p:clrMapOvr>
+    <a:masterClrMapping/>
+  </p:clrMapOvr>
+  <p:transition>
+    <p:fade/>
+  </p:transition>
+</p:sld>
+</file>
+
+<file path=ppt/slides/slide7.xml><?xml version="1.0" encoding="utf-8"?>
+<p:sld xmlns:a="http://schemas.openxmlformats.org/drawingml/2006/main" xmlns:r="http://schemas.openxmlformats.org/officeDocument/2006/relationships" xmlns:p="http://schemas.openxmlformats.org/presentationml/2006/main">
+  <p:cSld>
+    <p:spTree>
+      <p:nvGrpSpPr>
+        <p:cNvPr id="1" name=""/>
+        <p:cNvGrpSpPr/>
+        <p:nvPr/>
+      </p:nvGrpSpPr>
+      <p:grpSpPr>
+        <a:xfrm>
+          <a:off x="0" y="0"/>
+          <a:ext cx="0" cy="0"/>
+          <a:chOff x="0" y="0"/>
+          <a:chExt cx="0" cy="0"/>
+        </a:xfrm>
+      </p:grpSpPr>
+      <p:pic>
+        <p:nvPicPr>
+          <p:cNvPr id="7" name="Picture 6">
+            <a:extLst>
+              <a:ext uri="{FF2B5EF4-FFF2-40B4-BE49-F238E27FC236}">
+                <a16:creationId xmlns:a16="http://schemas.microsoft.com/office/drawing/2014/main" id="{AA061C16-8A80-4987-A1CC-030888BD2F12}"/>
+              </a:ext>
+            </a:extLst>
+          </p:cNvPr>
+          <p:cNvPicPr>
+            <a:picLocks noChangeAspect="1"/>
+          </p:cNvPicPr>
+          <p:nvPr/>
+        </p:nvPicPr>
+        <p:blipFill>
+          <a:blip r:embed="rId3"/>
+          <a:stretch>
+            <a:fillRect/>
+          </a:stretch>
+        </p:blipFill>
+        <p:spPr>
+          <a:xfrm>
+            <a:off x="5456237" y="2580718"/>
+            <a:ext cx="5199063" cy="3810000"/>
+          </a:xfrm>
+          <a:prstGeom prst="rect">
+            <a:avLst/>
+          </a:prstGeom>
+        </p:spPr>
+      </p:pic>
+      <p:pic>
+        <p:nvPicPr>
+          <p:cNvPr id="5" name="Picture 4">
+            <a:extLst>
+              <a:ext uri="{FF2B5EF4-FFF2-40B4-BE49-F238E27FC236}">
+                <a16:creationId xmlns:a16="http://schemas.microsoft.com/office/drawing/2014/main" id="{B4D2D990-0329-49D9-BCD6-C73B2AD4249F}"/>
+              </a:ext>
+            </a:extLst>
+          </p:cNvPr>
+          <p:cNvPicPr>
+            <a:picLocks noChangeAspect="1"/>
+          </p:cNvPicPr>
+          <p:nvPr/>
+        </p:nvPicPr>
+        <p:blipFill>
+          <a:blip r:embed="rId4"/>
+          <a:stretch>
+            <a:fillRect/>
+          </a:stretch>
+        </p:blipFill>
+        <p:spPr>
+          <a:xfrm>
+            <a:off x="5159122" y="4166615"/>
+            <a:ext cx="6477411" cy="2827910"/>
+          </a:xfrm>
+          <a:prstGeom prst="rect">
+            <a:avLst/>
+          </a:prstGeom>
+        </p:spPr>
+      </p:pic>
+      <p:sp>
+        <p:nvSpPr>
+          <p:cNvPr id="2" name="Text Placeholder 1">
+            <a:extLst>
+              <a:ext uri="{FF2B5EF4-FFF2-40B4-BE49-F238E27FC236}">
+                <a16:creationId xmlns:a16="http://schemas.microsoft.com/office/drawing/2014/main" id="{505896E4-D106-4581-A13D-4BBC31FBF45F}"/>
+              </a:ext>
+            </a:extLst>
+          </p:cNvPr>
+          <p:cNvSpPr>
+            <a:spLocks noGrp="1"/>
+          </p:cNvSpPr>
+          <p:nvPr>
+            <p:ph type="body" sz="quarter" idx="10"/>
+          </p:nvPr>
+        </p:nvSpPr>
+        <p:spPr>
+          <a:xfrm>
+            <a:off x="274638" y="1212850"/>
+            <a:ext cx="11887200" cy="683264"/>
+          </a:xfrm>
+        </p:spPr>
+        <p:txBody>
+          <a:bodyPr/>
+          <a:lstStyle/>
+          <a:p>
+            <a:r>
+              <a:rPr lang="en-CA" dirty="0"/>
+              <a:t>Check/Apply any Extension Updates</a:t>
+            </a:r>
+            <a:endParaRPr lang="en-US" dirty="0"/>
+          </a:p>
+        </p:txBody>
+      </p:sp>
+      <p:sp>
+        <p:nvSpPr>
+          <p:cNvPr id="3" name="Title 2">
+            <a:extLst>
+              <a:ext uri="{FF2B5EF4-FFF2-40B4-BE49-F238E27FC236}">
+                <a16:creationId xmlns:a16="http://schemas.microsoft.com/office/drawing/2014/main" id="{98E182E0-9724-4020-AFF2-6CA4DE141556}"/>
+              </a:ext>
+            </a:extLst>
+          </p:cNvPr>
+          <p:cNvSpPr>
+            <a:spLocks noGrp="1"/>
+          </p:cNvSpPr>
+          <p:nvPr>
+            <p:ph type="title"/>
+          </p:nvPr>
+        </p:nvSpPr>
+        <p:spPr/>
+        <p:txBody>
+          <a:bodyPr/>
+          <a:lstStyle/>
+          <a:p>
+            <a:r>
+              <a:rPr lang="en-CA" dirty="0"/>
+              <a:t>SSDT 2019 - Updates</a:t>
+            </a:r>
+            <a:endParaRPr lang="en-US" dirty="0"/>
+          </a:p>
+        </p:txBody>
+      </p:sp>
+      <p:pic>
+        <p:nvPicPr>
+          <p:cNvPr id="4" name="Picture 3">
+            <a:extLst>
+              <a:ext uri="{FF2B5EF4-FFF2-40B4-BE49-F238E27FC236}">
+                <a16:creationId xmlns:a16="http://schemas.microsoft.com/office/drawing/2014/main" id="{091572C7-E2CE-416A-B9D7-B1D9F5315DE9}"/>
+              </a:ext>
+            </a:extLst>
+          </p:cNvPr>
+          <p:cNvPicPr>
+            <a:picLocks noChangeAspect="1"/>
+          </p:cNvPicPr>
+          <p:nvPr/>
+        </p:nvPicPr>
+        <p:blipFill>
+          <a:blip r:embed="rId5"/>
+          <a:stretch>
+            <a:fillRect/>
+          </a:stretch>
+        </p:blipFill>
+        <p:spPr>
+          <a:xfrm>
+            <a:off x="4374105" y="1976911"/>
+            <a:ext cx="8047447" cy="5017614"/>
+          </a:xfrm>
+          <a:prstGeom prst="rect">
+            <a:avLst/>
+          </a:prstGeom>
+        </p:spPr>
+      </p:pic>
+    </p:spTree>
+    <p:extLst>
+      <p:ext uri="{BB962C8B-B14F-4D97-AF65-F5344CB8AC3E}">
+        <p14:creationId xmlns:p14="http://schemas.microsoft.com/office/powerpoint/2010/main" val="2943896297"/>
+      </p:ext>
+    </p:extLst>
+  </p:cSld>
+  <p:clrMapOvr>
+    <a:masterClrMapping/>
+  </p:clrMapOvr>
+  <p:transition>
+    <p:fade/>
+  </p:transition>
+  <p:timing>
+    <p:tnLst>
+      <p:par>
+        <p:cTn id="1" dur="indefinite" restart="never" nodeType="tmRoot">
+          <p:childTnLst>
+            <p:seq concurrent="1" nextAc="seek">
+              <p:cTn id="2" dur="indefinite" nodeType="mainSeq">
+                <p:childTnLst>
+                  <p:par>
+                    <p:cTn id="3" fill="hold">
+                      <p:stCondLst>
+                        <p:cond delay="indefinite"/>
+                        <p:cond evt="onBegin" delay="0">
+                          <p:tn val="2"/>
+                        </p:cond>
+                      </p:stCondLst>
+                      <p:childTnLst>
+                        <p:par>
+                          <p:cTn id="4" fill="hold">
+                            <p:stCondLst>
+                              <p:cond delay="0"/>
+                            </p:stCondLst>
+                            <p:childTnLst>
+                              <p:par>
+                                <p:cTn id="5" presetID="1" presetClass="exit" presetSubtype="0" fill="hold" nodeType="withEffect">
+                                  <p:stCondLst>
+                                    <p:cond delay="0"/>
+                                  </p:stCondLst>
+                                  <p:childTnLst>
+                                    <p:set>
+                                      <p:cBhvr>
+                                        <p:cTn id="6" dur="1" fill="hold">
+                                          <p:stCondLst>
+                                            <p:cond delay="0"/>
+                                          </p:stCondLst>
+                                        </p:cTn>
+                                        <p:tgtEl>
+                                          <p:spTgt spid="5"/>
+                                        </p:tgtEl>
+                                        <p:attrNameLst>
+                                          <p:attrName>style.visibility</p:attrName>
+                                        </p:attrNameLst>
+                                      </p:cBhvr>
+                                      <p:to>
+                                        <p:strVal val="hidden"/>
+                                      </p:to>
+                                    </p:set>
+                                  </p:childTnLst>
+                                </p:cTn>
+                              </p:par>
+                              <p:par>
+                                <p:cTn id="7" presetID="1" presetClass="exit" presetSubtype="0" fill="hold" nodeType="withEffect">
+                                  <p:stCondLst>
+                                    <p:cond delay="0"/>
+                                  </p:stCondLst>
+                                  <p:childTnLst>
+                                    <p:set>
+                                      <p:cBhvr>
+                                        <p:cTn id="8" dur="1" fill="hold">
+                                          <p:stCondLst>
+                                            <p:cond delay="0"/>
+                                          </p:stCondLst>
+                                        </p:cTn>
+                                        <p:tgtEl>
+                                          <p:spTgt spid="7"/>
+                                        </p:tgtEl>
+                                        <p:attrNameLst>
+                                          <p:attrName>style.visibility</p:attrName>
+                                        </p:attrNameLst>
+                                      </p:cBhvr>
+                                      <p:to>
+                                        <p:strVal val="hidden"/>
+                                      </p:to>
+                                    </p:set>
+                                  </p:childTnLst>
+                                </p:cTn>
+                              </p:par>
+                            </p:childTnLst>
+                          </p:cTn>
+                        </p:par>
+                      </p:childTnLst>
+                    </p:cTn>
+                  </p:par>
+                  <p:par>
+                    <p:cTn id="9" fill="hold">
+                      <p:stCondLst>
+                        <p:cond delay="indefinite"/>
+                      </p:stCondLst>
+                      <p:childTnLst>
+                        <p:par>
+                          <p:cTn id="10" fill="hold">
+                            <p:stCondLst>
+                              <p:cond delay="0"/>
+                            </p:stCondLst>
+                            <p:childTnLst>
+                              <p:par>
+                                <p:cTn id="11" presetID="1" presetClass="entr" presetSubtype="0" fill="hold" nodeType="clickEffect">
+                                  <p:stCondLst>
+                                    <p:cond delay="0"/>
+                                  </p:stCondLst>
+                                  <p:childTnLst>
+                                    <p:set>
+                                      <p:cBhvr>
+                                        <p:cTn id="12" dur="1" fill="hold">
+                                          <p:stCondLst>
+                                            <p:cond delay="0"/>
+                                          </p:stCondLst>
+                                        </p:cTn>
+                                        <p:tgtEl>
+                                          <p:spTgt spid="5"/>
+                                        </p:tgtEl>
+                                        <p:attrNameLst>
+                                          <p:attrName>style.visibility</p:attrName>
+                                        </p:attrNameLst>
+                                      </p:cBhvr>
+                                      <p:to>
+                                        <p:strVal val="visible"/>
+                                      </p:to>
+                                    </p:set>
+                                  </p:childTnLst>
+                                </p:cTn>
+                              </p:par>
+                              <p:par>
+                                <p:cTn id="13" presetID="1" presetClass="exit" presetSubtype="0" fill="hold" nodeType="withEffect">
+                                  <p:stCondLst>
+                                    <p:cond delay="0"/>
+                                  </p:stCondLst>
+                                  <p:childTnLst>
+                                    <p:set>
+                                      <p:cBhvr>
+                                        <p:cTn id="14" dur="1" fill="hold">
+                                          <p:stCondLst>
+                                            <p:cond delay="0"/>
+                                          </p:stCondLst>
+                                        </p:cTn>
+                                        <p:tgtEl>
+                                          <p:spTgt spid="4"/>
+                                        </p:tgtEl>
+                                        <p:attrNameLst>
+                                          <p:attrName>style.visibility</p:attrName>
+                                        </p:attrNameLst>
+                                      </p:cBhvr>
+                                      <p:to>
+                                        <p:strVal val="hidden"/>
+                                      </p:to>
+                                    </p:set>
+                                  </p:childTnLst>
+                                </p:cTn>
+                              </p:par>
+                            </p:childTnLst>
+                          </p:cTn>
+                        </p:par>
+                      </p:childTnLst>
+                    </p:cTn>
+                  </p:par>
+                  <p:par>
+                    <p:cTn id="15" fill="hold">
+                      <p:stCondLst>
+                        <p:cond delay="indefinite"/>
+                      </p:stCondLst>
+                      <p:childTnLst>
+                        <p:par>
+                          <p:cTn id="16" fill="hold">
+                            <p:stCondLst>
+                              <p:cond delay="0"/>
+                            </p:stCondLst>
+                            <p:childTnLst>
+                              <p:par>
+                                <p:cTn id="17" presetID="1" presetClass="entr" presetSubtype="0" fill="hold" nodeType="clickEffect">
+                                  <p:stCondLst>
+                                    <p:cond delay="0"/>
+                                  </p:stCondLst>
+                                  <p:childTnLst>
+                                    <p:set>
+                                      <p:cBhvr>
+                                        <p:cTn id="18" dur="1" fill="hold">
+                                          <p:stCondLst>
+                                            <p:cond delay="0"/>
+                                          </p:stCondLst>
+                                        </p:cTn>
+                                        <p:tgtEl>
+                                          <p:spTgt spid="7"/>
+                                        </p:tgtEl>
+                                        <p:attrNameLst>
+                                          <p:attrName>style.visibility</p:attrName>
+                                        </p:attrNameLst>
+                                      </p:cBhvr>
+                                      <p:to>
+                                        <p:strVal val="visible"/>
+                                      </p:to>
+                                    </p:set>
+                                  </p:childTnLst>
+                                </p:cTn>
+                              </p:par>
+                              <p:par>
+                                <p:cTn id="19" presetID="1" presetClass="exit" presetSubtype="0" fill="hold" nodeType="withEffect">
+                                  <p:stCondLst>
+                                    <p:cond delay="0"/>
+                                  </p:stCondLst>
+                                  <p:childTnLst>
+                                    <p:set>
+                                      <p:cBhvr>
+                                        <p:cTn id="20" dur="1" fill="hold">
+                                          <p:stCondLst>
+                                            <p:cond delay="0"/>
+                                          </p:stCondLst>
+                                        </p:cTn>
+                                        <p:tgtEl>
+                                          <p:spTgt spid="5"/>
+                                        </p:tgtEl>
+                                        <p:attrNameLst>
+                                          <p:attrName>style.visibility</p:attrName>
+                                        </p:attrNameLst>
+                                      </p:cBhvr>
+                                      <p:to>
+                                        <p:strVal val="hidden"/>
+                                      </p:to>
+                                    </p:set>
+                                  </p:childTnLst>
+                                </p:cTn>
+                              </p:par>
+                            </p:childTnLst>
+                          </p:cTn>
+                        </p:par>
+                      </p:childTnLst>
+                    </p:cTn>
+                  </p:par>
+                </p:childTnLst>
+              </p:cTn>
+              <p:prevCondLst>
+                <p:cond evt="onPrev" delay="0">
+                  <p:tgtEl>
+                    <p:sldTgt/>
+                  </p:tgtEl>
+                </p:cond>
+              </p:prevCondLst>
+              <p:nextCondLst>
+                <p:cond evt="onNext" delay="0">
+                  <p:tgtEl>
+                    <p:sldTgt/>
+                  </p:tgtEl>
+                </p:cond>
+              </p:nextCondLst>
+            </p:seq>
+          </p:childTnLst>
+        </p:cTn>
+      </p:par>
+    </p:tnLst>
+  </p:timing>
+</p:sld>
+</file>
+
+<file path=ppt/slides/slide8.xml><?xml version="1.0" encoding="utf-8"?>
+<p:sld xmlns:a="http://schemas.openxmlformats.org/drawingml/2006/main" xmlns:r="http://schemas.openxmlformats.org/officeDocument/2006/relationships" xmlns:p="http://schemas.openxmlformats.org/presentationml/2006/main">
+  <p:cSld>
+    <p:spTree>
+      <p:nvGrpSpPr>
+        <p:cNvPr id="1" name=""/>
+        <p:cNvGrpSpPr/>
+        <p:nvPr/>
+      </p:nvGrpSpPr>
+      <p:grpSpPr>
+        <a:xfrm>
+          <a:off x="0" y="0"/>
+          <a:ext cx="0" cy="0"/>
+          <a:chOff x="0" y="0"/>
+          <a:chExt cx="0" cy="0"/>
+        </a:xfrm>
+      </p:grpSpPr>
+      <p:sp>
+        <p:nvSpPr>
+          <p:cNvPr id="2" name="Text Placeholder 1">
+            <a:extLst>
+              <a:ext uri="{FF2B5EF4-FFF2-40B4-BE49-F238E27FC236}">
+                <a16:creationId xmlns:a16="http://schemas.microsoft.com/office/drawing/2014/main" id="{505896E4-D106-4581-A13D-4BBC31FBF45F}"/>
+              </a:ext>
+            </a:extLst>
+          </p:cNvPr>
+          <p:cNvSpPr>
+            <a:spLocks noGrp="1"/>
+          </p:cNvSpPr>
+          <p:nvPr>
+            <p:ph type="body" sz="quarter" idx="10"/>
+          </p:nvPr>
+        </p:nvSpPr>
+        <p:spPr>
+          <a:xfrm>
+            <a:off x="274638" y="1212850"/>
+            <a:ext cx="11887200" cy="1181862"/>
+          </a:xfrm>
+        </p:spPr>
+        <p:txBody>
+          <a:bodyPr/>
+          <a:lstStyle/>
+          <a:p>
+            <a:r>
+              <a:rPr lang="en-CA" dirty="0"/>
+              <a:t>SQL Integration Services project is not supported in Visual Studio 2022.</a:t>
+            </a:r>
+            <a:endParaRPr lang="en-US" dirty="0"/>
+          </a:p>
+        </p:txBody>
+      </p:sp>
+      <p:sp>
+        <p:nvSpPr>
+          <p:cNvPr id="3" name="Title 2">
+            <a:extLst>
+              <a:ext uri="{FF2B5EF4-FFF2-40B4-BE49-F238E27FC236}">
+                <a16:creationId xmlns:a16="http://schemas.microsoft.com/office/drawing/2014/main" id="{98E182E0-9724-4020-AFF2-6CA4DE141556}"/>
+              </a:ext>
+            </a:extLst>
+          </p:cNvPr>
+          <p:cNvSpPr>
+            <a:spLocks noGrp="1"/>
+          </p:cNvSpPr>
+          <p:nvPr>
+            <p:ph type="title"/>
+          </p:nvPr>
+        </p:nvSpPr>
+        <p:spPr/>
+        <p:txBody>
+          <a:bodyPr/>
+          <a:lstStyle/>
+          <a:p>
+            <a:r>
+              <a:rPr lang="en-CA" dirty="0"/>
+              <a:t>Visual Studio 2022</a:t>
+            </a:r>
+            <a:endParaRPr lang="en-US" dirty="0"/>
+          </a:p>
+        </p:txBody>
+      </p:sp>
+    </p:spTree>
+    <p:extLst>
+      <p:ext uri="{BB962C8B-B14F-4D97-AF65-F5344CB8AC3E}">
+        <p14:creationId xmlns:p14="http://schemas.microsoft.com/office/powerpoint/2010/main" val="3574643679"/>
+      </p:ext>
+    </p:extLst>
+  </p:cSld>
+  <p:clrMapOvr>
+    <a:masterClrMapping/>
+  </p:clrMapOvr>
+  <p:transition>
+    <p:fade/>
+  </p:transition>
+</p:sld>
+</file>
+
+<file path=ppt/slides/slide9.xml><?xml version="1.0" encoding="utf-8"?>
+<p:sld xmlns:a="http://schemas.openxmlformats.org/drawingml/2006/main" xmlns:r="http://schemas.openxmlformats.org/officeDocument/2006/relationships" xmlns:p="http://schemas.openxmlformats.org/presentationml/2006/main">
+  <p:cSld>
+    <p:spTree>
+      <p:nvGrpSpPr>
+        <p:cNvPr id="1" name=""/>
+        <p:cNvGrpSpPr/>
+        <p:nvPr/>
+      </p:nvGrpSpPr>
+      <p:grpSpPr>
+        <a:xfrm>
+          <a:off x="0" y="0"/>
+          <a:ext cx="0" cy="0"/>
+          <a:chOff x="0" y="0"/>
+          <a:chExt cx="0" cy="0"/>
+        </a:xfrm>
+      </p:grpSpPr>
+      <p:sp>
+        <p:nvSpPr>
+          <p:cNvPr id="2" name="Title 1">
+            <a:extLst>
+              <a:ext uri="{FF2B5EF4-FFF2-40B4-BE49-F238E27FC236}">
+                <a16:creationId xmlns:a16="http://schemas.microsoft.com/office/drawing/2014/main" id="{258A2F71-40F8-4CA9-A408-65AA98534F41}"/>
+              </a:ext>
+            </a:extLst>
+          </p:cNvPr>
+          <p:cNvSpPr>
+            <a:spLocks noGrp="1"/>
+          </p:cNvSpPr>
+          <p:nvPr>
+            <p:ph type="title"/>
+          </p:nvPr>
+        </p:nvSpPr>
+        <p:spPr/>
+        <p:txBody>
+          <a:bodyPr/>
+          <a:lstStyle/>
+          <a:p>
+            <a:r>
+              <a:rPr lang="en-US" dirty="0"/>
+              <a:t>SSDT Walkthrough</a:t>
+            </a:r>
+          </a:p>
+        </p:txBody>
+      </p:sp>
+      <p:sp>
+        <p:nvSpPr>
+          <p:cNvPr id="3" name="Text Placeholder 2">
+            <a:extLst>
+              <a:ext uri="{FF2B5EF4-FFF2-40B4-BE49-F238E27FC236}">
+                <a16:creationId xmlns:a16="http://schemas.microsoft.com/office/drawing/2014/main" id="{DE486D7B-239E-4197-9B71-1BF475F443A7}"/>
+              </a:ext>
+            </a:extLst>
+          </p:cNvPr>
+          <p:cNvSpPr>
+            <a:spLocks noGrp="1"/>
+          </p:cNvSpPr>
+          <p:nvPr>
+            <p:ph type="body" sz="quarter" idx="12"/>
+          </p:nvPr>
+        </p:nvSpPr>
+        <p:spPr/>
+        <p:txBody>
+          <a:bodyPr/>
+          <a:lstStyle/>
+          <a:p>
+            <a:r>
+              <a:rPr lang="en-US" dirty="0"/>
+              <a:t>Demo</a:t>
+            </a:r>
+          </a:p>
+        </p:txBody>
+      </p:sp>
+    </p:spTree>
+    <p:extLst>
+      <p:ext uri="{BB962C8B-B14F-4D97-AF65-F5344CB8AC3E}">
+        <p14:creationId xmlns:p14="http://schemas.microsoft.com/office/powerpoint/2010/main" val="1184190284"/>
+      </p:ext>
+    </p:extLst>
+  </p:cSld>
+  <p:clrMapOvr>
+    <a:masterClrMapping/>
+  </p:clrMapOvr>
+  <mc:AlternateContent xmlns:mc="http://schemas.openxmlformats.org/markup-compatibility/2006" xmlns:p14="http://schemas.microsoft.com/office/powerpoint/2010/main">
+    <mc:Choice Requires="p14">
+      <p:transition spd="slow" p14:dur="3400">
+        <p14:reveal/>
+      </p:transition>
+    </mc:Choice>
+    <mc:Fallback xmlns="">
+      <p:transition spd="slow">
+        <p:fade/>
+      </p:transition>
+    </mc:Fallback>
+  </mc:AlternateContent>
 </p:sld>
 </file>
 
@@ -23708,6 +31496,65 @@
 </file>
 
 <file path=customXml/item1.xml><?xml version="1.0" encoding="utf-8"?>
+<?mso-contentType ?>
+<FormTemplates xmlns="http://schemas.microsoft.com/sharepoint/v3/contenttype/forms">
+  <Display>DocumentLibraryForm</Display>
+  <Edit>DocumentLibraryForm</Edit>
+  <New>DocumentLibraryForm</New>
+</FormTemplates>
+</file>
+
+<file path=customXml/item2.xml><?xml version="1.0" encoding="utf-8"?>
+<?mso-contentType ?>
+<spe:Receivers xmlns:spe="http://schemas.microsoft.com/sharepoint/events">
+  <Receiver>
+    <Name>Document ID Generator</Name>
+    <Synchronization>Synchronous</Synchronization>
+    <Type>10001</Type>
+    <SequenceNumber>1000</SequenceNumber>
+    <Url/>
+    <Assembly>Microsoft.Office.DocumentManagement, Version=16.0.0.0, Culture=neutral, PublicKeyToken=71e9bce111e9429c</Assembly>
+    <Class>Microsoft.Office.DocumentManagement.Internal.DocIdHandler</Class>
+    <Data/>
+    <Filter/>
+  </Receiver>
+  <Receiver>
+    <Name>Document ID Generator</Name>
+    <Synchronization>Synchronous</Synchronization>
+    <Type>10002</Type>
+    <SequenceNumber>1001</SequenceNumber>
+    <Url/>
+    <Assembly>Microsoft.Office.DocumentManagement, Version=16.0.0.0, Culture=neutral, PublicKeyToken=71e9bce111e9429c</Assembly>
+    <Class>Microsoft.Office.DocumentManagement.Internal.DocIdHandler</Class>
+    <Data/>
+    <Filter/>
+  </Receiver>
+  <Receiver>
+    <Name>Document ID Generator</Name>
+    <Synchronization>Synchronous</Synchronization>
+    <Type>10004</Type>
+    <SequenceNumber>1002</SequenceNumber>
+    <Url/>
+    <Assembly>Microsoft.Office.DocumentManagement, Version=16.0.0.0, Culture=neutral, PublicKeyToken=71e9bce111e9429c</Assembly>
+    <Class>Microsoft.Office.DocumentManagement.Internal.DocIdHandler</Class>
+    <Data/>
+    <Filter/>
+  </Receiver>
+  <Receiver>
+    <Name>Document ID Generator</Name>
+    <Synchronization>Synchronous</Synchronization>
+    <Type>10006</Type>
+    <SequenceNumber>1003</SequenceNumber>
+    <Url/>
+    <Assembly>Microsoft.Office.DocumentManagement, Version=16.0.0.0, Culture=neutral, PublicKeyToken=71e9bce111e9429c</Assembly>
+    <Class>Microsoft.Office.DocumentManagement.Internal.DocIdHandler</Class>
+    <Data/>
+    <Filter/>
+  </Receiver>
+</spe:Receivers>
+</file>
+
+<file path=customXml/item3.xml><?xml version="1.0" encoding="utf-8"?>
 <p:properties xmlns:p="http://schemas.microsoft.com/office/2006/metadata/properties" xmlns:xsi="http://www.w3.org/2001/XMLSchema-instance" xmlns:pc="http://schemas.microsoft.com/office/infopath/2007/PartnerControls">
   <documentManagement>
     <_dlc_DocId xmlns="230e9df3-be65-4c73-a93b-d1236ebd677e">CPS089-555620336-143</_dlc_DocId>
@@ -23719,7 +31566,7 @@
 </p:properties>
 </file>
 
-<file path=customXml/item2.xml><?xml version="1.0" encoding="utf-8"?>
+<file path=customXml/item4.xml><?xml version="1.0" encoding="utf-8"?>
 <ct:contentTypeSchema xmlns:ct="http://schemas.microsoft.com/office/2006/metadata/contentType" xmlns:ma="http://schemas.microsoft.com/office/2006/metadata/properties/metaAttributes" ct:_="" ma:_="" ma:contentTypeName="Document" ma:contentTypeID="0x010100E159D276C0CB3447A69A9CE69396C846" ma:contentTypeVersion="2" ma:contentTypeDescription="Create a new document." ma:contentTypeScope="" ma:versionID="1dc5f255bb5d53da19c6b9c45c545005">
   <xsd:schema xmlns:xsd="http://www.w3.org/2001/XMLSchema" xmlns:xs="http://www.w3.org/2001/XMLSchema" xmlns:p="http://schemas.microsoft.com/office/2006/metadata/properties" xmlns:ns2="230e9df3-be65-4c73-a93b-d1236ebd677e" xmlns:ns3="4b6e114e-4d2a-4f10-9268-ba081d6f28ac" targetNamespace="http://schemas.microsoft.com/office/2006/metadata/properties" ma:root="true" ma:fieldsID="2caf596d414b9a9a356b58e82e2d1a15" ns2:_="" ns3:_="">
     <xsd:import namespace="230e9df3-be65-4c73-a93b-d1236ebd677e"/>
@@ -23881,66 +31728,23 @@
 </ct:contentTypeSchema>
 </file>
 
-<file path=customXml/item3.xml><?xml version="1.0" encoding="utf-8"?>
-<?mso-contentType ?>
-<FormTemplates xmlns="http://schemas.microsoft.com/sharepoint/v3/contenttype/forms">
-  <Display>DocumentLibraryForm</Display>
-  <Edit>DocumentLibraryForm</Edit>
-  <New>DocumentLibraryForm</New>
-</FormTemplates>
+<file path=customXml/itemProps1.xml><?xml version="1.0" encoding="utf-8"?>
+<ds:datastoreItem xmlns:ds="http://schemas.openxmlformats.org/officeDocument/2006/customXml" ds:itemID="{758FDAC0-319D-4A54-8D8E-1D42CB1F8004}">
+  <ds:schemaRefs>
+    <ds:schemaRef ds:uri="http://schemas.microsoft.com/sharepoint/v3/contenttype/forms"/>
+  </ds:schemaRefs>
+</ds:datastoreItem>
 </file>
 
-<file path=customXml/item4.xml><?xml version="1.0" encoding="utf-8"?>
-<?mso-contentType ?>
-<spe:Receivers xmlns:spe="http://schemas.microsoft.com/sharepoint/events">
-  <Receiver>
-    <Name>Document ID Generator</Name>
-    <Synchronization>Synchronous</Synchronization>
-    <Type>10001</Type>
-    <SequenceNumber>1000</SequenceNumber>
-    <Url/>
-    <Assembly>Microsoft.Office.DocumentManagement, Version=16.0.0.0, Culture=neutral, PublicKeyToken=71e9bce111e9429c</Assembly>
-    <Class>Microsoft.Office.DocumentManagement.Internal.DocIdHandler</Class>
-    <Data/>
-    <Filter/>
-  </Receiver>
-  <Receiver>
-    <Name>Document ID Generator</Name>
-    <Synchronization>Synchronous</Synchronization>
-    <Type>10002</Type>
-    <SequenceNumber>1001</SequenceNumber>
-    <Url/>
-    <Assembly>Microsoft.Office.DocumentManagement, Version=16.0.0.0, Culture=neutral, PublicKeyToken=71e9bce111e9429c</Assembly>
-    <Class>Microsoft.Office.DocumentManagement.Internal.DocIdHandler</Class>
-    <Data/>
-    <Filter/>
-  </Receiver>
-  <Receiver>
-    <Name>Document ID Generator</Name>
-    <Synchronization>Synchronous</Synchronization>
-    <Type>10004</Type>
-    <SequenceNumber>1002</SequenceNumber>
-    <Url/>
-    <Assembly>Microsoft.Office.DocumentManagement, Version=16.0.0.0, Culture=neutral, PublicKeyToken=71e9bce111e9429c</Assembly>
-    <Class>Microsoft.Office.DocumentManagement.Internal.DocIdHandler</Class>
-    <Data/>
-    <Filter/>
-  </Receiver>
-  <Receiver>
-    <Name>Document ID Generator</Name>
-    <Synchronization>Synchronous</Synchronization>
-    <Type>10006</Type>
-    <SequenceNumber>1003</SequenceNumber>
-    <Url/>
-    <Assembly>Microsoft.Office.DocumentManagement, Version=16.0.0.0, Culture=neutral, PublicKeyToken=71e9bce111e9429c</Assembly>
-    <Class>Microsoft.Office.DocumentManagement.Internal.DocIdHandler</Class>
-    <Data/>
-    <Filter/>
-  </Receiver>
-</spe:Receivers>
+<file path=customXml/itemProps2.xml><?xml version="1.0" encoding="utf-8"?>
+<ds:datastoreItem xmlns:ds="http://schemas.openxmlformats.org/officeDocument/2006/customXml" ds:itemID="{FEC9592E-82DD-4399-A4BB-5C49E0F6255D}">
+  <ds:schemaRefs>
+    <ds:schemaRef ds:uri="http://schemas.microsoft.com/sharepoint/events"/>
+  </ds:schemaRefs>
+</ds:datastoreItem>
 </file>
 
-<file path=customXml/itemProps1.xml><?xml version="1.0" encoding="utf-8"?>
+<file path=customXml/itemProps3.xml><?xml version="1.0" encoding="utf-8"?>
 <ds:datastoreItem xmlns:ds="http://schemas.openxmlformats.org/officeDocument/2006/customXml" ds:itemID="{F990F116-B58F-4255-B05B-DA3808E0E5C6}">
   <ds:schemaRefs>
     <ds:schemaRef ds:uri="http://www.w3.org/XML/1998/namespace"/>
@@ -23957,7 +31761,7 @@
 </ds:datastoreItem>
 </file>
 
-<file path=customXml/itemProps2.xml><?xml version="1.0" encoding="utf-8"?>
+<file path=customXml/itemProps4.xml><?xml version="1.0" encoding="utf-8"?>
 <ds:datastoreItem xmlns:ds="http://schemas.openxmlformats.org/officeDocument/2006/customXml" ds:itemID="{2694FA73-0B83-4A62-B0E5-A5BFAD5BFAE6}">
   <ds:schemaRefs>
     <ds:schemaRef ds:uri="http://schemas.microsoft.com/office/2006/metadata/contentType"/>
@@ -23976,18 +31780,8 @@
 </ds:datastoreItem>
 </file>
 
-<file path=customXml/itemProps3.xml><?xml version="1.0" encoding="utf-8"?>
-<ds:datastoreItem xmlns:ds="http://schemas.openxmlformats.org/officeDocument/2006/customXml" ds:itemID="{758FDAC0-319D-4A54-8D8E-1D42CB1F8004}">
-  <ds:schemaRefs>
-    <ds:schemaRef ds:uri="http://schemas.microsoft.com/sharepoint/v3/contenttype/forms"/>
-  </ds:schemaRefs>
-</ds:datastoreItem>
-</file>
-
-<file path=customXml/itemProps4.xml><?xml version="1.0" encoding="utf-8"?>
-<ds:datastoreItem xmlns:ds="http://schemas.openxmlformats.org/officeDocument/2006/customXml" ds:itemID="{FEC9592E-82DD-4399-A4BB-5C49E0F6255D}">
-  <ds:schemaRefs>
-    <ds:schemaRef ds:uri="http://schemas.microsoft.com/sharepoint/events"/>
-  </ds:schemaRefs>
-</ds:datastoreItem>
+<file path=docMetadata/LabelInfo.xml><?xml version="1.0" encoding="utf-8"?>
+<clbl:labelList xmlns:clbl="http://schemas.microsoft.com/office/2020/mipLabelMetadata">
+  <clbl:label id="{f42aa342-8706-4288-bd11-ebb85995028c}" enabled="1" method="Privileged" siteId="{72f988bf-86f1-41af-91ab-2d7cd011db47}" removed="0"/>
+</clbl:labelList>
 </file>